--- a/img/top_down_fitting_slide.pptx
+++ b/img/top_down_fitting_slide.pptx
@@ -198,7 +198,7 @@
           <a:p>
             <a:fld id="{B2DDCB11-7C8F-4DF3-AAAF-6BDD1876932C}" type="datetimeFigureOut">
               <a:rPr lang="en-US" smtClean="0"/>
-              <a:t>2/24/2023</a:t>
+              <a:t>10/4/2023</a:t>
             </a:fld>
             <a:endParaRPr lang="en-US"/>
           </a:p>
@@ -720,7 +720,7 @@
           <a:p>
             <a:fld id="{C26389DF-7C87-4F65-9868-559F2AC6CA20}" type="datetimeFigureOut">
               <a:rPr lang="en-US" smtClean="0"/>
-              <a:t>2/24/2023</a:t>
+              <a:t>10/4/2023</a:t>
             </a:fld>
             <a:endParaRPr lang="en-US"/>
           </a:p>
@@ -890,7 +890,7 @@
           <a:p>
             <a:fld id="{C26389DF-7C87-4F65-9868-559F2AC6CA20}" type="datetimeFigureOut">
               <a:rPr lang="en-US" smtClean="0"/>
-              <a:t>2/24/2023</a:t>
+              <a:t>10/4/2023</a:t>
             </a:fld>
             <a:endParaRPr lang="en-US"/>
           </a:p>
@@ -1070,7 +1070,7 @@
           <a:p>
             <a:fld id="{C26389DF-7C87-4F65-9868-559F2AC6CA20}" type="datetimeFigureOut">
               <a:rPr lang="en-US" smtClean="0"/>
-              <a:t>2/24/2023</a:t>
+              <a:t>10/4/2023</a:t>
             </a:fld>
             <a:endParaRPr lang="en-US"/>
           </a:p>
@@ -1240,7 +1240,7 @@
           <a:p>
             <a:fld id="{C26389DF-7C87-4F65-9868-559F2AC6CA20}" type="datetimeFigureOut">
               <a:rPr lang="en-US" smtClean="0"/>
-              <a:t>2/24/2023</a:t>
+              <a:t>10/4/2023</a:t>
             </a:fld>
             <a:endParaRPr lang="en-US"/>
           </a:p>
@@ -1486,7 +1486,7 @@
           <a:p>
             <a:fld id="{C26389DF-7C87-4F65-9868-559F2AC6CA20}" type="datetimeFigureOut">
               <a:rPr lang="en-US" smtClean="0"/>
-              <a:t>2/24/2023</a:t>
+              <a:t>10/4/2023</a:t>
             </a:fld>
             <a:endParaRPr lang="en-US"/>
           </a:p>
@@ -1718,7 +1718,7 @@
           <a:p>
             <a:fld id="{C26389DF-7C87-4F65-9868-559F2AC6CA20}" type="datetimeFigureOut">
               <a:rPr lang="en-US" smtClean="0"/>
-              <a:t>2/24/2023</a:t>
+              <a:t>10/4/2023</a:t>
             </a:fld>
             <a:endParaRPr lang="en-US"/>
           </a:p>
@@ -2085,7 +2085,7 @@
           <a:p>
             <a:fld id="{C26389DF-7C87-4F65-9868-559F2AC6CA20}" type="datetimeFigureOut">
               <a:rPr lang="en-US" smtClean="0"/>
-              <a:t>2/24/2023</a:t>
+              <a:t>10/4/2023</a:t>
             </a:fld>
             <a:endParaRPr lang="en-US"/>
           </a:p>
@@ -2203,7 +2203,7 @@
           <a:p>
             <a:fld id="{C26389DF-7C87-4F65-9868-559F2AC6CA20}" type="datetimeFigureOut">
               <a:rPr lang="en-US" smtClean="0"/>
-              <a:t>2/24/2023</a:t>
+              <a:t>10/4/2023</a:t>
             </a:fld>
             <a:endParaRPr lang="en-US"/>
           </a:p>
@@ -2298,7 +2298,7 @@
           <a:p>
             <a:fld id="{C26389DF-7C87-4F65-9868-559F2AC6CA20}" type="datetimeFigureOut">
               <a:rPr lang="en-US" smtClean="0"/>
-              <a:t>2/24/2023</a:t>
+              <a:t>10/4/2023</a:t>
             </a:fld>
             <a:endParaRPr lang="en-US"/>
           </a:p>
@@ -2575,7 +2575,7 @@
           <a:p>
             <a:fld id="{C26389DF-7C87-4F65-9868-559F2AC6CA20}" type="datetimeFigureOut">
               <a:rPr lang="en-US" smtClean="0"/>
-              <a:t>2/24/2023</a:t>
+              <a:t>10/4/2023</a:t>
             </a:fld>
             <a:endParaRPr lang="en-US"/>
           </a:p>
@@ -2832,7 +2832,7 @@
           <a:p>
             <a:fld id="{C26389DF-7C87-4F65-9868-559F2AC6CA20}" type="datetimeFigureOut">
               <a:rPr lang="en-US" smtClean="0"/>
-              <a:t>2/24/2023</a:t>
+              <a:t>10/4/2023</a:t>
             </a:fld>
             <a:endParaRPr lang="en-US"/>
           </a:p>
@@ -3045,7 +3045,7 @@
           <a:p>
             <a:fld id="{C26389DF-7C87-4F65-9868-559F2AC6CA20}" type="datetimeFigureOut">
               <a:rPr lang="en-US" smtClean="0"/>
-              <a:t>2/24/2023</a:t>
+              <a:t>10/4/2023</a:t>
             </a:fld>
             <a:endParaRPr lang="en-US"/>
           </a:p>
@@ -3450,45 +3450,6 @@
           <a:chExt cx="0" cy="0"/>
         </a:xfrm>
       </p:grpSpPr>
-      <p:pic>
-        <p:nvPicPr>
-          <p:cNvPr id="77" name="Graphic 76">
-            <a:extLst>
-              <a:ext uri="{FF2B5EF4-FFF2-40B4-BE49-F238E27FC236}">
-                <a16:creationId xmlns:a16="http://schemas.microsoft.com/office/drawing/2014/main" id="{201E46E6-83C3-F36B-2CB7-6AEC9F9A43CD}"/>
-              </a:ext>
-            </a:extLst>
-          </p:cNvPr>
-          <p:cNvPicPr>
-            <a:picLocks noChangeAspect="1"/>
-          </p:cNvPicPr>
-          <p:nvPr/>
-        </p:nvPicPr>
-        <p:blipFill>
-          <a:blip r:embed="rId3" cstate="print">
-            <a:extLst>
-              <a:ext uri="{28A0092B-C50C-407E-A947-70E740481C1C}">
-                <a14:useLocalDpi xmlns:a14="http://schemas.microsoft.com/office/drawing/2010/main" val="0"/>
-              </a:ext>
-              <a:ext uri="{96DAC541-7B7A-43D3-8B79-37D633B846F1}">
-                <asvg:svgBlip xmlns:asvg="http://schemas.microsoft.com/office/drawing/2016/SVG/main" r:embed="rId4"/>
-              </a:ext>
-            </a:extLst>
-          </a:blip>
-          <a:stretch>
-            <a:fillRect/>
-          </a:stretch>
-        </p:blipFill>
-        <p:spPr>
-          <a:xfrm>
-            <a:off x="285200" y="206828"/>
-            <a:ext cx="124800" cy="187200"/>
-          </a:xfrm>
-          <a:prstGeom prst="rect">
-            <a:avLst/>
-          </a:prstGeom>
-        </p:spPr>
-      </p:pic>
       <p:grpSp>
         <p:nvGrpSpPr>
           <p:cNvPr id="10" name="Scene">
@@ -3646,7 +3607,7 @@
             <p:nvPr/>
           </p:nvPicPr>
           <p:blipFill>
-            <a:blip r:embed="rId5" cstate="print">
+            <a:blip r:embed="rId3" cstate="print">
               <a:extLst>
                 <a:ext uri="{28A0092B-C50C-407E-A947-70E740481C1C}">
                   <a14:useLocalDpi xmlns:a14="http://schemas.microsoft.com/office/drawing/2010/main" val="0"/>
@@ -5091,99 +5052,6 @@
           </a:p>
         </p:txBody>
       </p:sp>
-      <p:pic>
-        <p:nvPicPr>
-          <p:cNvPr id="47" name="Picture 46" descr="Icon&#10;&#10;Description automatically generated">
-            <a:extLst>
-              <a:ext uri="{FF2B5EF4-FFF2-40B4-BE49-F238E27FC236}">
-                <a16:creationId xmlns:a16="http://schemas.microsoft.com/office/drawing/2014/main" id="{5151EA67-F660-4B02-B2F5-19A9EE6C9456}"/>
-              </a:ext>
-            </a:extLst>
-          </p:cNvPr>
-          <p:cNvPicPr>
-            <a:picLocks noChangeAspect="1"/>
-          </p:cNvPicPr>
-          <p:nvPr/>
-        </p:nvPicPr>
-        <p:blipFill>
-          <a:blip r:embed="rId6" cstate="print">
-            <a:extLst>
-              <a:ext uri="{28A0092B-C50C-407E-A947-70E740481C1C}">
-                <a14:useLocalDpi xmlns:a14="http://schemas.microsoft.com/office/drawing/2010/main" val="0"/>
-              </a:ext>
-            </a:extLst>
-          </a:blip>
-          <a:stretch>
-            <a:fillRect/>
-          </a:stretch>
-        </p:blipFill>
-        <p:spPr>
-          <a:xfrm>
-            <a:off x="248001" y="119152"/>
-            <a:ext cx="522309" cy="522309"/>
-          </a:xfrm>
-          <a:prstGeom prst="rect">
-            <a:avLst/>
-          </a:prstGeom>
-        </p:spPr>
-      </p:pic>
-      <p:sp>
-        <p:nvSpPr>
-          <p:cNvPr id="48" name="Rectangle 47">
-            <a:extLst>
-              <a:ext uri="{FF2B5EF4-FFF2-40B4-BE49-F238E27FC236}">
-                <a16:creationId xmlns:a16="http://schemas.microsoft.com/office/drawing/2014/main" id="{59690E28-84C1-1E8C-0A0D-1C431C796B46}"/>
-              </a:ext>
-            </a:extLst>
-          </p:cNvPr>
-          <p:cNvSpPr/>
-          <p:nvPr/>
-        </p:nvSpPr>
-        <p:spPr>
-          <a:xfrm>
-            <a:off x="255503" y="180213"/>
-            <a:ext cx="194589" cy="234520"/>
-          </a:xfrm>
-          <a:prstGeom prst="rect">
-            <a:avLst/>
-          </a:prstGeom>
-          <a:noFill/>
-          <a:ln w="28575">
-            <a:solidFill>
-              <a:schemeClr val="accent6">
-                <a:lumMod val="50000"/>
-              </a:schemeClr>
-            </a:solidFill>
-          </a:ln>
-        </p:spPr>
-        <p:style>
-          <a:lnRef idx="2">
-            <a:schemeClr val="accent1">
-              <a:shade val="50000"/>
-            </a:schemeClr>
-          </a:lnRef>
-          <a:fillRef idx="1">
-            <a:schemeClr val="accent1"/>
-          </a:fillRef>
-          <a:effectRef idx="0">
-            <a:schemeClr val="accent1"/>
-          </a:effectRef>
-          <a:fontRef idx="minor">
-            <a:schemeClr val="lt1"/>
-          </a:fontRef>
-        </p:style>
-        <p:txBody>
-          <a:bodyPr rtlCol="0" anchor="ctr"/>
-          <a:lstStyle/>
-          <a:p>
-            <a:pPr algn="ctr"/>
-            <a:endParaRPr lang="en-US" sz="1000">
-              <a:latin typeface="Times New Roman" panose="02020603050405020304" pitchFamily="18" charset="0"/>
-              <a:cs typeface="Times New Roman" panose="02020603050405020304" pitchFamily="18" charset="0"/>
-            </a:endParaRPr>
-          </a:p>
-        </p:txBody>
-      </p:sp>
       <p:cxnSp>
         <p:nvCxnSpPr>
           <p:cNvPr id="56" name="Straight Arrow Connector 55">
@@ -6140,13 +6008,13 @@
           <p:nvPr/>
         </p:nvPicPr>
         <p:blipFill>
-          <a:blip r:embed="rId7" cstate="print">
+          <a:blip r:embed="rId4" cstate="print">
             <a:extLst>
               <a:ext uri="{28A0092B-C50C-407E-A947-70E740481C1C}">
                 <a14:useLocalDpi xmlns:a14="http://schemas.microsoft.com/office/drawing/2010/main" val="0"/>
               </a:ext>
               <a:ext uri="{96DAC541-7B7A-43D3-8B79-37D633B846F1}">
-                <asvg:svgBlip xmlns:asvg="http://schemas.microsoft.com/office/drawing/2016/SVG/main" r:embed="rId8"/>
+                <asvg:svgBlip xmlns:asvg="http://schemas.microsoft.com/office/drawing/2016/SVG/main" r:embed="rId5"/>
               </a:ext>
             </a:extLst>
           </a:blip>
@@ -6164,2251 +6032,6 @@
           </a:prstGeom>
         </p:spPr>
       </p:pic>
-      <p:grpSp>
-        <p:nvGrpSpPr>
-          <p:cNvPr id="7" name="Group 6">
-            <a:extLst>
-              <a:ext uri="{FF2B5EF4-FFF2-40B4-BE49-F238E27FC236}">
-                <a16:creationId xmlns:a16="http://schemas.microsoft.com/office/drawing/2014/main" id="{AFA3596F-8761-C26F-679D-F0E91638AB89}"/>
-              </a:ext>
-            </a:extLst>
-          </p:cNvPr>
-          <p:cNvGrpSpPr/>
-          <p:nvPr/>
-        </p:nvGrpSpPr>
-        <p:grpSpPr>
-          <a:xfrm>
-            <a:off x="-4303014" y="-3023016"/>
-            <a:ext cx="9360000" cy="9360000"/>
-            <a:chOff x="-1584000" y="-1584000"/>
-            <a:chExt cx="9360000" cy="9360000"/>
-          </a:xfrm>
-        </p:grpSpPr>
-        <p:sp>
-          <p:nvSpPr>
-            <p:cNvPr id="64" name="Kreis Rand">
-              <a:extLst>
-                <a:ext uri="{FF2B5EF4-FFF2-40B4-BE49-F238E27FC236}">
-                  <a16:creationId xmlns:a16="http://schemas.microsoft.com/office/drawing/2014/main" id="{39D1C7FB-C6FF-7913-461E-257388D1CA9D}"/>
-                </a:ext>
-              </a:extLst>
-            </p:cNvPr>
-            <p:cNvSpPr/>
-            <p:nvPr/>
-          </p:nvSpPr>
-          <p:spPr>
-            <a:xfrm rot="5400000">
-              <a:off x="1" y="1"/>
-              <a:ext cx="6192000" cy="6192000"/>
-            </a:xfrm>
-            <a:prstGeom prst="arc">
-              <a:avLst>
-                <a:gd name="adj1" fmla="val 17335265"/>
-                <a:gd name="adj2" fmla="val 14868702"/>
-              </a:avLst>
-            </a:prstGeom>
-            <a:noFill/>
-            <a:ln w="12700" cmpd="sng">
-              <a:solidFill>
-                <a:schemeClr val="accent2">
-                  <a:lumMod val="75000"/>
-                </a:schemeClr>
-              </a:solidFill>
-              <a:prstDash val="sysDash"/>
-              <a:extLst>
-                <a:ext uri="{C807C97D-BFC1-408E-A445-0C87EB9F89A2}">
-                  <ask:lineSketchStyleProps xmlns:ask="http://schemas.microsoft.com/office/drawing/2018/sketchyshapes" sd="1219033472">
-                    <a:custGeom>
-                      <a:avLst/>
-                      <a:gdLst>
-                        <a:gd name="connsiteX0" fmla="*/ 1601186 w 7116512"/>
-                        <a:gd name="connsiteY0" fmla="*/ 814655 h 9884146"/>
-                        <a:gd name="connsiteX1" fmla="*/ 5651162 w 7116512"/>
-                        <a:gd name="connsiteY1" fmla="*/ 945282 h 9884146"/>
-                        <a:gd name="connsiteX2" fmla="*/ 5452336 w 7116512"/>
-                        <a:gd name="connsiteY2" fmla="*/ 1324977 h 9884146"/>
-                        <a:gd name="connsiteX3" fmla="*/ 5232581 w 7116512"/>
-                        <a:gd name="connsiteY3" fmla="*/ 1744640 h 9884146"/>
-                        <a:gd name="connsiteX4" fmla="*/ 4991897 w 7116512"/>
-                        <a:gd name="connsiteY4" fmla="*/ 2204271 h 9884146"/>
-                        <a:gd name="connsiteX5" fmla="*/ 4688425 w 7116512"/>
-                        <a:gd name="connsiteY5" fmla="*/ 2783806 h 9884146"/>
-                        <a:gd name="connsiteX6" fmla="*/ 4426812 w 7116512"/>
-                        <a:gd name="connsiteY6" fmla="*/ 3283405 h 9884146"/>
-                        <a:gd name="connsiteX7" fmla="*/ 4186128 w 7116512"/>
-                        <a:gd name="connsiteY7" fmla="*/ 3743036 h 9884146"/>
-                        <a:gd name="connsiteX8" fmla="*/ 3987302 w 7116512"/>
-                        <a:gd name="connsiteY8" fmla="*/ 4122731 h 9884146"/>
-                        <a:gd name="connsiteX9" fmla="*/ 3788476 w 7116512"/>
-                        <a:gd name="connsiteY9" fmla="*/ 4502426 h 9884146"/>
-                        <a:gd name="connsiteX10" fmla="*/ 3558256 w 7116512"/>
-                        <a:gd name="connsiteY10" fmla="*/ 4942073 h 9884146"/>
-                        <a:gd name="connsiteX11" fmla="*/ 3352764 w 7116512"/>
-                        <a:gd name="connsiteY11" fmla="*/ 4508694 h 9884146"/>
-                        <a:gd name="connsiteX12" fmla="*/ 3127701 w 7116512"/>
-                        <a:gd name="connsiteY12" fmla="*/ 4034041 h 9884146"/>
-                        <a:gd name="connsiteX13" fmla="*/ 2843925 w 7116512"/>
-                        <a:gd name="connsiteY13" fmla="*/ 3435565 h 9884146"/>
-                        <a:gd name="connsiteX14" fmla="*/ 2599292 w 7116512"/>
-                        <a:gd name="connsiteY14" fmla="*/ 2919638 h 9884146"/>
-                        <a:gd name="connsiteX15" fmla="*/ 2335087 w 7116512"/>
-                        <a:gd name="connsiteY15" fmla="*/ 2362437 h 9884146"/>
-                        <a:gd name="connsiteX16" fmla="*/ 2110024 w 7116512"/>
-                        <a:gd name="connsiteY16" fmla="*/ 1887784 h 9884146"/>
-                        <a:gd name="connsiteX17" fmla="*/ 1865390 w 7116512"/>
-                        <a:gd name="connsiteY17" fmla="*/ 1371856 h 9884146"/>
-                        <a:gd name="connsiteX18" fmla="*/ 1601186 w 7116512"/>
-                        <a:gd name="connsiteY18" fmla="*/ 814655 h 9884146"/>
-                      </a:gdLst>
-                      <a:ahLst/>
-                      <a:cxnLst>
-                        <a:cxn ang="0">
-                          <a:pos x="connsiteX0" y="connsiteY0"/>
-                        </a:cxn>
-                        <a:cxn ang="0">
-                          <a:pos x="connsiteX1" y="connsiteY1"/>
-                        </a:cxn>
-                        <a:cxn ang="0">
-                          <a:pos x="connsiteX2" y="connsiteY2"/>
-                        </a:cxn>
-                        <a:cxn ang="0">
-                          <a:pos x="connsiteX3" y="connsiteY3"/>
-                        </a:cxn>
-                        <a:cxn ang="0">
-                          <a:pos x="connsiteX4" y="connsiteY4"/>
-                        </a:cxn>
-                        <a:cxn ang="0">
-                          <a:pos x="connsiteX5" y="connsiteY5"/>
-                        </a:cxn>
-                        <a:cxn ang="0">
-                          <a:pos x="connsiteX6" y="connsiteY6"/>
-                        </a:cxn>
-                        <a:cxn ang="0">
-                          <a:pos x="connsiteX7" y="connsiteY7"/>
-                        </a:cxn>
-                        <a:cxn ang="0">
-                          <a:pos x="connsiteX8" y="connsiteY8"/>
-                        </a:cxn>
-                        <a:cxn ang="0">
-                          <a:pos x="connsiteX9" y="connsiteY9"/>
-                        </a:cxn>
-                        <a:cxn ang="0">
-                          <a:pos x="connsiteX10" y="connsiteY10"/>
-                        </a:cxn>
-                        <a:cxn ang="0">
-                          <a:pos x="connsiteX11" y="connsiteY11"/>
-                        </a:cxn>
-                        <a:cxn ang="0">
-                          <a:pos x="connsiteX12" y="connsiteY12"/>
-                        </a:cxn>
-                        <a:cxn ang="0">
-                          <a:pos x="connsiteX13" y="connsiteY13"/>
-                        </a:cxn>
-                        <a:cxn ang="0">
-                          <a:pos x="connsiteX14" y="connsiteY14"/>
-                        </a:cxn>
-                        <a:cxn ang="0">
-                          <a:pos x="connsiteX15" y="connsiteY15"/>
-                        </a:cxn>
-                        <a:cxn ang="0">
-                          <a:pos x="connsiteX16" y="connsiteY16"/>
-                        </a:cxn>
-                        <a:cxn ang="0">
-                          <a:pos x="connsiteX17" y="connsiteY17"/>
-                        </a:cxn>
-                        <a:cxn ang="0">
-                          <a:pos x="connsiteX18" y="connsiteY18"/>
-                        </a:cxn>
-                      </a:cxnLst>
-                      <a:rect l="l" t="t" r="r" b="b"/>
-                      <a:pathLst>
-                        <a:path w="7116512" h="9884146" fill="none" extrusionOk="0">
-                          <a:moveTo>
-                            <a:pt x="1601186" y="814655"/>
-                          </a:moveTo>
-                          <a:cubicBezTo>
-                            <a:pt x="2846954" y="-424980"/>
-                            <a:pt x="4047580" y="-29084"/>
-                            <a:pt x="5651162" y="945282"/>
-                          </a:cubicBezTo>
-                          <a:cubicBezTo>
-                            <a:pt x="5608953" y="1033012"/>
-                            <a:pt x="5515638" y="1194683"/>
-                            <a:pt x="5452336" y="1324977"/>
-                          </a:cubicBezTo>
-                          <a:cubicBezTo>
-                            <a:pt x="5389034" y="1455271"/>
-                            <a:pt x="5303964" y="1545168"/>
-                            <a:pt x="5232581" y="1744640"/>
-                          </a:cubicBezTo>
-                          <a:cubicBezTo>
-                            <a:pt x="5161198" y="1944112"/>
-                            <a:pt x="5054945" y="1978948"/>
-                            <a:pt x="4991897" y="2204271"/>
-                          </a:cubicBezTo>
-                          <a:cubicBezTo>
-                            <a:pt x="4928849" y="2429594"/>
-                            <a:pt x="4739985" y="2566490"/>
-                            <a:pt x="4688425" y="2783806"/>
-                          </a:cubicBezTo>
-                          <a:cubicBezTo>
-                            <a:pt x="4636865" y="3001122"/>
-                            <a:pt x="4481884" y="3070481"/>
-                            <a:pt x="4426812" y="3283405"/>
-                          </a:cubicBezTo>
-                          <a:cubicBezTo>
-                            <a:pt x="4371740" y="3496329"/>
-                            <a:pt x="4202687" y="3631910"/>
-                            <a:pt x="4186128" y="3743036"/>
-                          </a:cubicBezTo>
-                          <a:cubicBezTo>
-                            <a:pt x="4169569" y="3854162"/>
-                            <a:pt x="4025042" y="3994312"/>
-                            <a:pt x="3987302" y="4122731"/>
-                          </a:cubicBezTo>
-                          <a:cubicBezTo>
-                            <a:pt x="3949562" y="4251150"/>
-                            <a:pt x="3860824" y="4343056"/>
-                            <a:pt x="3788476" y="4502426"/>
-                          </a:cubicBezTo>
-                          <a:cubicBezTo>
-                            <a:pt x="3716128" y="4661796"/>
-                            <a:pt x="3608011" y="4831271"/>
-                            <a:pt x="3558256" y="4942073"/>
-                          </a:cubicBezTo>
-                          <a:cubicBezTo>
-                            <a:pt x="3459471" y="4751403"/>
-                            <a:pt x="3490920" y="4667258"/>
-                            <a:pt x="3352764" y="4508694"/>
-                          </a:cubicBezTo>
-                          <a:cubicBezTo>
-                            <a:pt x="3214607" y="4350130"/>
-                            <a:pt x="3195495" y="4154082"/>
-                            <a:pt x="3127701" y="4034041"/>
-                          </a:cubicBezTo>
-                          <a:cubicBezTo>
-                            <a:pt x="3059907" y="3914000"/>
-                            <a:pt x="2947168" y="3645227"/>
-                            <a:pt x="2843925" y="3435565"/>
-                          </a:cubicBezTo>
-                          <a:cubicBezTo>
-                            <a:pt x="2740682" y="3225903"/>
-                            <a:pt x="2728481" y="3107467"/>
-                            <a:pt x="2599292" y="2919638"/>
-                          </a:cubicBezTo>
-                          <a:cubicBezTo>
-                            <a:pt x="2470102" y="2731809"/>
-                            <a:pt x="2448908" y="2487065"/>
-                            <a:pt x="2335087" y="2362437"/>
-                          </a:cubicBezTo>
-                          <a:cubicBezTo>
-                            <a:pt x="2221267" y="2237808"/>
-                            <a:pt x="2182904" y="1975685"/>
-                            <a:pt x="2110024" y="1887784"/>
-                          </a:cubicBezTo>
-                          <a:cubicBezTo>
-                            <a:pt x="2037144" y="1799883"/>
-                            <a:pt x="1970007" y="1458528"/>
-                            <a:pt x="1865390" y="1371856"/>
-                          </a:cubicBezTo>
-                          <a:cubicBezTo>
-                            <a:pt x="1760773" y="1285184"/>
-                            <a:pt x="1712460" y="1030507"/>
-                            <a:pt x="1601186" y="814655"/>
-                          </a:cubicBezTo>
-                          <a:close/>
-                        </a:path>
-                        <a:path w="7116512" h="9884146" stroke="0" extrusionOk="0">
-                          <a:moveTo>
-                            <a:pt x="1601186" y="814655"/>
-                          </a:moveTo>
-                          <a:cubicBezTo>
-                            <a:pt x="2582776" y="-475620"/>
-                            <a:pt x="4230879" y="-182344"/>
-                            <a:pt x="5651162" y="945282"/>
-                          </a:cubicBezTo>
-                          <a:cubicBezTo>
-                            <a:pt x="5580984" y="1195975"/>
-                            <a:pt x="5395736" y="1297823"/>
-                            <a:pt x="5347691" y="1524817"/>
-                          </a:cubicBezTo>
-                          <a:cubicBezTo>
-                            <a:pt x="5299646" y="1751811"/>
-                            <a:pt x="5180997" y="1780586"/>
-                            <a:pt x="5107006" y="1984448"/>
-                          </a:cubicBezTo>
-                          <a:cubicBezTo>
-                            <a:pt x="5033015" y="2188310"/>
-                            <a:pt x="4957359" y="2208526"/>
-                            <a:pt x="4887251" y="2404111"/>
-                          </a:cubicBezTo>
-                          <a:cubicBezTo>
-                            <a:pt x="4817143" y="2599696"/>
-                            <a:pt x="4725091" y="2697327"/>
-                            <a:pt x="4604709" y="2943678"/>
-                          </a:cubicBezTo>
-                          <a:cubicBezTo>
-                            <a:pt x="4484326" y="3190029"/>
-                            <a:pt x="4425891" y="3220174"/>
-                            <a:pt x="4364025" y="3403308"/>
-                          </a:cubicBezTo>
-                          <a:cubicBezTo>
-                            <a:pt x="4302159" y="3586442"/>
-                            <a:pt x="4181373" y="3693684"/>
-                            <a:pt x="4060553" y="3982843"/>
-                          </a:cubicBezTo>
-                          <a:cubicBezTo>
-                            <a:pt x="3939733" y="4272002"/>
-                            <a:pt x="3909699" y="4220534"/>
-                            <a:pt x="3840798" y="4402506"/>
-                          </a:cubicBezTo>
-                          <a:cubicBezTo>
-                            <a:pt x="3771897" y="4584479"/>
-                            <a:pt x="3571466" y="4785555"/>
-                            <a:pt x="3558256" y="4942073"/>
-                          </a:cubicBezTo>
-                          <a:cubicBezTo>
-                            <a:pt x="3470408" y="4848677"/>
-                            <a:pt x="3453504" y="4692408"/>
-                            <a:pt x="3372334" y="4549968"/>
-                          </a:cubicBezTo>
-                          <a:cubicBezTo>
-                            <a:pt x="3291164" y="4407528"/>
-                            <a:pt x="3255444" y="4293832"/>
-                            <a:pt x="3147271" y="4075315"/>
-                          </a:cubicBezTo>
-                          <a:cubicBezTo>
-                            <a:pt x="3039098" y="3856798"/>
-                            <a:pt x="3018683" y="3691685"/>
-                            <a:pt x="2922208" y="3600662"/>
-                          </a:cubicBezTo>
-                          <a:cubicBezTo>
-                            <a:pt x="2825733" y="3509639"/>
-                            <a:pt x="2831356" y="3292440"/>
-                            <a:pt x="2658004" y="3043461"/>
-                          </a:cubicBezTo>
-                          <a:cubicBezTo>
-                            <a:pt x="2484652" y="2794482"/>
-                            <a:pt x="2510033" y="2723194"/>
-                            <a:pt x="2432941" y="2568808"/>
-                          </a:cubicBezTo>
-                          <a:cubicBezTo>
-                            <a:pt x="2355849" y="2414422"/>
-                            <a:pt x="2301659" y="2240041"/>
-                            <a:pt x="2149166" y="1970332"/>
-                          </a:cubicBezTo>
-                          <a:cubicBezTo>
-                            <a:pt x="1996672" y="1700623"/>
-                            <a:pt x="2014000" y="1573021"/>
-                            <a:pt x="1865390" y="1371856"/>
-                          </a:cubicBezTo>
-                          <a:cubicBezTo>
-                            <a:pt x="1716780" y="1170691"/>
-                            <a:pt x="1709025" y="905225"/>
-                            <a:pt x="1601186" y="814655"/>
-                          </a:cubicBezTo>
-                          <a:close/>
-                        </a:path>
-                      </a:pathLst>
-                    </a:custGeom>
-                    <ask:type>
-                      <ask:lineSketchNone/>
-                    </ask:type>
-                  </ask:lineSketchStyleProps>
-                </a:ext>
-              </a:extLst>
-            </a:ln>
-          </p:spPr>
-          <p:style>
-            <a:lnRef idx="2">
-              <a:schemeClr val="accent1">
-                <a:shade val="50000"/>
-              </a:schemeClr>
-            </a:lnRef>
-            <a:fillRef idx="1">
-              <a:schemeClr val="accent1"/>
-            </a:fillRef>
-            <a:effectRef idx="0">
-              <a:schemeClr val="accent1"/>
-            </a:effectRef>
-            <a:fontRef idx="minor">
-              <a:schemeClr val="lt1"/>
-            </a:fontRef>
-          </p:style>
-          <p:txBody>
-            <a:bodyPr rtlCol="0" anchor="ctr"/>
-            <a:lstStyle/>
-            <a:p>
-              <a:pPr algn="ctr"/>
-              <a:endParaRPr lang="en-US" sz="1000" dirty="0" err="1">
-                <a:solidFill>
-                  <a:schemeClr val="tx1"/>
-                </a:solidFill>
-                <a:latin typeface="Times New Roman" panose="02020603050405020304" pitchFamily="18" charset="0"/>
-                <a:cs typeface="Times New Roman" panose="02020603050405020304" pitchFamily="18" charset="0"/>
-              </a:endParaRPr>
-            </a:p>
-          </p:txBody>
-        </p:sp>
-        <p:sp>
-          <p:nvSpPr>
-            <p:cNvPr id="63" name="Kreis Fill">
-              <a:extLst>
-                <a:ext uri="{FF2B5EF4-FFF2-40B4-BE49-F238E27FC236}">
-                  <a16:creationId xmlns:a16="http://schemas.microsoft.com/office/drawing/2014/main" id="{DFC76BC5-35A0-5F78-3144-6FC95BC10021}"/>
-                </a:ext>
-              </a:extLst>
-            </p:cNvPr>
-            <p:cNvSpPr/>
-            <p:nvPr/>
-          </p:nvSpPr>
-          <p:spPr>
-            <a:xfrm rot="5400000">
-              <a:off x="0" y="0"/>
-              <a:ext cx="6192000" cy="6192000"/>
-            </a:xfrm>
-            <a:prstGeom prst="pie">
-              <a:avLst>
-                <a:gd name="adj1" fmla="val 17335130"/>
-                <a:gd name="adj2" fmla="val 14875746"/>
-              </a:avLst>
-            </a:prstGeom>
-            <a:gradFill flip="none" rotWithShape="1">
-              <a:gsLst>
-                <a:gs pos="100000">
-                  <a:schemeClr val="accent2"/>
-                </a:gs>
-                <a:gs pos="79000">
-                  <a:srgbClr val="ED7D31">
-                    <a:alpha val="40000"/>
-                  </a:srgbClr>
-                </a:gs>
-                <a:gs pos="63000">
-                  <a:srgbClr val="ED7D31">
-                    <a:alpha val="0"/>
-                  </a:srgbClr>
-                </a:gs>
-              </a:gsLst>
-              <a:path path="circle">
-                <a:fillToRect l="50000" t="50000" r="50000" b="50000"/>
-              </a:path>
-              <a:tileRect/>
-            </a:gradFill>
-            <a:ln w="12700" cmpd="sng">
-              <a:noFill/>
-              <a:prstDash val="sysDash"/>
-              <a:extLst>
-                <a:ext uri="{C807C97D-BFC1-408E-A445-0C87EB9F89A2}">
-                  <ask:lineSketchStyleProps xmlns:ask="http://schemas.microsoft.com/office/drawing/2018/sketchyshapes" sd="1219033472">
-                    <a:custGeom>
-                      <a:avLst/>
-                      <a:gdLst>
-                        <a:gd name="connsiteX0" fmla="*/ 1601186 w 7116512"/>
-                        <a:gd name="connsiteY0" fmla="*/ 814655 h 9884146"/>
-                        <a:gd name="connsiteX1" fmla="*/ 5651162 w 7116512"/>
-                        <a:gd name="connsiteY1" fmla="*/ 945282 h 9884146"/>
-                        <a:gd name="connsiteX2" fmla="*/ 5452336 w 7116512"/>
-                        <a:gd name="connsiteY2" fmla="*/ 1324977 h 9884146"/>
-                        <a:gd name="connsiteX3" fmla="*/ 5232581 w 7116512"/>
-                        <a:gd name="connsiteY3" fmla="*/ 1744640 h 9884146"/>
-                        <a:gd name="connsiteX4" fmla="*/ 4991897 w 7116512"/>
-                        <a:gd name="connsiteY4" fmla="*/ 2204271 h 9884146"/>
-                        <a:gd name="connsiteX5" fmla="*/ 4688425 w 7116512"/>
-                        <a:gd name="connsiteY5" fmla="*/ 2783806 h 9884146"/>
-                        <a:gd name="connsiteX6" fmla="*/ 4426812 w 7116512"/>
-                        <a:gd name="connsiteY6" fmla="*/ 3283405 h 9884146"/>
-                        <a:gd name="connsiteX7" fmla="*/ 4186128 w 7116512"/>
-                        <a:gd name="connsiteY7" fmla="*/ 3743036 h 9884146"/>
-                        <a:gd name="connsiteX8" fmla="*/ 3987302 w 7116512"/>
-                        <a:gd name="connsiteY8" fmla="*/ 4122731 h 9884146"/>
-                        <a:gd name="connsiteX9" fmla="*/ 3788476 w 7116512"/>
-                        <a:gd name="connsiteY9" fmla="*/ 4502426 h 9884146"/>
-                        <a:gd name="connsiteX10" fmla="*/ 3558256 w 7116512"/>
-                        <a:gd name="connsiteY10" fmla="*/ 4942073 h 9884146"/>
-                        <a:gd name="connsiteX11" fmla="*/ 3352764 w 7116512"/>
-                        <a:gd name="connsiteY11" fmla="*/ 4508694 h 9884146"/>
-                        <a:gd name="connsiteX12" fmla="*/ 3127701 w 7116512"/>
-                        <a:gd name="connsiteY12" fmla="*/ 4034041 h 9884146"/>
-                        <a:gd name="connsiteX13" fmla="*/ 2843925 w 7116512"/>
-                        <a:gd name="connsiteY13" fmla="*/ 3435565 h 9884146"/>
-                        <a:gd name="connsiteX14" fmla="*/ 2599292 w 7116512"/>
-                        <a:gd name="connsiteY14" fmla="*/ 2919638 h 9884146"/>
-                        <a:gd name="connsiteX15" fmla="*/ 2335087 w 7116512"/>
-                        <a:gd name="connsiteY15" fmla="*/ 2362437 h 9884146"/>
-                        <a:gd name="connsiteX16" fmla="*/ 2110024 w 7116512"/>
-                        <a:gd name="connsiteY16" fmla="*/ 1887784 h 9884146"/>
-                        <a:gd name="connsiteX17" fmla="*/ 1865390 w 7116512"/>
-                        <a:gd name="connsiteY17" fmla="*/ 1371856 h 9884146"/>
-                        <a:gd name="connsiteX18" fmla="*/ 1601186 w 7116512"/>
-                        <a:gd name="connsiteY18" fmla="*/ 814655 h 9884146"/>
-                      </a:gdLst>
-                      <a:ahLst/>
-                      <a:cxnLst>
-                        <a:cxn ang="0">
-                          <a:pos x="connsiteX0" y="connsiteY0"/>
-                        </a:cxn>
-                        <a:cxn ang="0">
-                          <a:pos x="connsiteX1" y="connsiteY1"/>
-                        </a:cxn>
-                        <a:cxn ang="0">
-                          <a:pos x="connsiteX2" y="connsiteY2"/>
-                        </a:cxn>
-                        <a:cxn ang="0">
-                          <a:pos x="connsiteX3" y="connsiteY3"/>
-                        </a:cxn>
-                        <a:cxn ang="0">
-                          <a:pos x="connsiteX4" y="connsiteY4"/>
-                        </a:cxn>
-                        <a:cxn ang="0">
-                          <a:pos x="connsiteX5" y="connsiteY5"/>
-                        </a:cxn>
-                        <a:cxn ang="0">
-                          <a:pos x="connsiteX6" y="connsiteY6"/>
-                        </a:cxn>
-                        <a:cxn ang="0">
-                          <a:pos x="connsiteX7" y="connsiteY7"/>
-                        </a:cxn>
-                        <a:cxn ang="0">
-                          <a:pos x="connsiteX8" y="connsiteY8"/>
-                        </a:cxn>
-                        <a:cxn ang="0">
-                          <a:pos x="connsiteX9" y="connsiteY9"/>
-                        </a:cxn>
-                        <a:cxn ang="0">
-                          <a:pos x="connsiteX10" y="connsiteY10"/>
-                        </a:cxn>
-                        <a:cxn ang="0">
-                          <a:pos x="connsiteX11" y="connsiteY11"/>
-                        </a:cxn>
-                        <a:cxn ang="0">
-                          <a:pos x="connsiteX12" y="connsiteY12"/>
-                        </a:cxn>
-                        <a:cxn ang="0">
-                          <a:pos x="connsiteX13" y="connsiteY13"/>
-                        </a:cxn>
-                        <a:cxn ang="0">
-                          <a:pos x="connsiteX14" y="connsiteY14"/>
-                        </a:cxn>
-                        <a:cxn ang="0">
-                          <a:pos x="connsiteX15" y="connsiteY15"/>
-                        </a:cxn>
-                        <a:cxn ang="0">
-                          <a:pos x="connsiteX16" y="connsiteY16"/>
-                        </a:cxn>
-                        <a:cxn ang="0">
-                          <a:pos x="connsiteX17" y="connsiteY17"/>
-                        </a:cxn>
-                        <a:cxn ang="0">
-                          <a:pos x="connsiteX18" y="connsiteY18"/>
-                        </a:cxn>
-                      </a:cxnLst>
-                      <a:rect l="l" t="t" r="r" b="b"/>
-                      <a:pathLst>
-                        <a:path w="7116512" h="9884146" fill="none" extrusionOk="0">
-                          <a:moveTo>
-                            <a:pt x="1601186" y="814655"/>
-                          </a:moveTo>
-                          <a:cubicBezTo>
-                            <a:pt x="2846954" y="-424980"/>
-                            <a:pt x="4047580" y="-29084"/>
-                            <a:pt x="5651162" y="945282"/>
-                          </a:cubicBezTo>
-                          <a:cubicBezTo>
-                            <a:pt x="5608953" y="1033012"/>
-                            <a:pt x="5515638" y="1194683"/>
-                            <a:pt x="5452336" y="1324977"/>
-                          </a:cubicBezTo>
-                          <a:cubicBezTo>
-                            <a:pt x="5389034" y="1455271"/>
-                            <a:pt x="5303964" y="1545168"/>
-                            <a:pt x="5232581" y="1744640"/>
-                          </a:cubicBezTo>
-                          <a:cubicBezTo>
-                            <a:pt x="5161198" y="1944112"/>
-                            <a:pt x="5054945" y="1978948"/>
-                            <a:pt x="4991897" y="2204271"/>
-                          </a:cubicBezTo>
-                          <a:cubicBezTo>
-                            <a:pt x="4928849" y="2429594"/>
-                            <a:pt x="4739985" y="2566490"/>
-                            <a:pt x="4688425" y="2783806"/>
-                          </a:cubicBezTo>
-                          <a:cubicBezTo>
-                            <a:pt x="4636865" y="3001122"/>
-                            <a:pt x="4481884" y="3070481"/>
-                            <a:pt x="4426812" y="3283405"/>
-                          </a:cubicBezTo>
-                          <a:cubicBezTo>
-                            <a:pt x="4371740" y="3496329"/>
-                            <a:pt x="4202687" y="3631910"/>
-                            <a:pt x="4186128" y="3743036"/>
-                          </a:cubicBezTo>
-                          <a:cubicBezTo>
-                            <a:pt x="4169569" y="3854162"/>
-                            <a:pt x="4025042" y="3994312"/>
-                            <a:pt x="3987302" y="4122731"/>
-                          </a:cubicBezTo>
-                          <a:cubicBezTo>
-                            <a:pt x="3949562" y="4251150"/>
-                            <a:pt x="3860824" y="4343056"/>
-                            <a:pt x="3788476" y="4502426"/>
-                          </a:cubicBezTo>
-                          <a:cubicBezTo>
-                            <a:pt x="3716128" y="4661796"/>
-                            <a:pt x="3608011" y="4831271"/>
-                            <a:pt x="3558256" y="4942073"/>
-                          </a:cubicBezTo>
-                          <a:cubicBezTo>
-                            <a:pt x="3459471" y="4751403"/>
-                            <a:pt x="3490920" y="4667258"/>
-                            <a:pt x="3352764" y="4508694"/>
-                          </a:cubicBezTo>
-                          <a:cubicBezTo>
-                            <a:pt x="3214607" y="4350130"/>
-                            <a:pt x="3195495" y="4154082"/>
-                            <a:pt x="3127701" y="4034041"/>
-                          </a:cubicBezTo>
-                          <a:cubicBezTo>
-                            <a:pt x="3059907" y="3914000"/>
-                            <a:pt x="2947168" y="3645227"/>
-                            <a:pt x="2843925" y="3435565"/>
-                          </a:cubicBezTo>
-                          <a:cubicBezTo>
-                            <a:pt x="2740682" y="3225903"/>
-                            <a:pt x="2728481" y="3107467"/>
-                            <a:pt x="2599292" y="2919638"/>
-                          </a:cubicBezTo>
-                          <a:cubicBezTo>
-                            <a:pt x="2470102" y="2731809"/>
-                            <a:pt x="2448908" y="2487065"/>
-                            <a:pt x="2335087" y="2362437"/>
-                          </a:cubicBezTo>
-                          <a:cubicBezTo>
-                            <a:pt x="2221267" y="2237808"/>
-                            <a:pt x="2182904" y="1975685"/>
-                            <a:pt x="2110024" y="1887784"/>
-                          </a:cubicBezTo>
-                          <a:cubicBezTo>
-                            <a:pt x="2037144" y="1799883"/>
-                            <a:pt x="1970007" y="1458528"/>
-                            <a:pt x="1865390" y="1371856"/>
-                          </a:cubicBezTo>
-                          <a:cubicBezTo>
-                            <a:pt x="1760773" y="1285184"/>
-                            <a:pt x="1712460" y="1030507"/>
-                            <a:pt x="1601186" y="814655"/>
-                          </a:cubicBezTo>
-                          <a:close/>
-                        </a:path>
-                        <a:path w="7116512" h="9884146" stroke="0" extrusionOk="0">
-                          <a:moveTo>
-                            <a:pt x="1601186" y="814655"/>
-                          </a:moveTo>
-                          <a:cubicBezTo>
-                            <a:pt x="2582776" y="-475620"/>
-                            <a:pt x="4230879" y="-182344"/>
-                            <a:pt x="5651162" y="945282"/>
-                          </a:cubicBezTo>
-                          <a:cubicBezTo>
-                            <a:pt x="5580984" y="1195975"/>
-                            <a:pt x="5395736" y="1297823"/>
-                            <a:pt x="5347691" y="1524817"/>
-                          </a:cubicBezTo>
-                          <a:cubicBezTo>
-                            <a:pt x="5299646" y="1751811"/>
-                            <a:pt x="5180997" y="1780586"/>
-                            <a:pt x="5107006" y="1984448"/>
-                          </a:cubicBezTo>
-                          <a:cubicBezTo>
-                            <a:pt x="5033015" y="2188310"/>
-                            <a:pt x="4957359" y="2208526"/>
-                            <a:pt x="4887251" y="2404111"/>
-                          </a:cubicBezTo>
-                          <a:cubicBezTo>
-                            <a:pt x="4817143" y="2599696"/>
-                            <a:pt x="4725091" y="2697327"/>
-                            <a:pt x="4604709" y="2943678"/>
-                          </a:cubicBezTo>
-                          <a:cubicBezTo>
-                            <a:pt x="4484326" y="3190029"/>
-                            <a:pt x="4425891" y="3220174"/>
-                            <a:pt x="4364025" y="3403308"/>
-                          </a:cubicBezTo>
-                          <a:cubicBezTo>
-                            <a:pt x="4302159" y="3586442"/>
-                            <a:pt x="4181373" y="3693684"/>
-                            <a:pt x="4060553" y="3982843"/>
-                          </a:cubicBezTo>
-                          <a:cubicBezTo>
-                            <a:pt x="3939733" y="4272002"/>
-                            <a:pt x="3909699" y="4220534"/>
-                            <a:pt x="3840798" y="4402506"/>
-                          </a:cubicBezTo>
-                          <a:cubicBezTo>
-                            <a:pt x="3771897" y="4584479"/>
-                            <a:pt x="3571466" y="4785555"/>
-                            <a:pt x="3558256" y="4942073"/>
-                          </a:cubicBezTo>
-                          <a:cubicBezTo>
-                            <a:pt x="3470408" y="4848677"/>
-                            <a:pt x="3453504" y="4692408"/>
-                            <a:pt x="3372334" y="4549968"/>
-                          </a:cubicBezTo>
-                          <a:cubicBezTo>
-                            <a:pt x="3291164" y="4407528"/>
-                            <a:pt x="3255444" y="4293832"/>
-                            <a:pt x="3147271" y="4075315"/>
-                          </a:cubicBezTo>
-                          <a:cubicBezTo>
-                            <a:pt x="3039098" y="3856798"/>
-                            <a:pt x="3018683" y="3691685"/>
-                            <a:pt x="2922208" y="3600662"/>
-                          </a:cubicBezTo>
-                          <a:cubicBezTo>
-                            <a:pt x="2825733" y="3509639"/>
-                            <a:pt x="2831356" y="3292440"/>
-                            <a:pt x="2658004" y="3043461"/>
-                          </a:cubicBezTo>
-                          <a:cubicBezTo>
-                            <a:pt x="2484652" y="2794482"/>
-                            <a:pt x="2510033" y="2723194"/>
-                            <a:pt x="2432941" y="2568808"/>
-                          </a:cubicBezTo>
-                          <a:cubicBezTo>
-                            <a:pt x="2355849" y="2414422"/>
-                            <a:pt x="2301659" y="2240041"/>
-                            <a:pt x="2149166" y="1970332"/>
-                          </a:cubicBezTo>
-                          <a:cubicBezTo>
-                            <a:pt x="1996672" y="1700623"/>
-                            <a:pt x="2014000" y="1573021"/>
-                            <a:pt x="1865390" y="1371856"/>
-                          </a:cubicBezTo>
-                          <a:cubicBezTo>
-                            <a:pt x="1716780" y="1170691"/>
-                            <a:pt x="1709025" y="905225"/>
-                            <a:pt x="1601186" y="814655"/>
-                          </a:cubicBezTo>
-                          <a:close/>
-                        </a:path>
-                      </a:pathLst>
-                    </a:custGeom>
-                    <ask:type>
-                      <ask:lineSketchNone/>
-                    </ask:type>
-                  </ask:lineSketchStyleProps>
-                </a:ext>
-              </a:extLst>
-            </a:ln>
-          </p:spPr>
-          <p:style>
-            <a:lnRef idx="2">
-              <a:schemeClr val="accent1">
-                <a:shade val="50000"/>
-              </a:schemeClr>
-            </a:lnRef>
-            <a:fillRef idx="1">
-              <a:schemeClr val="accent1"/>
-            </a:fillRef>
-            <a:effectRef idx="0">
-              <a:schemeClr val="accent1"/>
-            </a:effectRef>
-            <a:fontRef idx="minor">
-              <a:schemeClr val="lt1"/>
-            </a:fontRef>
-          </p:style>
-          <p:txBody>
-            <a:bodyPr rtlCol="0" anchor="ctr"/>
-            <a:lstStyle/>
-            <a:p>
-              <a:pPr algn="ctr"/>
-              <a:endParaRPr lang="en-US" sz="1000" dirty="0" err="1">
-                <a:solidFill>
-                  <a:schemeClr val="tx1"/>
-                </a:solidFill>
-                <a:latin typeface="Times New Roman" panose="02020603050405020304" pitchFamily="18" charset="0"/>
-                <a:cs typeface="Times New Roman" panose="02020603050405020304" pitchFamily="18" charset="0"/>
-              </a:endParaRPr>
-            </a:p>
-          </p:txBody>
-        </p:sp>
-        <p:sp>
-          <p:nvSpPr>
-            <p:cNvPr id="8" name="Kreisausschnitt Fill">
-              <a:extLst>
-                <a:ext uri="{FF2B5EF4-FFF2-40B4-BE49-F238E27FC236}">
-                  <a16:creationId xmlns:a16="http://schemas.microsoft.com/office/drawing/2014/main" id="{2066A192-6CBF-02B7-ECC7-F6DDE1D83AAE}"/>
-                </a:ext>
-              </a:extLst>
-            </p:cNvPr>
-            <p:cNvSpPr/>
-            <p:nvPr/>
-          </p:nvSpPr>
-          <p:spPr>
-            <a:xfrm rot="5400000">
-              <a:off x="-1584000" y="-1584000"/>
-              <a:ext cx="9360000" cy="9360000"/>
-            </a:xfrm>
-            <a:prstGeom prst="pie">
-              <a:avLst>
-                <a:gd name="adj1" fmla="val 14847695"/>
-                <a:gd name="adj2" fmla="val 17376452"/>
-              </a:avLst>
-            </a:prstGeom>
-            <a:gradFill flip="none" rotWithShape="1">
-              <a:gsLst>
-                <a:gs pos="100000">
-                  <a:schemeClr val="accent2"/>
-                </a:gs>
-                <a:gs pos="89000">
-                  <a:srgbClr val="ED7D31">
-                    <a:alpha val="40000"/>
-                  </a:srgbClr>
-                </a:gs>
-                <a:gs pos="64000">
-                  <a:srgbClr val="ED7D31">
-                    <a:alpha val="0"/>
-                  </a:srgbClr>
-                </a:gs>
-              </a:gsLst>
-              <a:path path="circle">
-                <a:fillToRect l="50000" t="50000" r="50000" b="50000"/>
-              </a:path>
-              <a:tileRect/>
-            </a:gradFill>
-            <a:ln w="12700" cmpd="sng">
-              <a:noFill/>
-              <a:prstDash val="sysDash"/>
-              <a:extLst>
-                <a:ext uri="{C807C97D-BFC1-408E-A445-0C87EB9F89A2}">
-                  <ask:lineSketchStyleProps xmlns:ask="http://schemas.microsoft.com/office/drawing/2018/sketchyshapes" sd="1219033472">
-                    <a:custGeom>
-                      <a:avLst/>
-                      <a:gdLst>
-                        <a:gd name="connsiteX0" fmla="*/ 1601186 w 7116512"/>
-                        <a:gd name="connsiteY0" fmla="*/ 814655 h 9884146"/>
-                        <a:gd name="connsiteX1" fmla="*/ 5651162 w 7116512"/>
-                        <a:gd name="connsiteY1" fmla="*/ 945282 h 9884146"/>
-                        <a:gd name="connsiteX2" fmla="*/ 5452336 w 7116512"/>
-                        <a:gd name="connsiteY2" fmla="*/ 1324977 h 9884146"/>
-                        <a:gd name="connsiteX3" fmla="*/ 5232581 w 7116512"/>
-                        <a:gd name="connsiteY3" fmla="*/ 1744640 h 9884146"/>
-                        <a:gd name="connsiteX4" fmla="*/ 4991897 w 7116512"/>
-                        <a:gd name="connsiteY4" fmla="*/ 2204271 h 9884146"/>
-                        <a:gd name="connsiteX5" fmla="*/ 4688425 w 7116512"/>
-                        <a:gd name="connsiteY5" fmla="*/ 2783806 h 9884146"/>
-                        <a:gd name="connsiteX6" fmla="*/ 4426812 w 7116512"/>
-                        <a:gd name="connsiteY6" fmla="*/ 3283405 h 9884146"/>
-                        <a:gd name="connsiteX7" fmla="*/ 4186128 w 7116512"/>
-                        <a:gd name="connsiteY7" fmla="*/ 3743036 h 9884146"/>
-                        <a:gd name="connsiteX8" fmla="*/ 3987302 w 7116512"/>
-                        <a:gd name="connsiteY8" fmla="*/ 4122731 h 9884146"/>
-                        <a:gd name="connsiteX9" fmla="*/ 3788476 w 7116512"/>
-                        <a:gd name="connsiteY9" fmla="*/ 4502426 h 9884146"/>
-                        <a:gd name="connsiteX10" fmla="*/ 3558256 w 7116512"/>
-                        <a:gd name="connsiteY10" fmla="*/ 4942073 h 9884146"/>
-                        <a:gd name="connsiteX11" fmla="*/ 3352764 w 7116512"/>
-                        <a:gd name="connsiteY11" fmla="*/ 4508694 h 9884146"/>
-                        <a:gd name="connsiteX12" fmla="*/ 3127701 w 7116512"/>
-                        <a:gd name="connsiteY12" fmla="*/ 4034041 h 9884146"/>
-                        <a:gd name="connsiteX13" fmla="*/ 2843925 w 7116512"/>
-                        <a:gd name="connsiteY13" fmla="*/ 3435565 h 9884146"/>
-                        <a:gd name="connsiteX14" fmla="*/ 2599292 w 7116512"/>
-                        <a:gd name="connsiteY14" fmla="*/ 2919638 h 9884146"/>
-                        <a:gd name="connsiteX15" fmla="*/ 2335087 w 7116512"/>
-                        <a:gd name="connsiteY15" fmla="*/ 2362437 h 9884146"/>
-                        <a:gd name="connsiteX16" fmla="*/ 2110024 w 7116512"/>
-                        <a:gd name="connsiteY16" fmla="*/ 1887784 h 9884146"/>
-                        <a:gd name="connsiteX17" fmla="*/ 1865390 w 7116512"/>
-                        <a:gd name="connsiteY17" fmla="*/ 1371856 h 9884146"/>
-                        <a:gd name="connsiteX18" fmla="*/ 1601186 w 7116512"/>
-                        <a:gd name="connsiteY18" fmla="*/ 814655 h 9884146"/>
-                      </a:gdLst>
-                      <a:ahLst/>
-                      <a:cxnLst>
-                        <a:cxn ang="0">
-                          <a:pos x="connsiteX0" y="connsiteY0"/>
-                        </a:cxn>
-                        <a:cxn ang="0">
-                          <a:pos x="connsiteX1" y="connsiteY1"/>
-                        </a:cxn>
-                        <a:cxn ang="0">
-                          <a:pos x="connsiteX2" y="connsiteY2"/>
-                        </a:cxn>
-                        <a:cxn ang="0">
-                          <a:pos x="connsiteX3" y="connsiteY3"/>
-                        </a:cxn>
-                        <a:cxn ang="0">
-                          <a:pos x="connsiteX4" y="connsiteY4"/>
-                        </a:cxn>
-                        <a:cxn ang="0">
-                          <a:pos x="connsiteX5" y="connsiteY5"/>
-                        </a:cxn>
-                        <a:cxn ang="0">
-                          <a:pos x="connsiteX6" y="connsiteY6"/>
-                        </a:cxn>
-                        <a:cxn ang="0">
-                          <a:pos x="connsiteX7" y="connsiteY7"/>
-                        </a:cxn>
-                        <a:cxn ang="0">
-                          <a:pos x="connsiteX8" y="connsiteY8"/>
-                        </a:cxn>
-                        <a:cxn ang="0">
-                          <a:pos x="connsiteX9" y="connsiteY9"/>
-                        </a:cxn>
-                        <a:cxn ang="0">
-                          <a:pos x="connsiteX10" y="connsiteY10"/>
-                        </a:cxn>
-                        <a:cxn ang="0">
-                          <a:pos x="connsiteX11" y="connsiteY11"/>
-                        </a:cxn>
-                        <a:cxn ang="0">
-                          <a:pos x="connsiteX12" y="connsiteY12"/>
-                        </a:cxn>
-                        <a:cxn ang="0">
-                          <a:pos x="connsiteX13" y="connsiteY13"/>
-                        </a:cxn>
-                        <a:cxn ang="0">
-                          <a:pos x="connsiteX14" y="connsiteY14"/>
-                        </a:cxn>
-                        <a:cxn ang="0">
-                          <a:pos x="connsiteX15" y="connsiteY15"/>
-                        </a:cxn>
-                        <a:cxn ang="0">
-                          <a:pos x="connsiteX16" y="connsiteY16"/>
-                        </a:cxn>
-                        <a:cxn ang="0">
-                          <a:pos x="connsiteX17" y="connsiteY17"/>
-                        </a:cxn>
-                        <a:cxn ang="0">
-                          <a:pos x="connsiteX18" y="connsiteY18"/>
-                        </a:cxn>
-                      </a:cxnLst>
-                      <a:rect l="l" t="t" r="r" b="b"/>
-                      <a:pathLst>
-                        <a:path w="7116512" h="9884146" fill="none" extrusionOk="0">
-                          <a:moveTo>
-                            <a:pt x="1601186" y="814655"/>
-                          </a:moveTo>
-                          <a:cubicBezTo>
-                            <a:pt x="2846954" y="-424980"/>
-                            <a:pt x="4047580" y="-29084"/>
-                            <a:pt x="5651162" y="945282"/>
-                          </a:cubicBezTo>
-                          <a:cubicBezTo>
-                            <a:pt x="5608953" y="1033012"/>
-                            <a:pt x="5515638" y="1194683"/>
-                            <a:pt x="5452336" y="1324977"/>
-                          </a:cubicBezTo>
-                          <a:cubicBezTo>
-                            <a:pt x="5389034" y="1455271"/>
-                            <a:pt x="5303964" y="1545168"/>
-                            <a:pt x="5232581" y="1744640"/>
-                          </a:cubicBezTo>
-                          <a:cubicBezTo>
-                            <a:pt x="5161198" y="1944112"/>
-                            <a:pt x="5054945" y="1978948"/>
-                            <a:pt x="4991897" y="2204271"/>
-                          </a:cubicBezTo>
-                          <a:cubicBezTo>
-                            <a:pt x="4928849" y="2429594"/>
-                            <a:pt x="4739985" y="2566490"/>
-                            <a:pt x="4688425" y="2783806"/>
-                          </a:cubicBezTo>
-                          <a:cubicBezTo>
-                            <a:pt x="4636865" y="3001122"/>
-                            <a:pt x="4481884" y="3070481"/>
-                            <a:pt x="4426812" y="3283405"/>
-                          </a:cubicBezTo>
-                          <a:cubicBezTo>
-                            <a:pt x="4371740" y="3496329"/>
-                            <a:pt x="4202687" y="3631910"/>
-                            <a:pt x="4186128" y="3743036"/>
-                          </a:cubicBezTo>
-                          <a:cubicBezTo>
-                            <a:pt x="4169569" y="3854162"/>
-                            <a:pt x="4025042" y="3994312"/>
-                            <a:pt x="3987302" y="4122731"/>
-                          </a:cubicBezTo>
-                          <a:cubicBezTo>
-                            <a:pt x="3949562" y="4251150"/>
-                            <a:pt x="3860824" y="4343056"/>
-                            <a:pt x="3788476" y="4502426"/>
-                          </a:cubicBezTo>
-                          <a:cubicBezTo>
-                            <a:pt x="3716128" y="4661796"/>
-                            <a:pt x="3608011" y="4831271"/>
-                            <a:pt x="3558256" y="4942073"/>
-                          </a:cubicBezTo>
-                          <a:cubicBezTo>
-                            <a:pt x="3459471" y="4751403"/>
-                            <a:pt x="3490920" y="4667258"/>
-                            <a:pt x="3352764" y="4508694"/>
-                          </a:cubicBezTo>
-                          <a:cubicBezTo>
-                            <a:pt x="3214607" y="4350130"/>
-                            <a:pt x="3195495" y="4154082"/>
-                            <a:pt x="3127701" y="4034041"/>
-                          </a:cubicBezTo>
-                          <a:cubicBezTo>
-                            <a:pt x="3059907" y="3914000"/>
-                            <a:pt x="2947168" y="3645227"/>
-                            <a:pt x="2843925" y="3435565"/>
-                          </a:cubicBezTo>
-                          <a:cubicBezTo>
-                            <a:pt x="2740682" y="3225903"/>
-                            <a:pt x="2728481" y="3107467"/>
-                            <a:pt x="2599292" y="2919638"/>
-                          </a:cubicBezTo>
-                          <a:cubicBezTo>
-                            <a:pt x="2470102" y="2731809"/>
-                            <a:pt x="2448908" y="2487065"/>
-                            <a:pt x="2335087" y="2362437"/>
-                          </a:cubicBezTo>
-                          <a:cubicBezTo>
-                            <a:pt x="2221267" y="2237808"/>
-                            <a:pt x="2182904" y="1975685"/>
-                            <a:pt x="2110024" y="1887784"/>
-                          </a:cubicBezTo>
-                          <a:cubicBezTo>
-                            <a:pt x="2037144" y="1799883"/>
-                            <a:pt x="1970007" y="1458528"/>
-                            <a:pt x="1865390" y="1371856"/>
-                          </a:cubicBezTo>
-                          <a:cubicBezTo>
-                            <a:pt x="1760773" y="1285184"/>
-                            <a:pt x="1712460" y="1030507"/>
-                            <a:pt x="1601186" y="814655"/>
-                          </a:cubicBezTo>
-                          <a:close/>
-                        </a:path>
-                        <a:path w="7116512" h="9884146" stroke="0" extrusionOk="0">
-                          <a:moveTo>
-                            <a:pt x="1601186" y="814655"/>
-                          </a:moveTo>
-                          <a:cubicBezTo>
-                            <a:pt x="2582776" y="-475620"/>
-                            <a:pt x="4230879" y="-182344"/>
-                            <a:pt x="5651162" y="945282"/>
-                          </a:cubicBezTo>
-                          <a:cubicBezTo>
-                            <a:pt x="5580984" y="1195975"/>
-                            <a:pt x="5395736" y="1297823"/>
-                            <a:pt x="5347691" y="1524817"/>
-                          </a:cubicBezTo>
-                          <a:cubicBezTo>
-                            <a:pt x="5299646" y="1751811"/>
-                            <a:pt x="5180997" y="1780586"/>
-                            <a:pt x="5107006" y="1984448"/>
-                          </a:cubicBezTo>
-                          <a:cubicBezTo>
-                            <a:pt x="5033015" y="2188310"/>
-                            <a:pt x="4957359" y="2208526"/>
-                            <a:pt x="4887251" y="2404111"/>
-                          </a:cubicBezTo>
-                          <a:cubicBezTo>
-                            <a:pt x="4817143" y="2599696"/>
-                            <a:pt x="4725091" y="2697327"/>
-                            <a:pt x="4604709" y="2943678"/>
-                          </a:cubicBezTo>
-                          <a:cubicBezTo>
-                            <a:pt x="4484326" y="3190029"/>
-                            <a:pt x="4425891" y="3220174"/>
-                            <a:pt x="4364025" y="3403308"/>
-                          </a:cubicBezTo>
-                          <a:cubicBezTo>
-                            <a:pt x="4302159" y="3586442"/>
-                            <a:pt x="4181373" y="3693684"/>
-                            <a:pt x="4060553" y="3982843"/>
-                          </a:cubicBezTo>
-                          <a:cubicBezTo>
-                            <a:pt x="3939733" y="4272002"/>
-                            <a:pt x="3909699" y="4220534"/>
-                            <a:pt x="3840798" y="4402506"/>
-                          </a:cubicBezTo>
-                          <a:cubicBezTo>
-                            <a:pt x="3771897" y="4584479"/>
-                            <a:pt x="3571466" y="4785555"/>
-                            <a:pt x="3558256" y="4942073"/>
-                          </a:cubicBezTo>
-                          <a:cubicBezTo>
-                            <a:pt x="3470408" y="4848677"/>
-                            <a:pt x="3453504" y="4692408"/>
-                            <a:pt x="3372334" y="4549968"/>
-                          </a:cubicBezTo>
-                          <a:cubicBezTo>
-                            <a:pt x="3291164" y="4407528"/>
-                            <a:pt x="3255444" y="4293832"/>
-                            <a:pt x="3147271" y="4075315"/>
-                          </a:cubicBezTo>
-                          <a:cubicBezTo>
-                            <a:pt x="3039098" y="3856798"/>
-                            <a:pt x="3018683" y="3691685"/>
-                            <a:pt x="2922208" y="3600662"/>
-                          </a:cubicBezTo>
-                          <a:cubicBezTo>
-                            <a:pt x="2825733" y="3509639"/>
-                            <a:pt x="2831356" y="3292440"/>
-                            <a:pt x="2658004" y="3043461"/>
-                          </a:cubicBezTo>
-                          <a:cubicBezTo>
-                            <a:pt x="2484652" y="2794482"/>
-                            <a:pt x="2510033" y="2723194"/>
-                            <a:pt x="2432941" y="2568808"/>
-                          </a:cubicBezTo>
-                          <a:cubicBezTo>
-                            <a:pt x="2355849" y="2414422"/>
-                            <a:pt x="2301659" y="2240041"/>
-                            <a:pt x="2149166" y="1970332"/>
-                          </a:cubicBezTo>
-                          <a:cubicBezTo>
-                            <a:pt x="1996672" y="1700623"/>
-                            <a:pt x="2014000" y="1573021"/>
-                            <a:pt x="1865390" y="1371856"/>
-                          </a:cubicBezTo>
-                          <a:cubicBezTo>
-                            <a:pt x="1716780" y="1170691"/>
-                            <a:pt x="1709025" y="905225"/>
-                            <a:pt x="1601186" y="814655"/>
-                          </a:cubicBezTo>
-                          <a:close/>
-                        </a:path>
-                      </a:pathLst>
-                    </a:custGeom>
-                    <ask:type>
-                      <ask:lineSketchNone/>
-                    </ask:type>
-                  </ask:lineSketchStyleProps>
-                </a:ext>
-              </a:extLst>
-            </a:ln>
-            <a:scene3d>
-              <a:camera prst="orthographicFront">
-                <a:rot lat="0" lon="0" rev="0"/>
-              </a:camera>
-              <a:lightRig rig="threePt" dir="t"/>
-            </a:scene3d>
-          </p:spPr>
-          <p:style>
-            <a:lnRef idx="2">
-              <a:schemeClr val="accent1">
-                <a:shade val="50000"/>
-              </a:schemeClr>
-            </a:lnRef>
-            <a:fillRef idx="1">
-              <a:schemeClr val="accent1"/>
-            </a:fillRef>
-            <a:effectRef idx="0">
-              <a:schemeClr val="accent1"/>
-            </a:effectRef>
-            <a:fontRef idx="minor">
-              <a:schemeClr val="lt1"/>
-            </a:fontRef>
-          </p:style>
-          <p:txBody>
-            <a:bodyPr rtlCol="0" anchor="ctr"/>
-            <a:lstStyle/>
-            <a:p>
-              <a:pPr algn="ctr"/>
-              <a:endParaRPr lang="en-US" sz="1000" dirty="0" err="1">
-                <a:solidFill>
-                  <a:schemeClr val="tx1"/>
-                </a:solidFill>
-                <a:latin typeface="Times New Roman" panose="02020603050405020304" pitchFamily="18" charset="0"/>
-                <a:cs typeface="Times New Roman" panose="02020603050405020304" pitchFamily="18" charset="0"/>
-              </a:endParaRPr>
-            </a:p>
-          </p:txBody>
-        </p:sp>
-        <p:sp>
-          <p:nvSpPr>
-            <p:cNvPr id="65" name="Kreisausschnitt Rand">
-              <a:extLst>
-                <a:ext uri="{FF2B5EF4-FFF2-40B4-BE49-F238E27FC236}">
-                  <a16:creationId xmlns:a16="http://schemas.microsoft.com/office/drawing/2014/main" id="{BA356A6F-19F2-921F-B589-ADCF522E4A0F}"/>
-                </a:ext>
-              </a:extLst>
-            </p:cNvPr>
-            <p:cNvSpPr/>
-            <p:nvPr/>
-          </p:nvSpPr>
-          <p:spPr>
-            <a:xfrm rot="5400000">
-              <a:off x="-1584000" y="-1584000"/>
-              <a:ext cx="9360000" cy="9360000"/>
-            </a:xfrm>
-            <a:prstGeom prst="arc">
-              <a:avLst>
-                <a:gd name="adj1" fmla="val 14844955"/>
-                <a:gd name="adj2" fmla="val 17372137"/>
-              </a:avLst>
-            </a:prstGeom>
-            <a:noFill/>
-            <a:ln w="12700" cmpd="sng">
-              <a:solidFill>
-                <a:schemeClr val="accent2">
-                  <a:lumMod val="75000"/>
-                </a:schemeClr>
-              </a:solidFill>
-              <a:prstDash val="sysDash"/>
-              <a:extLst>
-                <a:ext uri="{C807C97D-BFC1-408E-A445-0C87EB9F89A2}">
-                  <ask:lineSketchStyleProps xmlns:ask="http://schemas.microsoft.com/office/drawing/2018/sketchyshapes" sd="1219033472">
-                    <a:custGeom>
-                      <a:avLst/>
-                      <a:gdLst>
-                        <a:gd name="connsiteX0" fmla="*/ 1601186 w 7116512"/>
-                        <a:gd name="connsiteY0" fmla="*/ 814655 h 9884146"/>
-                        <a:gd name="connsiteX1" fmla="*/ 5651162 w 7116512"/>
-                        <a:gd name="connsiteY1" fmla="*/ 945282 h 9884146"/>
-                        <a:gd name="connsiteX2" fmla="*/ 5452336 w 7116512"/>
-                        <a:gd name="connsiteY2" fmla="*/ 1324977 h 9884146"/>
-                        <a:gd name="connsiteX3" fmla="*/ 5232581 w 7116512"/>
-                        <a:gd name="connsiteY3" fmla="*/ 1744640 h 9884146"/>
-                        <a:gd name="connsiteX4" fmla="*/ 4991897 w 7116512"/>
-                        <a:gd name="connsiteY4" fmla="*/ 2204271 h 9884146"/>
-                        <a:gd name="connsiteX5" fmla="*/ 4688425 w 7116512"/>
-                        <a:gd name="connsiteY5" fmla="*/ 2783806 h 9884146"/>
-                        <a:gd name="connsiteX6" fmla="*/ 4426812 w 7116512"/>
-                        <a:gd name="connsiteY6" fmla="*/ 3283405 h 9884146"/>
-                        <a:gd name="connsiteX7" fmla="*/ 4186128 w 7116512"/>
-                        <a:gd name="connsiteY7" fmla="*/ 3743036 h 9884146"/>
-                        <a:gd name="connsiteX8" fmla="*/ 3987302 w 7116512"/>
-                        <a:gd name="connsiteY8" fmla="*/ 4122731 h 9884146"/>
-                        <a:gd name="connsiteX9" fmla="*/ 3788476 w 7116512"/>
-                        <a:gd name="connsiteY9" fmla="*/ 4502426 h 9884146"/>
-                        <a:gd name="connsiteX10" fmla="*/ 3558256 w 7116512"/>
-                        <a:gd name="connsiteY10" fmla="*/ 4942073 h 9884146"/>
-                        <a:gd name="connsiteX11" fmla="*/ 3352764 w 7116512"/>
-                        <a:gd name="connsiteY11" fmla="*/ 4508694 h 9884146"/>
-                        <a:gd name="connsiteX12" fmla="*/ 3127701 w 7116512"/>
-                        <a:gd name="connsiteY12" fmla="*/ 4034041 h 9884146"/>
-                        <a:gd name="connsiteX13" fmla="*/ 2843925 w 7116512"/>
-                        <a:gd name="connsiteY13" fmla="*/ 3435565 h 9884146"/>
-                        <a:gd name="connsiteX14" fmla="*/ 2599292 w 7116512"/>
-                        <a:gd name="connsiteY14" fmla="*/ 2919638 h 9884146"/>
-                        <a:gd name="connsiteX15" fmla="*/ 2335087 w 7116512"/>
-                        <a:gd name="connsiteY15" fmla="*/ 2362437 h 9884146"/>
-                        <a:gd name="connsiteX16" fmla="*/ 2110024 w 7116512"/>
-                        <a:gd name="connsiteY16" fmla="*/ 1887784 h 9884146"/>
-                        <a:gd name="connsiteX17" fmla="*/ 1865390 w 7116512"/>
-                        <a:gd name="connsiteY17" fmla="*/ 1371856 h 9884146"/>
-                        <a:gd name="connsiteX18" fmla="*/ 1601186 w 7116512"/>
-                        <a:gd name="connsiteY18" fmla="*/ 814655 h 9884146"/>
-                      </a:gdLst>
-                      <a:ahLst/>
-                      <a:cxnLst>
-                        <a:cxn ang="0">
-                          <a:pos x="connsiteX0" y="connsiteY0"/>
-                        </a:cxn>
-                        <a:cxn ang="0">
-                          <a:pos x="connsiteX1" y="connsiteY1"/>
-                        </a:cxn>
-                        <a:cxn ang="0">
-                          <a:pos x="connsiteX2" y="connsiteY2"/>
-                        </a:cxn>
-                        <a:cxn ang="0">
-                          <a:pos x="connsiteX3" y="connsiteY3"/>
-                        </a:cxn>
-                        <a:cxn ang="0">
-                          <a:pos x="connsiteX4" y="connsiteY4"/>
-                        </a:cxn>
-                        <a:cxn ang="0">
-                          <a:pos x="connsiteX5" y="connsiteY5"/>
-                        </a:cxn>
-                        <a:cxn ang="0">
-                          <a:pos x="connsiteX6" y="connsiteY6"/>
-                        </a:cxn>
-                        <a:cxn ang="0">
-                          <a:pos x="connsiteX7" y="connsiteY7"/>
-                        </a:cxn>
-                        <a:cxn ang="0">
-                          <a:pos x="connsiteX8" y="connsiteY8"/>
-                        </a:cxn>
-                        <a:cxn ang="0">
-                          <a:pos x="connsiteX9" y="connsiteY9"/>
-                        </a:cxn>
-                        <a:cxn ang="0">
-                          <a:pos x="connsiteX10" y="connsiteY10"/>
-                        </a:cxn>
-                        <a:cxn ang="0">
-                          <a:pos x="connsiteX11" y="connsiteY11"/>
-                        </a:cxn>
-                        <a:cxn ang="0">
-                          <a:pos x="connsiteX12" y="connsiteY12"/>
-                        </a:cxn>
-                        <a:cxn ang="0">
-                          <a:pos x="connsiteX13" y="connsiteY13"/>
-                        </a:cxn>
-                        <a:cxn ang="0">
-                          <a:pos x="connsiteX14" y="connsiteY14"/>
-                        </a:cxn>
-                        <a:cxn ang="0">
-                          <a:pos x="connsiteX15" y="connsiteY15"/>
-                        </a:cxn>
-                        <a:cxn ang="0">
-                          <a:pos x="connsiteX16" y="connsiteY16"/>
-                        </a:cxn>
-                        <a:cxn ang="0">
-                          <a:pos x="connsiteX17" y="connsiteY17"/>
-                        </a:cxn>
-                        <a:cxn ang="0">
-                          <a:pos x="connsiteX18" y="connsiteY18"/>
-                        </a:cxn>
-                      </a:cxnLst>
-                      <a:rect l="l" t="t" r="r" b="b"/>
-                      <a:pathLst>
-                        <a:path w="7116512" h="9884146" fill="none" extrusionOk="0">
-                          <a:moveTo>
-                            <a:pt x="1601186" y="814655"/>
-                          </a:moveTo>
-                          <a:cubicBezTo>
-                            <a:pt x="2846954" y="-424980"/>
-                            <a:pt x="4047580" y="-29084"/>
-                            <a:pt x="5651162" y="945282"/>
-                          </a:cubicBezTo>
-                          <a:cubicBezTo>
-                            <a:pt x="5608953" y="1033012"/>
-                            <a:pt x="5515638" y="1194683"/>
-                            <a:pt x="5452336" y="1324977"/>
-                          </a:cubicBezTo>
-                          <a:cubicBezTo>
-                            <a:pt x="5389034" y="1455271"/>
-                            <a:pt x="5303964" y="1545168"/>
-                            <a:pt x="5232581" y="1744640"/>
-                          </a:cubicBezTo>
-                          <a:cubicBezTo>
-                            <a:pt x="5161198" y="1944112"/>
-                            <a:pt x="5054945" y="1978948"/>
-                            <a:pt x="4991897" y="2204271"/>
-                          </a:cubicBezTo>
-                          <a:cubicBezTo>
-                            <a:pt x="4928849" y="2429594"/>
-                            <a:pt x="4739985" y="2566490"/>
-                            <a:pt x="4688425" y="2783806"/>
-                          </a:cubicBezTo>
-                          <a:cubicBezTo>
-                            <a:pt x="4636865" y="3001122"/>
-                            <a:pt x="4481884" y="3070481"/>
-                            <a:pt x="4426812" y="3283405"/>
-                          </a:cubicBezTo>
-                          <a:cubicBezTo>
-                            <a:pt x="4371740" y="3496329"/>
-                            <a:pt x="4202687" y="3631910"/>
-                            <a:pt x="4186128" y="3743036"/>
-                          </a:cubicBezTo>
-                          <a:cubicBezTo>
-                            <a:pt x="4169569" y="3854162"/>
-                            <a:pt x="4025042" y="3994312"/>
-                            <a:pt x="3987302" y="4122731"/>
-                          </a:cubicBezTo>
-                          <a:cubicBezTo>
-                            <a:pt x="3949562" y="4251150"/>
-                            <a:pt x="3860824" y="4343056"/>
-                            <a:pt x="3788476" y="4502426"/>
-                          </a:cubicBezTo>
-                          <a:cubicBezTo>
-                            <a:pt x="3716128" y="4661796"/>
-                            <a:pt x="3608011" y="4831271"/>
-                            <a:pt x="3558256" y="4942073"/>
-                          </a:cubicBezTo>
-                          <a:cubicBezTo>
-                            <a:pt x="3459471" y="4751403"/>
-                            <a:pt x="3490920" y="4667258"/>
-                            <a:pt x="3352764" y="4508694"/>
-                          </a:cubicBezTo>
-                          <a:cubicBezTo>
-                            <a:pt x="3214607" y="4350130"/>
-                            <a:pt x="3195495" y="4154082"/>
-                            <a:pt x="3127701" y="4034041"/>
-                          </a:cubicBezTo>
-                          <a:cubicBezTo>
-                            <a:pt x="3059907" y="3914000"/>
-                            <a:pt x="2947168" y="3645227"/>
-                            <a:pt x="2843925" y="3435565"/>
-                          </a:cubicBezTo>
-                          <a:cubicBezTo>
-                            <a:pt x="2740682" y="3225903"/>
-                            <a:pt x="2728481" y="3107467"/>
-                            <a:pt x="2599292" y="2919638"/>
-                          </a:cubicBezTo>
-                          <a:cubicBezTo>
-                            <a:pt x="2470102" y="2731809"/>
-                            <a:pt x="2448908" y="2487065"/>
-                            <a:pt x="2335087" y="2362437"/>
-                          </a:cubicBezTo>
-                          <a:cubicBezTo>
-                            <a:pt x="2221267" y="2237808"/>
-                            <a:pt x="2182904" y="1975685"/>
-                            <a:pt x="2110024" y="1887784"/>
-                          </a:cubicBezTo>
-                          <a:cubicBezTo>
-                            <a:pt x="2037144" y="1799883"/>
-                            <a:pt x="1970007" y="1458528"/>
-                            <a:pt x="1865390" y="1371856"/>
-                          </a:cubicBezTo>
-                          <a:cubicBezTo>
-                            <a:pt x="1760773" y="1285184"/>
-                            <a:pt x="1712460" y="1030507"/>
-                            <a:pt x="1601186" y="814655"/>
-                          </a:cubicBezTo>
-                          <a:close/>
-                        </a:path>
-                        <a:path w="7116512" h="9884146" stroke="0" extrusionOk="0">
-                          <a:moveTo>
-                            <a:pt x="1601186" y="814655"/>
-                          </a:moveTo>
-                          <a:cubicBezTo>
-                            <a:pt x="2582776" y="-475620"/>
-                            <a:pt x="4230879" y="-182344"/>
-                            <a:pt x="5651162" y="945282"/>
-                          </a:cubicBezTo>
-                          <a:cubicBezTo>
-                            <a:pt x="5580984" y="1195975"/>
-                            <a:pt x="5395736" y="1297823"/>
-                            <a:pt x="5347691" y="1524817"/>
-                          </a:cubicBezTo>
-                          <a:cubicBezTo>
-                            <a:pt x="5299646" y="1751811"/>
-                            <a:pt x="5180997" y="1780586"/>
-                            <a:pt x="5107006" y="1984448"/>
-                          </a:cubicBezTo>
-                          <a:cubicBezTo>
-                            <a:pt x="5033015" y="2188310"/>
-                            <a:pt x="4957359" y="2208526"/>
-                            <a:pt x="4887251" y="2404111"/>
-                          </a:cubicBezTo>
-                          <a:cubicBezTo>
-                            <a:pt x="4817143" y="2599696"/>
-                            <a:pt x="4725091" y="2697327"/>
-                            <a:pt x="4604709" y="2943678"/>
-                          </a:cubicBezTo>
-                          <a:cubicBezTo>
-                            <a:pt x="4484326" y="3190029"/>
-                            <a:pt x="4425891" y="3220174"/>
-                            <a:pt x="4364025" y="3403308"/>
-                          </a:cubicBezTo>
-                          <a:cubicBezTo>
-                            <a:pt x="4302159" y="3586442"/>
-                            <a:pt x="4181373" y="3693684"/>
-                            <a:pt x="4060553" y="3982843"/>
-                          </a:cubicBezTo>
-                          <a:cubicBezTo>
-                            <a:pt x="3939733" y="4272002"/>
-                            <a:pt x="3909699" y="4220534"/>
-                            <a:pt x="3840798" y="4402506"/>
-                          </a:cubicBezTo>
-                          <a:cubicBezTo>
-                            <a:pt x="3771897" y="4584479"/>
-                            <a:pt x="3571466" y="4785555"/>
-                            <a:pt x="3558256" y="4942073"/>
-                          </a:cubicBezTo>
-                          <a:cubicBezTo>
-                            <a:pt x="3470408" y="4848677"/>
-                            <a:pt x="3453504" y="4692408"/>
-                            <a:pt x="3372334" y="4549968"/>
-                          </a:cubicBezTo>
-                          <a:cubicBezTo>
-                            <a:pt x="3291164" y="4407528"/>
-                            <a:pt x="3255444" y="4293832"/>
-                            <a:pt x="3147271" y="4075315"/>
-                          </a:cubicBezTo>
-                          <a:cubicBezTo>
-                            <a:pt x="3039098" y="3856798"/>
-                            <a:pt x="3018683" y="3691685"/>
-                            <a:pt x="2922208" y="3600662"/>
-                          </a:cubicBezTo>
-                          <a:cubicBezTo>
-                            <a:pt x="2825733" y="3509639"/>
-                            <a:pt x="2831356" y="3292440"/>
-                            <a:pt x="2658004" y="3043461"/>
-                          </a:cubicBezTo>
-                          <a:cubicBezTo>
-                            <a:pt x="2484652" y="2794482"/>
-                            <a:pt x="2510033" y="2723194"/>
-                            <a:pt x="2432941" y="2568808"/>
-                          </a:cubicBezTo>
-                          <a:cubicBezTo>
-                            <a:pt x="2355849" y="2414422"/>
-                            <a:pt x="2301659" y="2240041"/>
-                            <a:pt x="2149166" y="1970332"/>
-                          </a:cubicBezTo>
-                          <a:cubicBezTo>
-                            <a:pt x="1996672" y="1700623"/>
-                            <a:pt x="2014000" y="1573021"/>
-                            <a:pt x="1865390" y="1371856"/>
-                          </a:cubicBezTo>
-                          <a:cubicBezTo>
-                            <a:pt x="1716780" y="1170691"/>
-                            <a:pt x="1709025" y="905225"/>
-                            <a:pt x="1601186" y="814655"/>
-                          </a:cubicBezTo>
-                          <a:close/>
-                        </a:path>
-                      </a:pathLst>
-                    </a:custGeom>
-                    <ask:type>
-                      <ask:lineSketchNone/>
-                    </ask:type>
-                  </ask:lineSketchStyleProps>
-                </a:ext>
-              </a:extLst>
-            </a:ln>
-            <a:scene3d>
-              <a:camera prst="orthographicFront">
-                <a:rot lat="0" lon="0" rev="0"/>
-              </a:camera>
-              <a:lightRig rig="threePt" dir="t"/>
-            </a:scene3d>
-          </p:spPr>
-          <p:style>
-            <a:lnRef idx="2">
-              <a:schemeClr val="accent1">
-                <a:shade val="50000"/>
-              </a:schemeClr>
-            </a:lnRef>
-            <a:fillRef idx="1">
-              <a:schemeClr val="accent1"/>
-            </a:fillRef>
-            <a:effectRef idx="0">
-              <a:schemeClr val="accent1"/>
-            </a:effectRef>
-            <a:fontRef idx="minor">
-              <a:schemeClr val="lt1"/>
-            </a:fontRef>
-          </p:style>
-          <p:txBody>
-            <a:bodyPr rtlCol="0" anchor="ctr"/>
-            <a:lstStyle/>
-            <a:p>
-              <a:pPr algn="ctr"/>
-              <a:endParaRPr lang="en-US" sz="1000" dirty="0" err="1">
-                <a:solidFill>
-                  <a:schemeClr val="tx1"/>
-                </a:solidFill>
-                <a:latin typeface="Times New Roman" panose="02020603050405020304" pitchFamily="18" charset="0"/>
-                <a:cs typeface="Times New Roman" panose="02020603050405020304" pitchFamily="18" charset="0"/>
-              </a:endParaRPr>
-            </a:p>
-          </p:txBody>
-        </p:sp>
-        <p:cxnSp>
-          <p:nvCxnSpPr>
-            <p:cNvPr id="73" name="Kreisausschnitt Radial oben">
-              <a:extLst>
-                <a:ext uri="{FF2B5EF4-FFF2-40B4-BE49-F238E27FC236}">
-                  <a16:creationId xmlns:a16="http://schemas.microsoft.com/office/drawing/2014/main" id="{23CFDD5A-111C-6B35-2FDF-BD0B8C8468B0}"/>
-                </a:ext>
-              </a:extLst>
-            </p:cNvPr>
-            <p:cNvCxnSpPr>
-              <a:cxnSpLocks/>
-              <a:stCxn id="64" idx="2"/>
-            </p:cNvCxnSpPr>
-            <p:nvPr/>
-          </p:nvCxnSpPr>
-          <p:spPr>
-            <a:xfrm flipV="1">
-              <a:off x="5962735" y="1304818"/>
-              <a:ext cx="1455207" cy="621973"/>
-            </a:xfrm>
-            <a:prstGeom prst="line">
-              <a:avLst/>
-            </a:prstGeom>
-            <a:noFill/>
-            <a:ln w="12700" cmpd="sng">
-              <a:solidFill>
-                <a:schemeClr val="accent2">
-                  <a:lumMod val="75000"/>
-                </a:schemeClr>
-              </a:solidFill>
-              <a:prstDash val="sysDash"/>
-              <a:extLst>
-                <a:ext uri="{C807C97D-BFC1-408E-A445-0C87EB9F89A2}">
-                  <ask:lineSketchStyleProps xmlns:ask="http://schemas.microsoft.com/office/drawing/2018/sketchyshapes" sd="1219033472">
-                    <a:custGeom>
-                      <a:avLst/>
-                      <a:gdLst>
-                        <a:gd name="connsiteX0" fmla="*/ 1601186 w 7116512"/>
-                        <a:gd name="connsiteY0" fmla="*/ 814655 h 9884146"/>
-                        <a:gd name="connsiteX1" fmla="*/ 5651162 w 7116512"/>
-                        <a:gd name="connsiteY1" fmla="*/ 945282 h 9884146"/>
-                        <a:gd name="connsiteX2" fmla="*/ 5452336 w 7116512"/>
-                        <a:gd name="connsiteY2" fmla="*/ 1324977 h 9884146"/>
-                        <a:gd name="connsiteX3" fmla="*/ 5232581 w 7116512"/>
-                        <a:gd name="connsiteY3" fmla="*/ 1744640 h 9884146"/>
-                        <a:gd name="connsiteX4" fmla="*/ 4991897 w 7116512"/>
-                        <a:gd name="connsiteY4" fmla="*/ 2204271 h 9884146"/>
-                        <a:gd name="connsiteX5" fmla="*/ 4688425 w 7116512"/>
-                        <a:gd name="connsiteY5" fmla="*/ 2783806 h 9884146"/>
-                        <a:gd name="connsiteX6" fmla="*/ 4426812 w 7116512"/>
-                        <a:gd name="connsiteY6" fmla="*/ 3283405 h 9884146"/>
-                        <a:gd name="connsiteX7" fmla="*/ 4186128 w 7116512"/>
-                        <a:gd name="connsiteY7" fmla="*/ 3743036 h 9884146"/>
-                        <a:gd name="connsiteX8" fmla="*/ 3987302 w 7116512"/>
-                        <a:gd name="connsiteY8" fmla="*/ 4122731 h 9884146"/>
-                        <a:gd name="connsiteX9" fmla="*/ 3788476 w 7116512"/>
-                        <a:gd name="connsiteY9" fmla="*/ 4502426 h 9884146"/>
-                        <a:gd name="connsiteX10" fmla="*/ 3558256 w 7116512"/>
-                        <a:gd name="connsiteY10" fmla="*/ 4942073 h 9884146"/>
-                        <a:gd name="connsiteX11" fmla="*/ 3352764 w 7116512"/>
-                        <a:gd name="connsiteY11" fmla="*/ 4508694 h 9884146"/>
-                        <a:gd name="connsiteX12" fmla="*/ 3127701 w 7116512"/>
-                        <a:gd name="connsiteY12" fmla="*/ 4034041 h 9884146"/>
-                        <a:gd name="connsiteX13" fmla="*/ 2843925 w 7116512"/>
-                        <a:gd name="connsiteY13" fmla="*/ 3435565 h 9884146"/>
-                        <a:gd name="connsiteX14" fmla="*/ 2599292 w 7116512"/>
-                        <a:gd name="connsiteY14" fmla="*/ 2919638 h 9884146"/>
-                        <a:gd name="connsiteX15" fmla="*/ 2335087 w 7116512"/>
-                        <a:gd name="connsiteY15" fmla="*/ 2362437 h 9884146"/>
-                        <a:gd name="connsiteX16" fmla="*/ 2110024 w 7116512"/>
-                        <a:gd name="connsiteY16" fmla="*/ 1887784 h 9884146"/>
-                        <a:gd name="connsiteX17" fmla="*/ 1865390 w 7116512"/>
-                        <a:gd name="connsiteY17" fmla="*/ 1371856 h 9884146"/>
-                        <a:gd name="connsiteX18" fmla="*/ 1601186 w 7116512"/>
-                        <a:gd name="connsiteY18" fmla="*/ 814655 h 9884146"/>
-                      </a:gdLst>
-                      <a:ahLst/>
-                      <a:cxnLst>
-                        <a:cxn ang="0">
-                          <a:pos x="connsiteX0" y="connsiteY0"/>
-                        </a:cxn>
-                        <a:cxn ang="0">
-                          <a:pos x="connsiteX1" y="connsiteY1"/>
-                        </a:cxn>
-                        <a:cxn ang="0">
-                          <a:pos x="connsiteX2" y="connsiteY2"/>
-                        </a:cxn>
-                        <a:cxn ang="0">
-                          <a:pos x="connsiteX3" y="connsiteY3"/>
-                        </a:cxn>
-                        <a:cxn ang="0">
-                          <a:pos x="connsiteX4" y="connsiteY4"/>
-                        </a:cxn>
-                        <a:cxn ang="0">
-                          <a:pos x="connsiteX5" y="connsiteY5"/>
-                        </a:cxn>
-                        <a:cxn ang="0">
-                          <a:pos x="connsiteX6" y="connsiteY6"/>
-                        </a:cxn>
-                        <a:cxn ang="0">
-                          <a:pos x="connsiteX7" y="connsiteY7"/>
-                        </a:cxn>
-                        <a:cxn ang="0">
-                          <a:pos x="connsiteX8" y="connsiteY8"/>
-                        </a:cxn>
-                        <a:cxn ang="0">
-                          <a:pos x="connsiteX9" y="connsiteY9"/>
-                        </a:cxn>
-                        <a:cxn ang="0">
-                          <a:pos x="connsiteX10" y="connsiteY10"/>
-                        </a:cxn>
-                        <a:cxn ang="0">
-                          <a:pos x="connsiteX11" y="connsiteY11"/>
-                        </a:cxn>
-                        <a:cxn ang="0">
-                          <a:pos x="connsiteX12" y="connsiteY12"/>
-                        </a:cxn>
-                        <a:cxn ang="0">
-                          <a:pos x="connsiteX13" y="connsiteY13"/>
-                        </a:cxn>
-                        <a:cxn ang="0">
-                          <a:pos x="connsiteX14" y="connsiteY14"/>
-                        </a:cxn>
-                        <a:cxn ang="0">
-                          <a:pos x="connsiteX15" y="connsiteY15"/>
-                        </a:cxn>
-                        <a:cxn ang="0">
-                          <a:pos x="connsiteX16" y="connsiteY16"/>
-                        </a:cxn>
-                        <a:cxn ang="0">
-                          <a:pos x="connsiteX17" y="connsiteY17"/>
-                        </a:cxn>
-                        <a:cxn ang="0">
-                          <a:pos x="connsiteX18" y="connsiteY18"/>
-                        </a:cxn>
-                      </a:cxnLst>
-                      <a:rect l="l" t="t" r="r" b="b"/>
-                      <a:pathLst>
-                        <a:path w="7116512" h="9884146" fill="none" extrusionOk="0">
-                          <a:moveTo>
-                            <a:pt x="1601186" y="814655"/>
-                          </a:moveTo>
-                          <a:cubicBezTo>
-                            <a:pt x="2846954" y="-424980"/>
-                            <a:pt x="4047580" y="-29084"/>
-                            <a:pt x="5651162" y="945282"/>
-                          </a:cubicBezTo>
-                          <a:cubicBezTo>
-                            <a:pt x="5608953" y="1033012"/>
-                            <a:pt x="5515638" y="1194683"/>
-                            <a:pt x="5452336" y="1324977"/>
-                          </a:cubicBezTo>
-                          <a:cubicBezTo>
-                            <a:pt x="5389034" y="1455271"/>
-                            <a:pt x="5303964" y="1545168"/>
-                            <a:pt x="5232581" y="1744640"/>
-                          </a:cubicBezTo>
-                          <a:cubicBezTo>
-                            <a:pt x="5161198" y="1944112"/>
-                            <a:pt x="5054945" y="1978948"/>
-                            <a:pt x="4991897" y="2204271"/>
-                          </a:cubicBezTo>
-                          <a:cubicBezTo>
-                            <a:pt x="4928849" y="2429594"/>
-                            <a:pt x="4739985" y="2566490"/>
-                            <a:pt x="4688425" y="2783806"/>
-                          </a:cubicBezTo>
-                          <a:cubicBezTo>
-                            <a:pt x="4636865" y="3001122"/>
-                            <a:pt x="4481884" y="3070481"/>
-                            <a:pt x="4426812" y="3283405"/>
-                          </a:cubicBezTo>
-                          <a:cubicBezTo>
-                            <a:pt x="4371740" y="3496329"/>
-                            <a:pt x="4202687" y="3631910"/>
-                            <a:pt x="4186128" y="3743036"/>
-                          </a:cubicBezTo>
-                          <a:cubicBezTo>
-                            <a:pt x="4169569" y="3854162"/>
-                            <a:pt x="4025042" y="3994312"/>
-                            <a:pt x="3987302" y="4122731"/>
-                          </a:cubicBezTo>
-                          <a:cubicBezTo>
-                            <a:pt x="3949562" y="4251150"/>
-                            <a:pt x="3860824" y="4343056"/>
-                            <a:pt x="3788476" y="4502426"/>
-                          </a:cubicBezTo>
-                          <a:cubicBezTo>
-                            <a:pt x="3716128" y="4661796"/>
-                            <a:pt x="3608011" y="4831271"/>
-                            <a:pt x="3558256" y="4942073"/>
-                          </a:cubicBezTo>
-                          <a:cubicBezTo>
-                            <a:pt x="3459471" y="4751403"/>
-                            <a:pt x="3490920" y="4667258"/>
-                            <a:pt x="3352764" y="4508694"/>
-                          </a:cubicBezTo>
-                          <a:cubicBezTo>
-                            <a:pt x="3214607" y="4350130"/>
-                            <a:pt x="3195495" y="4154082"/>
-                            <a:pt x="3127701" y="4034041"/>
-                          </a:cubicBezTo>
-                          <a:cubicBezTo>
-                            <a:pt x="3059907" y="3914000"/>
-                            <a:pt x="2947168" y="3645227"/>
-                            <a:pt x="2843925" y="3435565"/>
-                          </a:cubicBezTo>
-                          <a:cubicBezTo>
-                            <a:pt x="2740682" y="3225903"/>
-                            <a:pt x="2728481" y="3107467"/>
-                            <a:pt x="2599292" y="2919638"/>
-                          </a:cubicBezTo>
-                          <a:cubicBezTo>
-                            <a:pt x="2470102" y="2731809"/>
-                            <a:pt x="2448908" y="2487065"/>
-                            <a:pt x="2335087" y="2362437"/>
-                          </a:cubicBezTo>
-                          <a:cubicBezTo>
-                            <a:pt x="2221267" y="2237808"/>
-                            <a:pt x="2182904" y="1975685"/>
-                            <a:pt x="2110024" y="1887784"/>
-                          </a:cubicBezTo>
-                          <a:cubicBezTo>
-                            <a:pt x="2037144" y="1799883"/>
-                            <a:pt x="1970007" y="1458528"/>
-                            <a:pt x="1865390" y="1371856"/>
-                          </a:cubicBezTo>
-                          <a:cubicBezTo>
-                            <a:pt x="1760773" y="1285184"/>
-                            <a:pt x="1712460" y="1030507"/>
-                            <a:pt x="1601186" y="814655"/>
-                          </a:cubicBezTo>
-                          <a:close/>
-                        </a:path>
-                        <a:path w="7116512" h="9884146" stroke="0" extrusionOk="0">
-                          <a:moveTo>
-                            <a:pt x="1601186" y="814655"/>
-                          </a:moveTo>
-                          <a:cubicBezTo>
-                            <a:pt x="2582776" y="-475620"/>
-                            <a:pt x="4230879" y="-182344"/>
-                            <a:pt x="5651162" y="945282"/>
-                          </a:cubicBezTo>
-                          <a:cubicBezTo>
-                            <a:pt x="5580984" y="1195975"/>
-                            <a:pt x="5395736" y="1297823"/>
-                            <a:pt x="5347691" y="1524817"/>
-                          </a:cubicBezTo>
-                          <a:cubicBezTo>
-                            <a:pt x="5299646" y="1751811"/>
-                            <a:pt x="5180997" y="1780586"/>
-                            <a:pt x="5107006" y="1984448"/>
-                          </a:cubicBezTo>
-                          <a:cubicBezTo>
-                            <a:pt x="5033015" y="2188310"/>
-                            <a:pt x="4957359" y="2208526"/>
-                            <a:pt x="4887251" y="2404111"/>
-                          </a:cubicBezTo>
-                          <a:cubicBezTo>
-                            <a:pt x="4817143" y="2599696"/>
-                            <a:pt x="4725091" y="2697327"/>
-                            <a:pt x="4604709" y="2943678"/>
-                          </a:cubicBezTo>
-                          <a:cubicBezTo>
-                            <a:pt x="4484326" y="3190029"/>
-                            <a:pt x="4425891" y="3220174"/>
-                            <a:pt x="4364025" y="3403308"/>
-                          </a:cubicBezTo>
-                          <a:cubicBezTo>
-                            <a:pt x="4302159" y="3586442"/>
-                            <a:pt x="4181373" y="3693684"/>
-                            <a:pt x="4060553" y="3982843"/>
-                          </a:cubicBezTo>
-                          <a:cubicBezTo>
-                            <a:pt x="3939733" y="4272002"/>
-                            <a:pt x="3909699" y="4220534"/>
-                            <a:pt x="3840798" y="4402506"/>
-                          </a:cubicBezTo>
-                          <a:cubicBezTo>
-                            <a:pt x="3771897" y="4584479"/>
-                            <a:pt x="3571466" y="4785555"/>
-                            <a:pt x="3558256" y="4942073"/>
-                          </a:cubicBezTo>
-                          <a:cubicBezTo>
-                            <a:pt x="3470408" y="4848677"/>
-                            <a:pt x="3453504" y="4692408"/>
-                            <a:pt x="3372334" y="4549968"/>
-                          </a:cubicBezTo>
-                          <a:cubicBezTo>
-                            <a:pt x="3291164" y="4407528"/>
-                            <a:pt x="3255444" y="4293832"/>
-                            <a:pt x="3147271" y="4075315"/>
-                          </a:cubicBezTo>
-                          <a:cubicBezTo>
-                            <a:pt x="3039098" y="3856798"/>
-                            <a:pt x="3018683" y="3691685"/>
-                            <a:pt x="2922208" y="3600662"/>
-                          </a:cubicBezTo>
-                          <a:cubicBezTo>
-                            <a:pt x="2825733" y="3509639"/>
-                            <a:pt x="2831356" y="3292440"/>
-                            <a:pt x="2658004" y="3043461"/>
-                          </a:cubicBezTo>
-                          <a:cubicBezTo>
-                            <a:pt x="2484652" y="2794482"/>
-                            <a:pt x="2510033" y="2723194"/>
-                            <a:pt x="2432941" y="2568808"/>
-                          </a:cubicBezTo>
-                          <a:cubicBezTo>
-                            <a:pt x="2355849" y="2414422"/>
-                            <a:pt x="2301659" y="2240041"/>
-                            <a:pt x="2149166" y="1970332"/>
-                          </a:cubicBezTo>
-                          <a:cubicBezTo>
-                            <a:pt x="1996672" y="1700623"/>
-                            <a:pt x="2014000" y="1573021"/>
-                            <a:pt x="1865390" y="1371856"/>
-                          </a:cubicBezTo>
-                          <a:cubicBezTo>
-                            <a:pt x="1716780" y="1170691"/>
-                            <a:pt x="1709025" y="905225"/>
-                            <a:pt x="1601186" y="814655"/>
-                          </a:cubicBezTo>
-                          <a:close/>
-                        </a:path>
-                      </a:pathLst>
-                    </a:custGeom>
-                    <ask:type>
-                      <ask:lineSketchNone/>
-                    </ask:type>
-                  </ask:lineSketchStyleProps>
-                </a:ext>
-              </a:extLst>
-            </a:ln>
-            <a:scene3d>
-              <a:camera prst="orthographicFront">
-                <a:rot lat="0" lon="0" rev="0"/>
-              </a:camera>
-              <a:lightRig rig="threePt" dir="t"/>
-            </a:scene3d>
-          </p:spPr>
-          <p:style>
-            <a:lnRef idx="2">
-              <a:schemeClr val="accent1">
-                <a:shade val="50000"/>
-              </a:schemeClr>
-            </a:lnRef>
-            <a:fillRef idx="1">
-              <a:schemeClr val="accent1"/>
-            </a:fillRef>
-            <a:effectRef idx="0">
-              <a:schemeClr val="accent1"/>
-            </a:effectRef>
-            <a:fontRef idx="minor">
-              <a:schemeClr val="lt1"/>
-            </a:fontRef>
-          </p:style>
-        </p:cxnSp>
-        <p:cxnSp>
-          <p:nvCxnSpPr>
-            <p:cNvPr id="74" name="Kreisausschnitt Radial unten">
-              <a:extLst>
-                <a:ext uri="{FF2B5EF4-FFF2-40B4-BE49-F238E27FC236}">
-                  <a16:creationId xmlns:a16="http://schemas.microsoft.com/office/drawing/2014/main" id="{EE8D4509-E194-70AA-0D2C-7A3FB62CFA91}"/>
-                </a:ext>
-              </a:extLst>
-            </p:cNvPr>
-            <p:cNvCxnSpPr>
-              <a:cxnSpLocks/>
-              <a:stCxn id="64" idx="0"/>
-            </p:cNvCxnSpPr>
-            <p:nvPr/>
-          </p:nvCxnSpPr>
-          <p:spPr>
-            <a:xfrm>
-              <a:off x="6024712" y="4099927"/>
-              <a:ext cx="1480988" cy="562561"/>
-            </a:xfrm>
-            <a:prstGeom prst="line">
-              <a:avLst/>
-            </a:prstGeom>
-            <a:noFill/>
-            <a:ln w="12700" cmpd="sng">
-              <a:solidFill>
-                <a:schemeClr val="accent2">
-                  <a:lumMod val="75000"/>
-                </a:schemeClr>
-              </a:solidFill>
-              <a:prstDash val="sysDash"/>
-              <a:extLst>
-                <a:ext uri="{C807C97D-BFC1-408E-A445-0C87EB9F89A2}">
-                  <ask:lineSketchStyleProps xmlns:ask="http://schemas.microsoft.com/office/drawing/2018/sketchyshapes" sd="1219033472">
-                    <a:custGeom>
-                      <a:avLst/>
-                      <a:gdLst>
-                        <a:gd name="connsiteX0" fmla="*/ 1601186 w 7116512"/>
-                        <a:gd name="connsiteY0" fmla="*/ 814655 h 9884146"/>
-                        <a:gd name="connsiteX1" fmla="*/ 5651162 w 7116512"/>
-                        <a:gd name="connsiteY1" fmla="*/ 945282 h 9884146"/>
-                        <a:gd name="connsiteX2" fmla="*/ 5452336 w 7116512"/>
-                        <a:gd name="connsiteY2" fmla="*/ 1324977 h 9884146"/>
-                        <a:gd name="connsiteX3" fmla="*/ 5232581 w 7116512"/>
-                        <a:gd name="connsiteY3" fmla="*/ 1744640 h 9884146"/>
-                        <a:gd name="connsiteX4" fmla="*/ 4991897 w 7116512"/>
-                        <a:gd name="connsiteY4" fmla="*/ 2204271 h 9884146"/>
-                        <a:gd name="connsiteX5" fmla="*/ 4688425 w 7116512"/>
-                        <a:gd name="connsiteY5" fmla="*/ 2783806 h 9884146"/>
-                        <a:gd name="connsiteX6" fmla="*/ 4426812 w 7116512"/>
-                        <a:gd name="connsiteY6" fmla="*/ 3283405 h 9884146"/>
-                        <a:gd name="connsiteX7" fmla="*/ 4186128 w 7116512"/>
-                        <a:gd name="connsiteY7" fmla="*/ 3743036 h 9884146"/>
-                        <a:gd name="connsiteX8" fmla="*/ 3987302 w 7116512"/>
-                        <a:gd name="connsiteY8" fmla="*/ 4122731 h 9884146"/>
-                        <a:gd name="connsiteX9" fmla="*/ 3788476 w 7116512"/>
-                        <a:gd name="connsiteY9" fmla="*/ 4502426 h 9884146"/>
-                        <a:gd name="connsiteX10" fmla="*/ 3558256 w 7116512"/>
-                        <a:gd name="connsiteY10" fmla="*/ 4942073 h 9884146"/>
-                        <a:gd name="connsiteX11" fmla="*/ 3352764 w 7116512"/>
-                        <a:gd name="connsiteY11" fmla="*/ 4508694 h 9884146"/>
-                        <a:gd name="connsiteX12" fmla="*/ 3127701 w 7116512"/>
-                        <a:gd name="connsiteY12" fmla="*/ 4034041 h 9884146"/>
-                        <a:gd name="connsiteX13" fmla="*/ 2843925 w 7116512"/>
-                        <a:gd name="connsiteY13" fmla="*/ 3435565 h 9884146"/>
-                        <a:gd name="connsiteX14" fmla="*/ 2599292 w 7116512"/>
-                        <a:gd name="connsiteY14" fmla="*/ 2919638 h 9884146"/>
-                        <a:gd name="connsiteX15" fmla="*/ 2335087 w 7116512"/>
-                        <a:gd name="connsiteY15" fmla="*/ 2362437 h 9884146"/>
-                        <a:gd name="connsiteX16" fmla="*/ 2110024 w 7116512"/>
-                        <a:gd name="connsiteY16" fmla="*/ 1887784 h 9884146"/>
-                        <a:gd name="connsiteX17" fmla="*/ 1865390 w 7116512"/>
-                        <a:gd name="connsiteY17" fmla="*/ 1371856 h 9884146"/>
-                        <a:gd name="connsiteX18" fmla="*/ 1601186 w 7116512"/>
-                        <a:gd name="connsiteY18" fmla="*/ 814655 h 9884146"/>
-                      </a:gdLst>
-                      <a:ahLst/>
-                      <a:cxnLst>
-                        <a:cxn ang="0">
-                          <a:pos x="connsiteX0" y="connsiteY0"/>
-                        </a:cxn>
-                        <a:cxn ang="0">
-                          <a:pos x="connsiteX1" y="connsiteY1"/>
-                        </a:cxn>
-                        <a:cxn ang="0">
-                          <a:pos x="connsiteX2" y="connsiteY2"/>
-                        </a:cxn>
-                        <a:cxn ang="0">
-                          <a:pos x="connsiteX3" y="connsiteY3"/>
-                        </a:cxn>
-                        <a:cxn ang="0">
-                          <a:pos x="connsiteX4" y="connsiteY4"/>
-                        </a:cxn>
-                        <a:cxn ang="0">
-                          <a:pos x="connsiteX5" y="connsiteY5"/>
-                        </a:cxn>
-                        <a:cxn ang="0">
-                          <a:pos x="connsiteX6" y="connsiteY6"/>
-                        </a:cxn>
-                        <a:cxn ang="0">
-                          <a:pos x="connsiteX7" y="connsiteY7"/>
-                        </a:cxn>
-                        <a:cxn ang="0">
-                          <a:pos x="connsiteX8" y="connsiteY8"/>
-                        </a:cxn>
-                        <a:cxn ang="0">
-                          <a:pos x="connsiteX9" y="connsiteY9"/>
-                        </a:cxn>
-                        <a:cxn ang="0">
-                          <a:pos x="connsiteX10" y="connsiteY10"/>
-                        </a:cxn>
-                        <a:cxn ang="0">
-                          <a:pos x="connsiteX11" y="connsiteY11"/>
-                        </a:cxn>
-                        <a:cxn ang="0">
-                          <a:pos x="connsiteX12" y="connsiteY12"/>
-                        </a:cxn>
-                        <a:cxn ang="0">
-                          <a:pos x="connsiteX13" y="connsiteY13"/>
-                        </a:cxn>
-                        <a:cxn ang="0">
-                          <a:pos x="connsiteX14" y="connsiteY14"/>
-                        </a:cxn>
-                        <a:cxn ang="0">
-                          <a:pos x="connsiteX15" y="connsiteY15"/>
-                        </a:cxn>
-                        <a:cxn ang="0">
-                          <a:pos x="connsiteX16" y="connsiteY16"/>
-                        </a:cxn>
-                        <a:cxn ang="0">
-                          <a:pos x="connsiteX17" y="connsiteY17"/>
-                        </a:cxn>
-                        <a:cxn ang="0">
-                          <a:pos x="connsiteX18" y="connsiteY18"/>
-                        </a:cxn>
-                      </a:cxnLst>
-                      <a:rect l="l" t="t" r="r" b="b"/>
-                      <a:pathLst>
-                        <a:path w="7116512" h="9884146" fill="none" extrusionOk="0">
-                          <a:moveTo>
-                            <a:pt x="1601186" y="814655"/>
-                          </a:moveTo>
-                          <a:cubicBezTo>
-                            <a:pt x="2846954" y="-424980"/>
-                            <a:pt x="4047580" y="-29084"/>
-                            <a:pt x="5651162" y="945282"/>
-                          </a:cubicBezTo>
-                          <a:cubicBezTo>
-                            <a:pt x="5608953" y="1033012"/>
-                            <a:pt x="5515638" y="1194683"/>
-                            <a:pt x="5452336" y="1324977"/>
-                          </a:cubicBezTo>
-                          <a:cubicBezTo>
-                            <a:pt x="5389034" y="1455271"/>
-                            <a:pt x="5303964" y="1545168"/>
-                            <a:pt x="5232581" y="1744640"/>
-                          </a:cubicBezTo>
-                          <a:cubicBezTo>
-                            <a:pt x="5161198" y="1944112"/>
-                            <a:pt x="5054945" y="1978948"/>
-                            <a:pt x="4991897" y="2204271"/>
-                          </a:cubicBezTo>
-                          <a:cubicBezTo>
-                            <a:pt x="4928849" y="2429594"/>
-                            <a:pt x="4739985" y="2566490"/>
-                            <a:pt x="4688425" y="2783806"/>
-                          </a:cubicBezTo>
-                          <a:cubicBezTo>
-                            <a:pt x="4636865" y="3001122"/>
-                            <a:pt x="4481884" y="3070481"/>
-                            <a:pt x="4426812" y="3283405"/>
-                          </a:cubicBezTo>
-                          <a:cubicBezTo>
-                            <a:pt x="4371740" y="3496329"/>
-                            <a:pt x="4202687" y="3631910"/>
-                            <a:pt x="4186128" y="3743036"/>
-                          </a:cubicBezTo>
-                          <a:cubicBezTo>
-                            <a:pt x="4169569" y="3854162"/>
-                            <a:pt x="4025042" y="3994312"/>
-                            <a:pt x="3987302" y="4122731"/>
-                          </a:cubicBezTo>
-                          <a:cubicBezTo>
-                            <a:pt x="3949562" y="4251150"/>
-                            <a:pt x="3860824" y="4343056"/>
-                            <a:pt x="3788476" y="4502426"/>
-                          </a:cubicBezTo>
-                          <a:cubicBezTo>
-                            <a:pt x="3716128" y="4661796"/>
-                            <a:pt x="3608011" y="4831271"/>
-                            <a:pt x="3558256" y="4942073"/>
-                          </a:cubicBezTo>
-                          <a:cubicBezTo>
-                            <a:pt x="3459471" y="4751403"/>
-                            <a:pt x="3490920" y="4667258"/>
-                            <a:pt x="3352764" y="4508694"/>
-                          </a:cubicBezTo>
-                          <a:cubicBezTo>
-                            <a:pt x="3214607" y="4350130"/>
-                            <a:pt x="3195495" y="4154082"/>
-                            <a:pt x="3127701" y="4034041"/>
-                          </a:cubicBezTo>
-                          <a:cubicBezTo>
-                            <a:pt x="3059907" y="3914000"/>
-                            <a:pt x="2947168" y="3645227"/>
-                            <a:pt x="2843925" y="3435565"/>
-                          </a:cubicBezTo>
-                          <a:cubicBezTo>
-                            <a:pt x="2740682" y="3225903"/>
-                            <a:pt x="2728481" y="3107467"/>
-                            <a:pt x="2599292" y="2919638"/>
-                          </a:cubicBezTo>
-                          <a:cubicBezTo>
-                            <a:pt x="2470102" y="2731809"/>
-                            <a:pt x="2448908" y="2487065"/>
-                            <a:pt x="2335087" y="2362437"/>
-                          </a:cubicBezTo>
-                          <a:cubicBezTo>
-                            <a:pt x="2221267" y="2237808"/>
-                            <a:pt x="2182904" y="1975685"/>
-                            <a:pt x="2110024" y="1887784"/>
-                          </a:cubicBezTo>
-                          <a:cubicBezTo>
-                            <a:pt x="2037144" y="1799883"/>
-                            <a:pt x="1970007" y="1458528"/>
-                            <a:pt x="1865390" y="1371856"/>
-                          </a:cubicBezTo>
-                          <a:cubicBezTo>
-                            <a:pt x="1760773" y="1285184"/>
-                            <a:pt x="1712460" y="1030507"/>
-                            <a:pt x="1601186" y="814655"/>
-                          </a:cubicBezTo>
-                          <a:close/>
-                        </a:path>
-                        <a:path w="7116512" h="9884146" stroke="0" extrusionOk="0">
-                          <a:moveTo>
-                            <a:pt x="1601186" y="814655"/>
-                          </a:moveTo>
-                          <a:cubicBezTo>
-                            <a:pt x="2582776" y="-475620"/>
-                            <a:pt x="4230879" y="-182344"/>
-                            <a:pt x="5651162" y="945282"/>
-                          </a:cubicBezTo>
-                          <a:cubicBezTo>
-                            <a:pt x="5580984" y="1195975"/>
-                            <a:pt x="5395736" y="1297823"/>
-                            <a:pt x="5347691" y="1524817"/>
-                          </a:cubicBezTo>
-                          <a:cubicBezTo>
-                            <a:pt x="5299646" y="1751811"/>
-                            <a:pt x="5180997" y="1780586"/>
-                            <a:pt x="5107006" y="1984448"/>
-                          </a:cubicBezTo>
-                          <a:cubicBezTo>
-                            <a:pt x="5033015" y="2188310"/>
-                            <a:pt x="4957359" y="2208526"/>
-                            <a:pt x="4887251" y="2404111"/>
-                          </a:cubicBezTo>
-                          <a:cubicBezTo>
-                            <a:pt x="4817143" y="2599696"/>
-                            <a:pt x="4725091" y="2697327"/>
-                            <a:pt x="4604709" y="2943678"/>
-                          </a:cubicBezTo>
-                          <a:cubicBezTo>
-                            <a:pt x="4484326" y="3190029"/>
-                            <a:pt x="4425891" y="3220174"/>
-                            <a:pt x="4364025" y="3403308"/>
-                          </a:cubicBezTo>
-                          <a:cubicBezTo>
-                            <a:pt x="4302159" y="3586442"/>
-                            <a:pt x="4181373" y="3693684"/>
-                            <a:pt x="4060553" y="3982843"/>
-                          </a:cubicBezTo>
-                          <a:cubicBezTo>
-                            <a:pt x="3939733" y="4272002"/>
-                            <a:pt x="3909699" y="4220534"/>
-                            <a:pt x="3840798" y="4402506"/>
-                          </a:cubicBezTo>
-                          <a:cubicBezTo>
-                            <a:pt x="3771897" y="4584479"/>
-                            <a:pt x="3571466" y="4785555"/>
-                            <a:pt x="3558256" y="4942073"/>
-                          </a:cubicBezTo>
-                          <a:cubicBezTo>
-                            <a:pt x="3470408" y="4848677"/>
-                            <a:pt x="3453504" y="4692408"/>
-                            <a:pt x="3372334" y="4549968"/>
-                          </a:cubicBezTo>
-                          <a:cubicBezTo>
-                            <a:pt x="3291164" y="4407528"/>
-                            <a:pt x="3255444" y="4293832"/>
-                            <a:pt x="3147271" y="4075315"/>
-                          </a:cubicBezTo>
-                          <a:cubicBezTo>
-                            <a:pt x="3039098" y="3856798"/>
-                            <a:pt x="3018683" y="3691685"/>
-                            <a:pt x="2922208" y="3600662"/>
-                          </a:cubicBezTo>
-                          <a:cubicBezTo>
-                            <a:pt x="2825733" y="3509639"/>
-                            <a:pt x="2831356" y="3292440"/>
-                            <a:pt x="2658004" y="3043461"/>
-                          </a:cubicBezTo>
-                          <a:cubicBezTo>
-                            <a:pt x="2484652" y="2794482"/>
-                            <a:pt x="2510033" y="2723194"/>
-                            <a:pt x="2432941" y="2568808"/>
-                          </a:cubicBezTo>
-                          <a:cubicBezTo>
-                            <a:pt x="2355849" y="2414422"/>
-                            <a:pt x="2301659" y="2240041"/>
-                            <a:pt x="2149166" y="1970332"/>
-                          </a:cubicBezTo>
-                          <a:cubicBezTo>
-                            <a:pt x="1996672" y="1700623"/>
-                            <a:pt x="2014000" y="1573021"/>
-                            <a:pt x="1865390" y="1371856"/>
-                          </a:cubicBezTo>
-                          <a:cubicBezTo>
-                            <a:pt x="1716780" y="1170691"/>
-                            <a:pt x="1709025" y="905225"/>
-                            <a:pt x="1601186" y="814655"/>
-                          </a:cubicBezTo>
-                          <a:close/>
-                        </a:path>
-                      </a:pathLst>
-                    </a:custGeom>
-                    <ask:type>
-                      <ask:lineSketchNone/>
-                    </ask:type>
-                  </ask:lineSketchStyleProps>
-                </a:ext>
-              </a:extLst>
-            </a:ln>
-            <a:scene3d>
-              <a:camera prst="orthographicFront">
-                <a:rot lat="0" lon="0" rev="0"/>
-              </a:camera>
-              <a:lightRig rig="threePt" dir="t"/>
-            </a:scene3d>
-          </p:spPr>
-          <p:style>
-            <a:lnRef idx="2">
-              <a:schemeClr val="accent1">
-                <a:shade val="50000"/>
-              </a:schemeClr>
-            </a:lnRef>
-            <a:fillRef idx="1">
-              <a:schemeClr val="accent1"/>
-            </a:fillRef>
-            <a:effectRef idx="0">
-              <a:schemeClr val="accent1"/>
-            </a:effectRef>
-            <a:fontRef idx="minor">
-              <a:schemeClr val="lt1"/>
-            </a:fontRef>
-          </p:style>
-        </p:cxnSp>
-      </p:grpSp>
       <p:pic>
         <p:nvPicPr>
           <p:cNvPr id="82" name="Graphic 81">
@@ -8424,13 +6047,13 @@
           <p:nvPr/>
         </p:nvPicPr>
         <p:blipFill>
-          <a:blip r:embed="rId9" cstate="print">
+          <a:blip r:embed="rId6" cstate="print">
             <a:extLst>
               <a:ext uri="{28A0092B-C50C-407E-A947-70E740481C1C}">
                 <a14:useLocalDpi xmlns:a14="http://schemas.microsoft.com/office/drawing/2010/main" val="0"/>
               </a:ext>
               <a:ext uri="{96DAC541-7B7A-43D3-8B79-37D633B846F1}">
-                <asvg:svgBlip xmlns:asvg="http://schemas.microsoft.com/office/drawing/2016/SVG/main" r:embed="rId10"/>
+                <asvg:svgBlip xmlns:asvg="http://schemas.microsoft.com/office/drawing/2016/SVG/main" r:embed="rId7"/>
               </a:ext>
             </a:extLst>
           </a:blip>
@@ -8519,13 +6142,13 @@
           <p:nvPr/>
         </p:nvPicPr>
         <p:blipFill>
-          <a:blip r:embed="rId11" cstate="print">
+          <a:blip r:embed="rId8" cstate="print">
             <a:extLst>
               <a:ext uri="{28A0092B-C50C-407E-A947-70E740481C1C}">
                 <a14:useLocalDpi xmlns:a14="http://schemas.microsoft.com/office/drawing/2010/main" val="0"/>
               </a:ext>
               <a:ext uri="{96DAC541-7B7A-43D3-8B79-37D633B846F1}">
-                <asvg:svgBlip xmlns:asvg="http://schemas.microsoft.com/office/drawing/2016/SVG/main" r:embed="rId12"/>
+                <asvg:svgBlip xmlns:asvg="http://schemas.microsoft.com/office/drawing/2016/SVG/main" r:embed="rId9"/>
               </a:ext>
             </a:extLst>
           </a:blip>
@@ -8672,13 +6295,13 @@
           <p:nvPr/>
         </p:nvPicPr>
         <p:blipFill>
-          <a:blip r:embed="rId11" cstate="print">
+          <a:blip r:embed="rId8" cstate="print">
             <a:extLst>
               <a:ext uri="{28A0092B-C50C-407E-A947-70E740481C1C}">
                 <a14:useLocalDpi xmlns:a14="http://schemas.microsoft.com/office/drawing/2010/main" val="0"/>
               </a:ext>
               <a:ext uri="{96DAC541-7B7A-43D3-8B79-37D633B846F1}">
-                <asvg:svgBlip xmlns:asvg="http://schemas.microsoft.com/office/drawing/2016/SVG/main" r:embed="rId12"/>
+                <asvg:svgBlip xmlns:asvg="http://schemas.microsoft.com/office/drawing/2016/SVG/main" r:embed="rId9"/>
               </a:ext>
             </a:extLst>
           </a:blip>
@@ -8825,13 +6448,13 @@
           <p:nvPr/>
         </p:nvPicPr>
         <p:blipFill>
-          <a:blip r:embed="rId9" cstate="print">
+          <a:blip r:embed="rId6" cstate="print">
             <a:extLst>
               <a:ext uri="{28A0092B-C50C-407E-A947-70E740481C1C}">
                 <a14:useLocalDpi xmlns:a14="http://schemas.microsoft.com/office/drawing/2010/main" val="0"/>
               </a:ext>
               <a:ext uri="{96DAC541-7B7A-43D3-8B79-37D633B846F1}">
-                <asvg:svgBlip xmlns:asvg="http://schemas.microsoft.com/office/drawing/2016/SVG/main" r:embed="rId10"/>
+                <asvg:svgBlip xmlns:asvg="http://schemas.microsoft.com/office/drawing/2016/SVG/main" r:embed="rId7"/>
               </a:ext>
             </a:extLst>
           </a:blip>
@@ -8921,13 +6544,13 @@
           <p:nvPr/>
         </p:nvPicPr>
         <p:blipFill>
-          <a:blip r:embed="rId9" cstate="print">
+          <a:blip r:embed="rId6" cstate="print">
             <a:extLst>
               <a:ext uri="{28A0092B-C50C-407E-A947-70E740481C1C}">
                 <a14:useLocalDpi xmlns:a14="http://schemas.microsoft.com/office/drawing/2010/main" val="0"/>
               </a:ext>
               <a:ext uri="{96DAC541-7B7A-43D3-8B79-37D633B846F1}">
-                <asvg:svgBlip xmlns:asvg="http://schemas.microsoft.com/office/drawing/2016/SVG/main" r:embed="rId10"/>
+                <asvg:svgBlip xmlns:asvg="http://schemas.microsoft.com/office/drawing/2016/SVG/main" r:embed="rId7"/>
               </a:ext>
             </a:extLst>
           </a:blip>
@@ -8960,13 +6583,13 @@
           <p:nvPr/>
         </p:nvPicPr>
         <p:blipFill>
-          <a:blip r:embed="rId9" cstate="print">
+          <a:blip r:embed="rId6" cstate="print">
             <a:extLst>
               <a:ext uri="{28A0092B-C50C-407E-A947-70E740481C1C}">
                 <a14:useLocalDpi xmlns:a14="http://schemas.microsoft.com/office/drawing/2010/main" val="0"/>
               </a:ext>
               <a:ext uri="{96DAC541-7B7A-43D3-8B79-37D633B846F1}">
-                <asvg:svgBlip xmlns:asvg="http://schemas.microsoft.com/office/drawing/2016/SVG/main" r:embed="rId10"/>
+                <asvg:svgBlip xmlns:asvg="http://schemas.microsoft.com/office/drawing/2016/SVG/main" r:embed="rId7"/>
               </a:ext>
             </a:extLst>
           </a:blip>
@@ -9170,13 +6793,13 @@
           <p:nvPr/>
         </p:nvPicPr>
         <p:blipFill>
-          <a:blip r:embed="rId3" cstate="print">
+          <a:blip r:embed="rId10" cstate="print">
             <a:extLst>
               <a:ext uri="{28A0092B-C50C-407E-A947-70E740481C1C}">
                 <a14:useLocalDpi xmlns:a14="http://schemas.microsoft.com/office/drawing/2010/main" val="0"/>
               </a:ext>
               <a:ext uri="{96DAC541-7B7A-43D3-8B79-37D633B846F1}">
-                <asvg:svgBlip xmlns:asvg="http://schemas.microsoft.com/office/drawing/2016/SVG/main" r:embed="rId4"/>
+                <asvg:svgBlip xmlns:asvg="http://schemas.microsoft.com/office/drawing/2016/SVG/main" r:embed="rId11"/>
               </a:ext>
             </a:extLst>
           </a:blip>
@@ -9245,226 +6868,6 @@
           <a:p>
             <a:pPr algn="ctr"/>
             <a:endParaRPr lang="en-US" sz="1000">
-              <a:latin typeface="Times New Roman" panose="02020603050405020304" pitchFamily="18" charset="0"/>
-              <a:cs typeface="Times New Roman" panose="02020603050405020304" pitchFamily="18" charset="0"/>
-            </a:endParaRPr>
-          </a:p>
-        </p:txBody>
-      </p:sp>
-      <p:pic>
-        <p:nvPicPr>
-          <p:cNvPr id="68" name="Graphic 67">
-            <a:extLst>
-              <a:ext uri="{FF2B5EF4-FFF2-40B4-BE49-F238E27FC236}">
-                <a16:creationId xmlns:a16="http://schemas.microsoft.com/office/drawing/2014/main" id="{8314C3CA-2BAC-FD91-9EB0-9BA43164ABA6}"/>
-              </a:ext>
-            </a:extLst>
-          </p:cNvPr>
-          <p:cNvPicPr>
-            <a:picLocks noChangeAspect="1"/>
-          </p:cNvPicPr>
-          <p:nvPr/>
-        </p:nvPicPr>
-        <p:blipFill>
-          <a:blip r:embed="rId3" cstate="print">
-            <a:extLst>
-              <a:ext uri="{28A0092B-C50C-407E-A947-70E740481C1C}">
-                <a14:useLocalDpi xmlns:a14="http://schemas.microsoft.com/office/drawing/2010/main" val="0"/>
-              </a:ext>
-              <a:ext uri="{96DAC541-7B7A-43D3-8B79-37D633B846F1}">
-                <asvg:svgBlip xmlns:asvg="http://schemas.microsoft.com/office/drawing/2016/SVG/main" r:embed="rId4"/>
-              </a:ext>
-            </a:extLst>
-          </a:blip>
-          <a:stretch>
-            <a:fillRect/>
-          </a:stretch>
-        </p:blipFill>
-        <p:spPr>
-          <a:xfrm rot="16200000" flipH="1">
-            <a:off x="4739325" y="979418"/>
-            <a:ext cx="124800" cy="187200"/>
-          </a:xfrm>
-          <a:prstGeom prst="rect">
-            <a:avLst/>
-          </a:prstGeom>
-        </p:spPr>
-      </p:pic>
-      <p:pic>
-        <p:nvPicPr>
-          <p:cNvPr id="75" name="Graphic 74">
-            <a:extLst>
-              <a:ext uri="{FF2B5EF4-FFF2-40B4-BE49-F238E27FC236}">
-                <a16:creationId xmlns:a16="http://schemas.microsoft.com/office/drawing/2014/main" id="{D6090EBB-3C3D-15A7-DCFC-43E4E29BB228}"/>
-              </a:ext>
-            </a:extLst>
-          </p:cNvPr>
-          <p:cNvPicPr>
-            <a:picLocks noChangeAspect="1"/>
-          </p:cNvPicPr>
-          <p:nvPr/>
-        </p:nvPicPr>
-        <p:blipFill>
-          <a:blip r:embed="rId3" cstate="print">
-            <a:extLst>
-              <a:ext uri="{28A0092B-C50C-407E-A947-70E740481C1C}">
-                <a14:useLocalDpi xmlns:a14="http://schemas.microsoft.com/office/drawing/2010/main" val="0"/>
-              </a:ext>
-              <a:ext uri="{96DAC541-7B7A-43D3-8B79-37D633B846F1}">
-                <asvg:svgBlip xmlns:asvg="http://schemas.microsoft.com/office/drawing/2016/SVG/main" r:embed="rId4"/>
-              </a:ext>
-            </a:extLst>
-          </a:blip>
-          <a:stretch>
-            <a:fillRect/>
-          </a:stretch>
-        </p:blipFill>
-        <p:spPr>
-          <a:xfrm rot="5400000" flipH="1">
-            <a:off x="4739325" y="1929698"/>
-            <a:ext cx="124800" cy="187200"/>
-          </a:xfrm>
-          <a:prstGeom prst="rect">
-            <a:avLst/>
-          </a:prstGeom>
-        </p:spPr>
-      </p:pic>
-      <p:sp>
-        <p:nvSpPr>
-          <p:cNvPr id="95" name="Rectangle 94">
-            <a:extLst>
-              <a:ext uri="{FF2B5EF4-FFF2-40B4-BE49-F238E27FC236}">
-                <a16:creationId xmlns:a16="http://schemas.microsoft.com/office/drawing/2014/main" id="{7E631CAE-18AD-B555-28E3-654D824FF39D}"/>
-              </a:ext>
-            </a:extLst>
-          </p:cNvPr>
-          <p:cNvSpPr/>
-          <p:nvPr/>
-        </p:nvSpPr>
-        <p:spPr>
-          <a:xfrm rot="10800000">
-            <a:off x="4696850" y="1960346"/>
-            <a:ext cx="210970" cy="136936"/>
-          </a:xfrm>
-          <a:prstGeom prst="rect">
-            <a:avLst/>
-          </a:prstGeom>
-          <a:noFill/>
-          <a:ln w="28575">
-            <a:solidFill>
-              <a:schemeClr val="accent2">
-                <a:lumMod val="75000"/>
-              </a:schemeClr>
-            </a:solidFill>
-          </a:ln>
-        </p:spPr>
-        <p:style>
-          <a:lnRef idx="2">
-            <a:schemeClr val="accent1">
-              <a:shade val="50000"/>
-            </a:schemeClr>
-          </a:lnRef>
-          <a:fillRef idx="1">
-            <a:schemeClr val="accent1"/>
-          </a:fillRef>
-          <a:effectRef idx="0">
-            <a:schemeClr val="accent1"/>
-          </a:effectRef>
-          <a:fontRef idx="minor">
-            <a:schemeClr val="lt1"/>
-          </a:fontRef>
-        </p:style>
-        <p:txBody>
-          <a:bodyPr rtlCol="0" anchor="ctr"/>
-          <a:lstStyle/>
-          <a:p>
-            <a:pPr algn="ctr"/>
-            <a:endParaRPr lang="en-US" sz="1000">
-              <a:latin typeface="Times New Roman" panose="02020603050405020304" pitchFamily="18" charset="0"/>
-              <a:cs typeface="Times New Roman" panose="02020603050405020304" pitchFamily="18" charset="0"/>
-            </a:endParaRPr>
-          </a:p>
-        </p:txBody>
-      </p:sp>
-      <p:sp>
-        <p:nvSpPr>
-          <p:cNvPr id="2" name="FOV Ref">
-            <a:extLst>
-              <a:ext uri="{FF2B5EF4-FFF2-40B4-BE49-F238E27FC236}">
-                <a16:creationId xmlns:a16="http://schemas.microsoft.com/office/drawing/2014/main" id="{4DDC50FA-2E12-25E6-AE73-E682E7F6DAE6}"/>
-              </a:ext>
-            </a:extLst>
-          </p:cNvPr>
-          <p:cNvSpPr/>
-          <p:nvPr/>
-        </p:nvSpPr>
-        <p:spPr>
-          <a:xfrm>
-            <a:off x="75284" y="83511"/>
-            <a:ext cx="4535054" cy="2545882"/>
-          </a:xfrm>
-          <a:prstGeom prst="rect">
-            <a:avLst/>
-          </a:prstGeom>
-          <a:gradFill flip="none" rotWithShape="1">
-            <a:gsLst>
-              <a:gs pos="100000">
-                <a:schemeClr val="accent6">
-                  <a:alpha val="37000"/>
-                </a:schemeClr>
-              </a:gs>
-              <a:gs pos="88000">
-                <a:schemeClr val="accent6">
-                  <a:alpha val="6000"/>
-                </a:schemeClr>
-              </a:gs>
-              <a:gs pos="77000">
-                <a:schemeClr val="accent6">
-                  <a:alpha val="2000"/>
-                </a:schemeClr>
-              </a:gs>
-            </a:gsLst>
-            <a:path path="rect">
-              <a:fillToRect l="50000" t="50000" r="50000" b="50000"/>
-            </a:path>
-            <a:tileRect/>
-          </a:gradFill>
-          <a:ln w="12700">
-            <a:solidFill>
-              <a:schemeClr val="accent6">
-                <a:lumMod val="50000"/>
-              </a:schemeClr>
-            </a:solidFill>
-            <a:prstDash val="dash"/>
-          </a:ln>
-        </p:spPr>
-        <p:style>
-          <a:lnRef idx="2">
-            <a:schemeClr val="accent1">
-              <a:shade val="50000"/>
-            </a:schemeClr>
-          </a:lnRef>
-          <a:fillRef idx="1">
-            <a:schemeClr val="accent1"/>
-          </a:fillRef>
-          <a:effectRef idx="0">
-            <a:schemeClr val="accent1"/>
-          </a:effectRef>
-          <a:fontRef idx="minor">
-            <a:schemeClr val="lt1"/>
-          </a:fontRef>
-        </p:style>
-        <p:txBody>
-          <a:bodyPr rtlCol="0" anchor="ctr"/>
-          <a:lstStyle/>
-          <a:p>
-            <a:pPr algn="ctr"/>
-            <a:endParaRPr lang="de-DE" sz="1000" dirty="0">
-              <a:solidFill>
-                <a:schemeClr val="accent5">
-                  <a:lumMod val="50000"/>
-                </a:schemeClr>
-              </a:solidFill>
               <a:latin typeface="Times New Roman" panose="02020603050405020304" pitchFamily="18" charset="0"/>
               <a:cs typeface="Times New Roman" panose="02020603050405020304" pitchFamily="18" charset="0"/>
             </a:endParaRPr>
@@ -11297,462 +8700,6 @@
       </p:sp>
       <p:sp>
         <p:nvSpPr>
-          <p:cNvPr id="57" name="Text OuT">
-            <a:extLst>
-              <a:ext uri="{FF2B5EF4-FFF2-40B4-BE49-F238E27FC236}">
-                <a16:creationId xmlns:a16="http://schemas.microsoft.com/office/drawing/2014/main" id="{F7E23A19-397B-7EB6-018B-EEF4C72E39F9}"/>
-              </a:ext>
-            </a:extLst>
-          </p:cNvPr>
-          <p:cNvSpPr txBox="1"/>
-          <p:nvPr/>
-        </p:nvSpPr>
-        <p:spPr>
-          <a:xfrm>
-            <a:off x="214443" y="279738"/>
-            <a:ext cx="403174" cy="237360"/>
-          </a:xfrm>
-          <a:prstGeom prst="ellipse">
-            <a:avLst/>
-          </a:prstGeom>
-          <a:gradFill flip="none" rotWithShape="1">
-            <a:gsLst>
-              <a:gs pos="0">
-                <a:schemeClr val="bg1"/>
-              </a:gs>
-              <a:gs pos="17000">
-                <a:schemeClr val="bg1"/>
-              </a:gs>
-              <a:gs pos="30000">
-                <a:srgbClr val="FFFFFF">
-                  <a:alpha val="47000"/>
-                </a:srgbClr>
-              </a:gs>
-              <a:gs pos="40000">
-                <a:schemeClr val="bg1">
-                  <a:alpha val="0"/>
-                </a:schemeClr>
-              </a:gs>
-            </a:gsLst>
-            <a:path path="circle">
-              <a:fillToRect l="50000" t="50000" r="50000" b="50000"/>
-            </a:path>
-            <a:tileRect/>
-          </a:gradFill>
-          <a:ln w="12700" cmpd="sng">
-            <a:noFill/>
-            <a:prstDash val="sysDash"/>
-            <a:extLst>
-              <a:ext uri="{C807C97D-BFC1-408E-A445-0C87EB9F89A2}">
-                <ask:lineSketchStyleProps xmlns:ask="http://schemas.microsoft.com/office/drawing/2018/sketchyshapes" sd="1219033472">
-                  <a:custGeom>
-                    <a:avLst/>
-                    <a:gdLst>
-                      <a:gd name="connsiteX0" fmla="*/ 1601186 w 7116512"/>
-                      <a:gd name="connsiteY0" fmla="*/ 814655 h 9884146"/>
-                      <a:gd name="connsiteX1" fmla="*/ 5651162 w 7116512"/>
-                      <a:gd name="connsiteY1" fmla="*/ 945282 h 9884146"/>
-                      <a:gd name="connsiteX2" fmla="*/ 5452336 w 7116512"/>
-                      <a:gd name="connsiteY2" fmla="*/ 1324977 h 9884146"/>
-                      <a:gd name="connsiteX3" fmla="*/ 5232581 w 7116512"/>
-                      <a:gd name="connsiteY3" fmla="*/ 1744640 h 9884146"/>
-                      <a:gd name="connsiteX4" fmla="*/ 4991897 w 7116512"/>
-                      <a:gd name="connsiteY4" fmla="*/ 2204271 h 9884146"/>
-                      <a:gd name="connsiteX5" fmla="*/ 4688425 w 7116512"/>
-                      <a:gd name="connsiteY5" fmla="*/ 2783806 h 9884146"/>
-                      <a:gd name="connsiteX6" fmla="*/ 4426812 w 7116512"/>
-                      <a:gd name="connsiteY6" fmla="*/ 3283405 h 9884146"/>
-                      <a:gd name="connsiteX7" fmla="*/ 4186128 w 7116512"/>
-                      <a:gd name="connsiteY7" fmla="*/ 3743036 h 9884146"/>
-                      <a:gd name="connsiteX8" fmla="*/ 3987302 w 7116512"/>
-                      <a:gd name="connsiteY8" fmla="*/ 4122731 h 9884146"/>
-                      <a:gd name="connsiteX9" fmla="*/ 3788476 w 7116512"/>
-                      <a:gd name="connsiteY9" fmla="*/ 4502426 h 9884146"/>
-                      <a:gd name="connsiteX10" fmla="*/ 3558256 w 7116512"/>
-                      <a:gd name="connsiteY10" fmla="*/ 4942073 h 9884146"/>
-                      <a:gd name="connsiteX11" fmla="*/ 3352764 w 7116512"/>
-                      <a:gd name="connsiteY11" fmla="*/ 4508694 h 9884146"/>
-                      <a:gd name="connsiteX12" fmla="*/ 3127701 w 7116512"/>
-                      <a:gd name="connsiteY12" fmla="*/ 4034041 h 9884146"/>
-                      <a:gd name="connsiteX13" fmla="*/ 2843925 w 7116512"/>
-                      <a:gd name="connsiteY13" fmla="*/ 3435565 h 9884146"/>
-                      <a:gd name="connsiteX14" fmla="*/ 2599292 w 7116512"/>
-                      <a:gd name="connsiteY14" fmla="*/ 2919638 h 9884146"/>
-                      <a:gd name="connsiteX15" fmla="*/ 2335087 w 7116512"/>
-                      <a:gd name="connsiteY15" fmla="*/ 2362437 h 9884146"/>
-                      <a:gd name="connsiteX16" fmla="*/ 2110024 w 7116512"/>
-                      <a:gd name="connsiteY16" fmla="*/ 1887784 h 9884146"/>
-                      <a:gd name="connsiteX17" fmla="*/ 1865390 w 7116512"/>
-                      <a:gd name="connsiteY17" fmla="*/ 1371856 h 9884146"/>
-                      <a:gd name="connsiteX18" fmla="*/ 1601186 w 7116512"/>
-                      <a:gd name="connsiteY18" fmla="*/ 814655 h 9884146"/>
-                    </a:gdLst>
-                    <a:ahLst/>
-                    <a:cxnLst>
-                      <a:cxn ang="0">
-                        <a:pos x="connsiteX0" y="connsiteY0"/>
-                      </a:cxn>
-                      <a:cxn ang="0">
-                        <a:pos x="connsiteX1" y="connsiteY1"/>
-                      </a:cxn>
-                      <a:cxn ang="0">
-                        <a:pos x="connsiteX2" y="connsiteY2"/>
-                      </a:cxn>
-                      <a:cxn ang="0">
-                        <a:pos x="connsiteX3" y="connsiteY3"/>
-                      </a:cxn>
-                      <a:cxn ang="0">
-                        <a:pos x="connsiteX4" y="connsiteY4"/>
-                      </a:cxn>
-                      <a:cxn ang="0">
-                        <a:pos x="connsiteX5" y="connsiteY5"/>
-                      </a:cxn>
-                      <a:cxn ang="0">
-                        <a:pos x="connsiteX6" y="connsiteY6"/>
-                      </a:cxn>
-                      <a:cxn ang="0">
-                        <a:pos x="connsiteX7" y="connsiteY7"/>
-                      </a:cxn>
-                      <a:cxn ang="0">
-                        <a:pos x="connsiteX8" y="connsiteY8"/>
-                      </a:cxn>
-                      <a:cxn ang="0">
-                        <a:pos x="connsiteX9" y="connsiteY9"/>
-                      </a:cxn>
-                      <a:cxn ang="0">
-                        <a:pos x="connsiteX10" y="connsiteY10"/>
-                      </a:cxn>
-                      <a:cxn ang="0">
-                        <a:pos x="connsiteX11" y="connsiteY11"/>
-                      </a:cxn>
-                      <a:cxn ang="0">
-                        <a:pos x="connsiteX12" y="connsiteY12"/>
-                      </a:cxn>
-                      <a:cxn ang="0">
-                        <a:pos x="connsiteX13" y="connsiteY13"/>
-                      </a:cxn>
-                      <a:cxn ang="0">
-                        <a:pos x="connsiteX14" y="connsiteY14"/>
-                      </a:cxn>
-                      <a:cxn ang="0">
-                        <a:pos x="connsiteX15" y="connsiteY15"/>
-                      </a:cxn>
-                      <a:cxn ang="0">
-                        <a:pos x="connsiteX16" y="connsiteY16"/>
-                      </a:cxn>
-                      <a:cxn ang="0">
-                        <a:pos x="connsiteX17" y="connsiteY17"/>
-                      </a:cxn>
-                      <a:cxn ang="0">
-                        <a:pos x="connsiteX18" y="connsiteY18"/>
-                      </a:cxn>
-                    </a:cxnLst>
-                    <a:rect l="l" t="t" r="r" b="b"/>
-                    <a:pathLst>
-                      <a:path w="7116512" h="9884146" fill="none" extrusionOk="0">
-                        <a:moveTo>
-                          <a:pt x="1601186" y="814655"/>
-                        </a:moveTo>
-                        <a:cubicBezTo>
-                          <a:pt x="2846954" y="-424980"/>
-                          <a:pt x="4047580" y="-29084"/>
-                          <a:pt x="5651162" y="945282"/>
-                        </a:cubicBezTo>
-                        <a:cubicBezTo>
-                          <a:pt x="5608953" y="1033012"/>
-                          <a:pt x="5515638" y="1194683"/>
-                          <a:pt x="5452336" y="1324977"/>
-                        </a:cubicBezTo>
-                        <a:cubicBezTo>
-                          <a:pt x="5389034" y="1455271"/>
-                          <a:pt x="5303964" y="1545168"/>
-                          <a:pt x="5232581" y="1744640"/>
-                        </a:cubicBezTo>
-                        <a:cubicBezTo>
-                          <a:pt x="5161198" y="1944112"/>
-                          <a:pt x="5054945" y="1978948"/>
-                          <a:pt x="4991897" y="2204271"/>
-                        </a:cubicBezTo>
-                        <a:cubicBezTo>
-                          <a:pt x="4928849" y="2429594"/>
-                          <a:pt x="4739985" y="2566490"/>
-                          <a:pt x="4688425" y="2783806"/>
-                        </a:cubicBezTo>
-                        <a:cubicBezTo>
-                          <a:pt x="4636865" y="3001122"/>
-                          <a:pt x="4481884" y="3070481"/>
-                          <a:pt x="4426812" y="3283405"/>
-                        </a:cubicBezTo>
-                        <a:cubicBezTo>
-                          <a:pt x="4371740" y="3496329"/>
-                          <a:pt x="4202687" y="3631910"/>
-                          <a:pt x="4186128" y="3743036"/>
-                        </a:cubicBezTo>
-                        <a:cubicBezTo>
-                          <a:pt x="4169569" y="3854162"/>
-                          <a:pt x="4025042" y="3994312"/>
-                          <a:pt x="3987302" y="4122731"/>
-                        </a:cubicBezTo>
-                        <a:cubicBezTo>
-                          <a:pt x="3949562" y="4251150"/>
-                          <a:pt x="3860824" y="4343056"/>
-                          <a:pt x="3788476" y="4502426"/>
-                        </a:cubicBezTo>
-                        <a:cubicBezTo>
-                          <a:pt x="3716128" y="4661796"/>
-                          <a:pt x="3608011" y="4831271"/>
-                          <a:pt x="3558256" y="4942073"/>
-                        </a:cubicBezTo>
-                        <a:cubicBezTo>
-                          <a:pt x="3459471" y="4751403"/>
-                          <a:pt x="3490920" y="4667258"/>
-                          <a:pt x="3352764" y="4508694"/>
-                        </a:cubicBezTo>
-                        <a:cubicBezTo>
-                          <a:pt x="3214607" y="4350130"/>
-                          <a:pt x="3195495" y="4154082"/>
-                          <a:pt x="3127701" y="4034041"/>
-                        </a:cubicBezTo>
-                        <a:cubicBezTo>
-                          <a:pt x="3059907" y="3914000"/>
-                          <a:pt x="2947168" y="3645227"/>
-                          <a:pt x="2843925" y="3435565"/>
-                        </a:cubicBezTo>
-                        <a:cubicBezTo>
-                          <a:pt x="2740682" y="3225903"/>
-                          <a:pt x="2728481" y="3107467"/>
-                          <a:pt x="2599292" y="2919638"/>
-                        </a:cubicBezTo>
-                        <a:cubicBezTo>
-                          <a:pt x="2470102" y="2731809"/>
-                          <a:pt x="2448908" y="2487065"/>
-                          <a:pt x="2335087" y="2362437"/>
-                        </a:cubicBezTo>
-                        <a:cubicBezTo>
-                          <a:pt x="2221267" y="2237808"/>
-                          <a:pt x="2182904" y="1975685"/>
-                          <a:pt x="2110024" y="1887784"/>
-                        </a:cubicBezTo>
-                        <a:cubicBezTo>
-                          <a:pt x="2037144" y="1799883"/>
-                          <a:pt x="1970007" y="1458528"/>
-                          <a:pt x="1865390" y="1371856"/>
-                        </a:cubicBezTo>
-                        <a:cubicBezTo>
-                          <a:pt x="1760773" y="1285184"/>
-                          <a:pt x="1712460" y="1030507"/>
-                          <a:pt x="1601186" y="814655"/>
-                        </a:cubicBezTo>
-                        <a:close/>
-                      </a:path>
-                      <a:path w="7116512" h="9884146" stroke="0" extrusionOk="0">
-                        <a:moveTo>
-                          <a:pt x="1601186" y="814655"/>
-                        </a:moveTo>
-                        <a:cubicBezTo>
-                          <a:pt x="2582776" y="-475620"/>
-                          <a:pt x="4230879" y="-182344"/>
-                          <a:pt x="5651162" y="945282"/>
-                        </a:cubicBezTo>
-                        <a:cubicBezTo>
-                          <a:pt x="5580984" y="1195975"/>
-                          <a:pt x="5395736" y="1297823"/>
-                          <a:pt x="5347691" y="1524817"/>
-                        </a:cubicBezTo>
-                        <a:cubicBezTo>
-                          <a:pt x="5299646" y="1751811"/>
-                          <a:pt x="5180997" y="1780586"/>
-                          <a:pt x="5107006" y="1984448"/>
-                        </a:cubicBezTo>
-                        <a:cubicBezTo>
-                          <a:pt x="5033015" y="2188310"/>
-                          <a:pt x="4957359" y="2208526"/>
-                          <a:pt x="4887251" y="2404111"/>
-                        </a:cubicBezTo>
-                        <a:cubicBezTo>
-                          <a:pt x="4817143" y="2599696"/>
-                          <a:pt x="4725091" y="2697327"/>
-                          <a:pt x="4604709" y="2943678"/>
-                        </a:cubicBezTo>
-                        <a:cubicBezTo>
-                          <a:pt x="4484326" y="3190029"/>
-                          <a:pt x="4425891" y="3220174"/>
-                          <a:pt x="4364025" y="3403308"/>
-                        </a:cubicBezTo>
-                        <a:cubicBezTo>
-                          <a:pt x="4302159" y="3586442"/>
-                          <a:pt x="4181373" y="3693684"/>
-                          <a:pt x="4060553" y="3982843"/>
-                        </a:cubicBezTo>
-                        <a:cubicBezTo>
-                          <a:pt x="3939733" y="4272002"/>
-                          <a:pt x="3909699" y="4220534"/>
-                          <a:pt x="3840798" y="4402506"/>
-                        </a:cubicBezTo>
-                        <a:cubicBezTo>
-                          <a:pt x="3771897" y="4584479"/>
-                          <a:pt x="3571466" y="4785555"/>
-                          <a:pt x="3558256" y="4942073"/>
-                        </a:cubicBezTo>
-                        <a:cubicBezTo>
-                          <a:pt x="3470408" y="4848677"/>
-                          <a:pt x="3453504" y="4692408"/>
-                          <a:pt x="3372334" y="4549968"/>
-                        </a:cubicBezTo>
-                        <a:cubicBezTo>
-                          <a:pt x="3291164" y="4407528"/>
-                          <a:pt x="3255444" y="4293832"/>
-                          <a:pt x="3147271" y="4075315"/>
-                        </a:cubicBezTo>
-                        <a:cubicBezTo>
-                          <a:pt x="3039098" y="3856798"/>
-                          <a:pt x="3018683" y="3691685"/>
-                          <a:pt x="2922208" y="3600662"/>
-                        </a:cubicBezTo>
-                        <a:cubicBezTo>
-                          <a:pt x="2825733" y="3509639"/>
-                          <a:pt x="2831356" y="3292440"/>
-                          <a:pt x="2658004" y="3043461"/>
-                        </a:cubicBezTo>
-                        <a:cubicBezTo>
-                          <a:pt x="2484652" y="2794482"/>
-                          <a:pt x="2510033" y="2723194"/>
-                          <a:pt x="2432941" y="2568808"/>
-                        </a:cubicBezTo>
-                        <a:cubicBezTo>
-                          <a:pt x="2355849" y="2414422"/>
-                          <a:pt x="2301659" y="2240041"/>
-                          <a:pt x="2149166" y="1970332"/>
-                        </a:cubicBezTo>
-                        <a:cubicBezTo>
-                          <a:pt x="1996672" y="1700623"/>
-                          <a:pt x="2014000" y="1573021"/>
-                          <a:pt x="1865390" y="1371856"/>
-                        </a:cubicBezTo>
-                        <a:cubicBezTo>
-                          <a:pt x="1716780" y="1170691"/>
-                          <a:pt x="1709025" y="905225"/>
-                          <a:pt x="1601186" y="814655"/>
-                        </a:cubicBezTo>
-                        <a:close/>
-                      </a:path>
-                    </a:pathLst>
-                  </a:custGeom>
-                  <ask:type>
-                    <ask:lineSketchNone/>
-                  </ask:type>
-                </ask:lineSketchStyleProps>
-              </a:ext>
-            </a:extLst>
-          </a:ln>
-          <a:scene3d>
-            <a:camera prst="orthographicFront">
-              <a:rot lat="0" lon="0" rev="0"/>
-            </a:camera>
-            <a:lightRig rig="threePt" dir="t"/>
-          </a:scene3d>
-        </p:spPr>
-        <p:style>
-          <a:lnRef idx="2">
-            <a:schemeClr val="accent1">
-              <a:shade val="50000"/>
-            </a:schemeClr>
-          </a:lnRef>
-          <a:fillRef idx="1">
-            <a:schemeClr val="accent1"/>
-          </a:fillRef>
-          <a:effectRef idx="0">
-            <a:schemeClr val="accent1"/>
-          </a:effectRef>
-          <a:fontRef idx="minor">
-            <a:schemeClr val="lt1"/>
-          </a:fontRef>
-        </p:style>
-        <p:txBody>
-          <a:bodyPr rtlCol="0" anchor="ctr"/>
-          <a:lstStyle>
-            <a:defPPr>
-              <a:defRPr lang="en-US"/>
-            </a:defPPr>
-            <a:lvl1pPr algn="ctr">
-              <a:defRPr sz="800">
-                <a:latin typeface="Times New Roman" panose="02020603050405020304" pitchFamily="18" charset="0"/>
-                <a:cs typeface="Times New Roman" panose="02020603050405020304" pitchFamily="18" charset="0"/>
-              </a:defRPr>
-            </a:lvl1pPr>
-            <a:lvl2pPr>
-              <a:defRPr>
-                <a:solidFill>
-                  <a:schemeClr val="lt1"/>
-                </a:solidFill>
-              </a:defRPr>
-            </a:lvl2pPr>
-            <a:lvl3pPr>
-              <a:defRPr>
-                <a:solidFill>
-                  <a:schemeClr val="lt1"/>
-                </a:solidFill>
-              </a:defRPr>
-            </a:lvl3pPr>
-            <a:lvl4pPr>
-              <a:defRPr>
-                <a:solidFill>
-                  <a:schemeClr val="lt1"/>
-                </a:solidFill>
-              </a:defRPr>
-            </a:lvl4pPr>
-            <a:lvl5pPr>
-              <a:defRPr>
-                <a:solidFill>
-                  <a:schemeClr val="lt1"/>
-                </a:solidFill>
-              </a:defRPr>
-            </a:lvl5pPr>
-            <a:lvl6pPr>
-              <a:defRPr>
-                <a:solidFill>
-                  <a:schemeClr val="lt1"/>
-                </a:solidFill>
-              </a:defRPr>
-            </a:lvl6pPr>
-            <a:lvl7pPr>
-              <a:defRPr>
-                <a:solidFill>
-                  <a:schemeClr val="lt1"/>
-                </a:solidFill>
-              </a:defRPr>
-            </a:lvl7pPr>
-            <a:lvl8pPr>
-              <a:defRPr>
-                <a:solidFill>
-                  <a:schemeClr val="lt1"/>
-                </a:solidFill>
-              </a:defRPr>
-            </a:lvl8pPr>
-            <a:lvl9pPr>
-              <a:defRPr>
-                <a:solidFill>
-                  <a:schemeClr val="lt1"/>
-                </a:solidFill>
-              </a:defRPr>
-            </a:lvl9pPr>
-          </a:lstStyle>
-          <a:p>
-            <a:r>
-              <a:rPr lang="en-US" dirty="0">
-                <a:solidFill>
-                  <a:schemeClr val="accent5">
-                    <a:lumMod val="50000"/>
-                  </a:schemeClr>
-                </a:solidFill>
-              </a:rPr>
-              <a:t>D</a:t>
-            </a:r>
-          </a:p>
-        </p:txBody>
-      </p:sp>
-      <p:sp>
-        <p:nvSpPr>
           <p:cNvPr id="67" name="Text OuT">
             <a:extLst>
               <a:ext uri="{FF2B5EF4-FFF2-40B4-BE49-F238E27FC236}">
@@ -13121,6 +10068,3614 @@
       </p:sp>
       <p:sp>
         <p:nvSpPr>
+          <p:cNvPr id="78" name="Text OuT">
+            <a:extLst>
+              <a:ext uri="{FF2B5EF4-FFF2-40B4-BE49-F238E27FC236}">
+                <a16:creationId xmlns:a16="http://schemas.microsoft.com/office/drawing/2014/main" id="{45F86FCC-EE21-DD6B-4ED9-E1769803493B}"/>
+              </a:ext>
+            </a:extLst>
+          </p:cNvPr>
+          <p:cNvSpPr txBox="1"/>
+          <p:nvPr/>
+        </p:nvSpPr>
+        <p:spPr>
+          <a:xfrm>
+            <a:off x="5132050" y="1201513"/>
+            <a:ext cx="403174" cy="237360"/>
+          </a:xfrm>
+          <a:prstGeom prst="ellipse">
+            <a:avLst/>
+          </a:prstGeom>
+          <a:gradFill flip="none" rotWithShape="1">
+            <a:gsLst>
+              <a:gs pos="0">
+                <a:schemeClr val="bg1"/>
+              </a:gs>
+              <a:gs pos="17000">
+                <a:schemeClr val="bg1"/>
+              </a:gs>
+              <a:gs pos="30000">
+                <a:srgbClr val="FFFFFF">
+                  <a:alpha val="47000"/>
+                </a:srgbClr>
+              </a:gs>
+              <a:gs pos="40000">
+                <a:schemeClr val="bg1">
+                  <a:alpha val="0"/>
+                </a:schemeClr>
+              </a:gs>
+            </a:gsLst>
+            <a:path path="circle">
+              <a:fillToRect l="50000" t="50000" r="50000" b="50000"/>
+            </a:path>
+            <a:tileRect/>
+          </a:gradFill>
+          <a:ln w="12700" cmpd="sng">
+            <a:noFill/>
+            <a:prstDash val="sysDash"/>
+            <a:extLst>
+              <a:ext uri="{C807C97D-BFC1-408E-A445-0C87EB9F89A2}">
+                <ask:lineSketchStyleProps xmlns:ask="http://schemas.microsoft.com/office/drawing/2018/sketchyshapes" sd="1219033472">
+                  <a:custGeom>
+                    <a:avLst/>
+                    <a:gdLst>
+                      <a:gd name="connsiteX0" fmla="*/ 1601186 w 7116512"/>
+                      <a:gd name="connsiteY0" fmla="*/ 814655 h 9884146"/>
+                      <a:gd name="connsiteX1" fmla="*/ 5651162 w 7116512"/>
+                      <a:gd name="connsiteY1" fmla="*/ 945282 h 9884146"/>
+                      <a:gd name="connsiteX2" fmla="*/ 5452336 w 7116512"/>
+                      <a:gd name="connsiteY2" fmla="*/ 1324977 h 9884146"/>
+                      <a:gd name="connsiteX3" fmla="*/ 5232581 w 7116512"/>
+                      <a:gd name="connsiteY3" fmla="*/ 1744640 h 9884146"/>
+                      <a:gd name="connsiteX4" fmla="*/ 4991897 w 7116512"/>
+                      <a:gd name="connsiteY4" fmla="*/ 2204271 h 9884146"/>
+                      <a:gd name="connsiteX5" fmla="*/ 4688425 w 7116512"/>
+                      <a:gd name="connsiteY5" fmla="*/ 2783806 h 9884146"/>
+                      <a:gd name="connsiteX6" fmla="*/ 4426812 w 7116512"/>
+                      <a:gd name="connsiteY6" fmla="*/ 3283405 h 9884146"/>
+                      <a:gd name="connsiteX7" fmla="*/ 4186128 w 7116512"/>
+                      <a:gd name="connsiteY7" fmla="*/ 3743036 h 9884146"/>
+                      <a:gd name="connsiteX8" fmla="*/ 3987302 w 7116512"/>
+                      <a:gd name="connsiteY8" fmla="*/ 4122731 h 9884146"/>
+                      <a:gd name="connsiteX9" fmla="*/ 3788476 w 7116512"/>
+                      <a:gd name="connsiteY9" fmla="*/ 4502426 h 9884146"/>
+                      <a:gd name="connsiteX10" fmla="*/ 3558256 w 7116512"/>
+                      <a:gd name="connsiteY10" fmla="*/ 4942073 h 9884146"/>
+                      <a:gd name="connsiteX11" fmla="*/ 3352764 w 7116512"/>
+                      <a:gd name="connsiteY11" fmla="*/ 4508694 h 9884146"/>
+                      <a:gd name="connsiteX12" fmla="*/ 3127701 w 7116512"/>
+                      <a:gd name="connsiteY12" fmla="*/ 4034041 h 9884146"/>
+                      <a:gd name="connsiteX13" fmla="*/ 2843925 w 7116512"/>
+                      <a:gd name="connsiteY13" fmla="*/ 3435565 h 9884146"/>
+                      <a:gd name="connsiteX14" fmla="*/ 2599292 w 7116512"/>
+                      <a:gd name="connsiteY14" fmla="*/ 2919638 h 9884146"/>
+                      <a:gd name="connsiteX15" fmla="*/ 2335087 w 7116512"/>
+                      <a:gd name="connsiteY15" fmla="*/ 2362437 h 9884146"/>
+                      <a:gd name="connsiteX16" fmla="*/ 2110024 w 7116512"/>
+                      <a:gd name="connsiteY16" fmla="*/ 1887784 h 9884146"/>
+                      <a:gd name="connsiteX17" fmla="*/ 1865390 w 7116512"/>
+                      <a:gd name="connsiteY17" fmla="*/ 1371856 h 9884146"/>
+                      <a:gd name="connsiteX18" fmla="*/ 1601186 w 7116512"/>
+                      <a:gd name="connsiteY18" fmla="*/ 814655 h 9884146"/>
+                    </a:gdLst>
+                    <a:ahLst/>
+                    <a:cxnLst>
+                      <a:cxn ang="0">
+                        <a:pos x="connsiteX0" y="connsiteY0"/>
+                      </a:cxn>
+                      <a:cxn ang="0">
+                        <a:pos x="connsiteX1" y="connsiteY1"/>
+                      </a:cxn>
+                      <a:cxn ang="0">
+                        <a:pos x="connsiteX2" y="connsiteY2"/>
+                      </a:cxn>
+                      <a:cxn ang="0">
+                        <a:pos x="connsiteX3" y="connsiteY3"/>
+                      </a:cxn>
+                      <a:cxn ang="0">
+                        <a:pos x="connsiteX4" y="connsiteY4"/>
+                      </a:cxn>
+                      <a:cxn ang="0">
+                        <a:pos x="connsiteX5" y="connsiteY5"/>
+                      </a:cxn>
+                      <a:cxn ang="0">
+                        <a:pos x="connsiteX6" y="connsiteY6"/>
+                      </a:cxn>
+                      <a:cxn ang="0">
+                        <a:pos x="connsiteX7" y="connsiteY7"/>
+                      </a:cxn>
+                      <a:cxn ang="0">
+                        <a:pos x="connsiteX8" y="connsiteY8"/>
+                      </a:cxn>
+                      <a:cxn ang="0">
+                        <a:pos x="connsiteX9" y="connsiteY9"/>
+                      </a:cxn>
+                      <a:cxn ang="0">
+                        <a:pos x="connsiteX10" y="connsiteY10"/>
+                      </a:cxn>
+                      <a:cxn ang="0">
+                        <a:pos x="connsiteX11" y="connsiteY11"/>
+                      </a:cxn>
+                      <a:cxn ang="0">
+                        <a:pos x="connsiteX12" y="connsiteY12"/>
+                      </a:cxn>
+                      <a:cxn ang="0">
+                        <a:pos x="connsiteX13" y="connsiteY13"/>
+                      </a:cxn>
+                      <a:cxn ang="0">
+                        <a:pos x="connsiteX14" y="connsiteY14"/>
+                      </a:cxn>
+                      <a:cxn ang="0">
+                        <a:pos x="connsiteX15" y="connsiteY15"/>
+                      </a:cxn>
+                      <a:cxn ang="0">
+                        <a:pos x="connsiteX16" y="connsiteY16"/>
+                      </a:cxn>
+                      <a:cxn ang="0">
+                        <a:pos x="connsiteX17" y="connsiteY17"/>
+                      </a:cxn>
+                      <a:cxn ang="0">
+                        <a:pos x="connsiteX18" y="connsiteY18"/>
+                      </a:cxn>
+                    </a:cxnLst>
+                    <a:rect l="l" t="t" r="r" b="b"/>
+                    <a:pathLst>
+                      <a:path w="7116512" h="9884146" fill="none" extrusionOk="0">
+                        <a:moveTo>
+                          <a:pt x="1601186" y="814655"/>
+                        </a:moveTo>
+                        <a:cubicBezTo>
+                          <a:pt x="2846954" y="-424980"/>
+                          <a:pt x="4047580" y="-29084"/>
+                          <a:pt x="5651162" y="945282"/>
+                        </a:cubicBezTo>
+                        <a:cubicBezTo>
+                          <a:pt x="5608953" y="1033012"/>
+                          <a:pt x="5515638" y="1194683"/>
+                          <a:pt x="5452336" y="1324977"/>
+                        </a:cubicBezTo>
+                        <a:cubicBezTo>
+                          <a:pt x="5389034" y="1455271"/>
+                          <a:pt x="5303964" y="1545168"/>
+                          <a:pt x="5232581" y="1744640"/>
+                        </a:cubicBezTo>
+                        <a:cubicBezTo>
+                          <a:pt x="5161198" y="1944112"/>
+                          <a:pt x="5054945" y="1978948"/>
+                          <a:pt x="4991897" y="2204271"/>
+                        </a:cubicBezTo>
+                        <a:cubicBezTo>
+                          <a:pt x="4928849" y="2429594"/>
+                          <a:pt x="4739985" y="2566490"/>
+                          <a:pt x="4688425" y="2783806"/>
+                        </a:cubicBezTo>
+                        <a:cubicBezTo>
+                          <a:pt x="4636865" y="3001122"/>
+                          <a:pt x="4481884" y="3070481"/>
+                          <a:pt x="4426812" y="3283405"/>
+                        </a:cubicBezTo>
+                        <a:cubicBezTo>
+                          <a:pt x="4371740" y="3496329"/>
+                          <a:pt x="4202687" y="3631910"/>
+                          <a:pt x="4186128" y="3743036"/>
+                        </a:cubicBezTo>
+                        <a:cubicBezTo>
+                          <a:pt x="4169569" y="3854162"/>
+                          <a:pt x="4025042" y="3994312"/>
+                          <a:pt x="3987302" y="4122731"/>
+                        </a:cubicBezTo>
+                        <a:cubicBezTo>
+                          <a:pt x="3949562" y="4251150"/>
+                          <a:pt x="3860824" y="4343056"/>
+                          <a:pt x="3788476" y="4502426"/>
+                        </a:cubicBezTo>
+                        <a:cubicBezTo>
+                          <a:pt x="3716128" y="4661796"/>
+                          <a:pt x="3608011" y="4831271"/>
+                          <a:pt x="3558256" y="4942073"/>
+                        </a:cubicBezTo>
+                        <a:cubicBezTo>
+                          <a:pt x="3459471" y="4751403"/>
+                          <a:pt x="3490920" y="4667258"/>
+                          <a:pt x="3352764" y="4508694"/>
+                        </a:cubicBezTo>
+                        <a:cubicBezTo>
+                          <a:pt x="3214607" y="4350130"/>
+                          <a:pt x="3195495" y="4154082"/>
+                          <a:pt x="3127701" y="4034041"/>
+                        </a:cubicBezTo>
+                        <a:cubicBezTo>
+                          <a:pt x="3059907" y="3914000"/>
+                          <a:pt x="2947168" y="3645227"/>
+                          <a:pt x="2843925" y="3435565"/>
+                        </a:cubicBezTo>
+                        <a:cubicBezTo>
+                          <a:pt x="2740682" y="3225903"/>
+                          <a:pt x="2728481" y="3107467"/>
+                          <a:pt x="2599292" y="2919638"/>
+                        </a:cubicBezTo>
+                        <a:cubicBezTo>
+                          <a:pt x="2470102" y="2731809"/>
+                          <a:pt x="2448908" y="2487065"/>
+                          <a:pt x="2335087" y="2362437"/>
+                        </a:cubicBezTo>
+                        <a:cubicBezTo>
+                          <a:pt x="2221267" y="2237808"/>
+                          <a:pt x="2182904" y="1975685"/>
+                          <a:pt x="2110024" y="1887784"/>
+                        </a:cubicBezTo>
+                        <a:cubicBezTo>
+                          <a:pt x="2037144" y="1799883"/>
+                          <a:pt x="1970007" y="1458528"/>
+                          <a:pt x="1865390" y="1371856"/>
+                        </a:cubicBezTo>
+                        <a:cubicBezTo>
+                          <a:pt x="1760773" y="1285184"/>
+                          <a:pt x="1712460" y="1030507"/>
+                          <a:pt x="1601186" y="814655"/>
+                        </a:cubicBezTo>
+                        <a:close/>
+                      </a:path>
+                      <a:path w="7116512" h="9884146" stroke="0" extrusionOk="0">
+                        <a:moveTo>
+                          <a:pt x="1601186" y="814655"/>
+                        </a:moveTo>
+                        <a:cubicBezTo>
+                          <a:pt x="2582776" y="-475620"/>
+                          <a:pt x="4230879" y="-182344"/>
+                          <a:pt x="5651162" y="945282"/>
+                        </a:cubicBezTo>
+                        <a:cubicBezTo>
+                          <a:pt x="5580984" y="1195975"/>
+                          <a:pt x="5395736" y="1297823"/>
+                          <a:pt x="5347691" y="1524817"/>
+                        </a:cubicBezTo>
+                        <a:cubicBezTo>
+                          <a:pt x="5299646" y="1751811"/>
+                          <a:pt x="5180997" y="1780586"/>
+                          <a:pt x="5107006" y="1984448"/>
+                        </a:cubicBezTo>
+                        <a:cubicBezTo>
+                          <a:pt x="5033015" y="2188310"/>
+                          <a:pt x="4957359" y="2208526"/>
+                          <a:pt x="4887251" y="2404111"/>
+                        </a:cubicBezTo>
+                        <a:cubicBezTo>
+                          <a:pt x="4817143" y="2599696"/>
+                          <a:pt x="4725091" y="2697327"/>
+                          <a:pt x="4604709" y="2943678"/>
+                        </a:cubicBezTo>
+                        <a:cubicBezTo>
+                          <a:pt x="4484326" y="3190029"/>
+                          <a:pt x="4425891" y="3220174"/>
+                          <a:pt x="4364025" y="3403308"/>
+                        </a:cubicBezTo>
+                        <a:cubicBezTo>
+                          <a:pt x="4302159" y="3586442"/>
+                          <a:pt x="4181373" y="3693684"/>
+                          <a:pt x="4060553" y="3982843"/>
+                        </a:cubicBezTo>
+                        <a:cubicBezTo>
+                          <a:pt x="3939733" y="4272002"/>
+                          <a:pt x="3909699" y="4220534"/>
+                          <a:pt x="3840798" y="4402506"/>
+                        </a:cubicBezTo>
+                        <a:cubicBezTo>
+                          <a:pt x="3771897" y="4584479"/>
+                          <a:pt x="3571466" y="4785555"/>
+                          <a:pt x="3558256" y="4942073"/>
+                        </a:cubicBezTo>
+                        <a:cubicBezTo>
+                          <a:pt x="3470408" y="4848677"/>
+                          <a:pt x="3453504" y="4692408"/>
+                          <a:pt x="3372334" y="4549968"/>
+                        </a:cubicBezTo>
+                        <a:cubicBezTo>
+                          <a:pt x="3291164" y="4407528"/>
+                          <a:pt x="3255444" y="4293832"/>
+                          <a:pt x="3147271" y="4075315"/>
+                        </a:cubicBezTo>
+                        <a:cubicBezTo>
+                          <a:pt x="3039098" y="3856798"/>
+                          <a:pt x="3018683" y="3691685"/>
+                          <a:pt x="2922208" y="3600662"/>
+                        </a:cubicBezTo>
+                        <a:cubicBezTo>
+                          <a:pt x="2825733" y="3509639"/>
+                          <a:pt x="2831356" y="3292440"/>
+                          <a:pt x="2658004" y="3043461"/>
+                        </a:cubicBezTo>
+                        <a:cubicBezTo>
+                          <a:pt x="2484652" y="2794482"/>
+                          <a:pt x="2510033" y="2723194"/>
+                          <a:pt x="2432941" y="2568808"/>
+                        </a:cubicBezTo>
+                        <a:cubicBezTo>
+                          <a:pt x="2355849" y="2414422"/>
+                          <a:pt x="2301659" y="2240041"/>
+                          <a:pt x="2149166" y="1970332"/>
+                        </a:cubicBezTo>
+                        <a:cubicBezTo>
+                          <a:pt x="1996672" y="1700623"/>
+                          <a:pt x="2014000" y="1573021"/>
+                          <a:pt x="1865390" y="1371856"/>
+                        </a:cubicBezTo>
+                        <a:cubicBezTo>
+                          <a:pt x="1716780" y="1170691"/>
+                          <a:pt x="1709025" y="905225"/>
+                          <a:pt x="1601186" y="814655"/>
+                        </a:cubicBezTo>
+                        <a:close/>
+                      </a:path>
+                    </a:pathLst>
+                  </a:custGeom>
+                  <ask:type>
+                    <ask:lineSketchNone/>
+                  </ask:type>
+                </ask:lineSketchStyleProps>
+              </a:ext>
+            </a:extLst>
+          </a:ln>
+          <a:scene3d>
+            <a:camera prst="orthographicFront">
+              <a:rot lat="0" lon="0" rev="0"/>
+            </a:camera>
+            <a:lightRig rig="threePt" dir="t"/>
+          </a:scene3d>
+        </p:spPr>
+        <p:style>
+          <a:lnRef idx="2">
+            <a:schemeClr val="accent1">
+              <a:shade val="50000"/>
+            </a:schemeClr>
+          </a:lnRef>
+          <a:fillRef idx="1">
+            <a:schemeClr val="accent1"/>
+          </a:fillRef>
+          <a:effectRef idx="0">
+            <a:schemeClr val="accent1"/>
+          </a:effectRef>
+          <a:fontRef idx="minor">
+            <a:schemeClr val="lt1"/>
+          </a:fontRef>
+        </p:style>
+        <p:txBody>
+          <a:bodyPr rtlCol="0" anchor="ctr"/>
+          <a:lstStyle>
+            <a:defPPr>
+              <a:defRPr lang="en-US"/>
+            </a:defPPr>
+            <a:lvl1pPr algn="ctr">
+              <a:defRPr sz="800">
+                <a:latin typeface="Times New Roman" panose="02020603050405020304" pitchFamily="18" charset="0"/>
+                <a:cs typeface="Times New Roman" panose="02020603050405020304" pitchFamily="18" charset="0"/>
+              </a:defRPr>
+            </a:lvl1pPr>
+            <a:lvl2pPr>
+              <a:defRPr>
+                <a:solidFill>
+                  <a:schemeClr val="lt1"/>
+                </a:solidFill>
+              </a:defRPr>
+            </a:lvl2pPr>
+            <a:lvl3pPr>
+              <a:defRPr>
+                <a:solidFill>
+                  <a:schemeClr val="lt1"/>
+                </a:solidFill>
+              </a:defRPr>
+            </a:lvl3pPr>
+            <a:lvl4pPr>
+              <a:defRPr>
+                <a:solidFill>
+                  <a:schemeClr val="lt1"/>
+                </a:solidFill>
+              </a:defRPr>
+            </a:lvl4pPr>
+            <a:lvl5pPr>
+              <a:defRPr>
+                <a:solidFill>
+                  <a:schemeClr val="lt1"/>
+                </a:solidFill>
+              </a:defRPr>
+            </a:lvl5pPr>
+            <a:lvl6pPr>
+              <a:defRPr>
+                <a:solidFill>
+                  <a:schemeClr val="lt1"/>
+                </a:solidFill>
+              </a:defRPr>
+            </a:lvl6pPr>
+            <a:lvl7pPr>
+              <a:defRPr>
+                <a:solidFill>
+                  <a:schemeClr val="lt1"/>
+                </a:solidFill>
+              </a:defRPr>
+            </a:lvl7pPr>
+            <a:lvl8pPr>
+              <a:defRPr>
+                <a:solidFill>
+                  <a:schemeClr val="lt1"/>
+                </a:solidFill>
+              </a:defRPr>
+            </a:lvl8pPr>
+            <a:lvl9pPr>
+              <a:defRPr>
+                <a:solidFill>
+                  <a:schemeClr val="lt1"/>
+                </a:solidFill>
+              </a:defRPr>
+            </a:lvl9pPr>
+          </a:lstStyle>
+          <a:p>
+            <a:r>
+              <a:rPr lang="en-US" dirty="0">
+                <a:solidFill>
+                  <a:schemeClr val="accent5">
+                    <a:lumMod val="50000"/>
+                  </a:schemeClr>
+                </a:solidFill>
+              </a:rPr>
+              <a:t>L</a:t>
+            </a:r>
+          </a:p>
+        </p:txBody>
+      </p:sp>
+      <p:grpSp>
+        <p:nvGrpSpPr>
+          <p:cNvPr id="90" name="Pedestrian with 2 OuTs">
+            <a:extLst>
+              <a:ext uri="{FF2B5EF4-FFF2-40B4-BE49-F238E27FC236}">
+                <a16:creationId xmlns:a16="http://schemas.microsoft.com/office/drawing/2014/main" id="{D8C8DD9D-CAC8-0540-C67B-B2B695E72C69}"/>
+              </a:ext>
+            </a:extLst>
+          </p:cNvPr>
+          <p:cNvGrpSpPr/>
+          <p:nvPr/>
+        </p:nvGrpSpPr>
+        <p:grpSpPr>
+          <a:xfrm>
+            <a:off x="3288573" y="554430"/>
+            <a:ext cx="403174" cy="374241"/>
+            <a:chOff x="1423952" y="836252"/>
+            <a:chExt cx="403174" cy="374241"/>
+          </a:xfrm>
+        </p:grpSpPr>
+        <p:pic>
+          <p:nvPicPr>
+            <p:cNvPr id="3" name="Graphic 2">
+              <a:extLst>
+                <a:ext uri="{FF2B5EF4-FFF2-40B4-BE49-F238E27FC236}">
+                  <a16:creationId xmlns:a16="http://schemas.microsoft.com/office/drawing/2014/main" id="{A78FEE65-D217-D7A1-1CBA-C0E4670CD1D7}"/>
+                </a:ext>
+              </a:extLst>
+            </p:cNvPr>
+            <p:cNvPicPr>
+              <a:picLocks noChangeAspect="1"/>
+            </p:cNvPicPr>
+            <p:nvPr/>
+          </p:nvPicPr>
+          <p:blipFill>
+            <a:blip r:embed="rId10" cstate="print">
+              <a:extLst>
+                <a:ext uri="{28A0092B-C50C-407E-A947-70E740481C1C}">
+                  <a14:useLocalDpi xmlns:a14="http://schemas.microsoft.com/office/drawing/2010/main" val="0"/>
+                </a:ext>
+                <a:ext uri="{96DAC541-7B7A-43D3-8B79-37D633B846F1}">
+                  <asvg:svgBlip xmlns:asvg="http://schemas.microsoft.com/office/drawing/2016/SVG/main" r:embed="rId11"/>
+                </a:ext>
+              </a:extLst>
+            </a:blip>
+            <a:stretch>
+              <a:fillRect/>
+            </a:stretch>
+          </p:blipFill>
+          <p:spPr>
+            <a:xfrm flipH="1">
+              <a:off x="1519652" y="908400"/>
+              <a:ext cx="124800" cy="187200"/>
+            </a:xfrm>
+            <a:prstGeom prst="rect">
+              <a:avLst/>
+            </a:prstGeom>
+          </p:spPr>
+        </p:pic>
+        <p:sp>
+          <p:nvSpPr>
+            <p:cNvPr id="79" name="Rectangle 78">
+              <a:extLst>
+                <a:ext uri="{FF2B5EF4-FFF2-40B4-BE49-F238E27FC236}">
+                  <a16:creationId xmlns:a16="http://schemas.microsoft.com/office/drawing/2014/main" id="{27FE87CD-AC8F-C644-24F8-3E1891156742}"/>
+                </a:ext>
+              </a:extLst>
+            </p:cNvPr>
+            <p:cNvSpPr/>
+            <p:nvPr/>
+          </p:nvSpPr>
+          <p:spPr>
+            <a:xfrm rot="5400000">
+              <a:off x="1462286" y="919153"/>
+              <a:ext cx="244256" cy="159715"/>
+            </a:xfrm>
+            <a:prstGeom prst="rect">
+              <a:avLst/>
+            </a:prstGeom>
+            <a:noFill/>
+            <a:ln w="28575">
+              <a:solidFill>
+                <a:schemeClr val="accent6">
+                  <a:lumMod val="50000"/>
+                </a:schemeClr>
+              </a:solidFill>
+            </a:ln>
+          </p:spPr>
+          <p:style>
+            <a:lnRef idx="2">
+              <a:schemeClr val="accent1">
+                <a:shade val="50000"/>
+              </a:schemeClr>
+            </a:lnRef>
+            <a:fillRef idx="1">
+              <a:schemeClr val="accent1"/>
+            </a:fillRef>
+            <a:effectRef idx="0">
+              <a:schemeClr val="accent1"/>
+            </a:effectRef>
+            <a:fontRef idx="minor">
+              <a:schemeClr val="lt1"/>
+            </a:fontRef>
+          </p:style>
+          <p:txBody>
+            <a:bodyPr rtlCol="0" anchor="ctr"/>
+            <a:lstStyle/>
+            <a:p>
+              <a:pPr algn="ctr"/>
+              <a:endParaRPr lang="en-US" sz="1000">
+                <a:latin typeface="Times New Roman" panose="02020603050405020304" pitchFamily="18" charset="0"/>
+                <a:cs typeface="Times New Roman" panose="02020603050405020304" pitchFamily="18" charset="0"/>
+              </a:endParaRPr>
+            </a:p>
+          </p:txBody>
+        </p:sp>
+        <p:sp>
+          <p:nvSpPr>
+            <p:cNvPr id="88" name="Rectangle 87">
+              <a:extLst>
+                <a:ext uri="{FF2B5EF4-FFF2-40B4-BE49-F238E27FC236}">
+                  <a16:creationId xmlns:a16="http://schemas.microsoft.com/office/drawing/2014/main" id="{E5DB97B8-BFF9-DCEE-EA01-6B6851BF3A2F}"/>
+                </a:ext>
+              </a:extLst>
+            </p:cNvPr>
+            <p:cNvSpPr/>
+            <p:nvPr/>
+          </p:nvSpPr>
+          <p:spPr>
+            <a:xfrm rot="10800000">
+              <a:off x="1468347" y="898143"/>
+              <a:ext cx="179499" cy="257654"/>
+            </a:xfrm>
+            <a:prstGeom prst="rect">
+              <a:avLst/>
+            </a:prstGeom>
+            <a:noFill/>
+            <a:ln w="28575">
+              <a:solidFill>
+                <a:schemeClr val="accent2">
+                  <a:lumMod val="75000"/>
+                </a:schemeClr>
+              </a:solidFill>
+            </a:ln>
+          </p:spPr>
+          <p:style>
+            <a:lnRef idx="2">
+              <a:schemeClr val="accent1">
+                <a:shade val="50000"/>
+              </a:schemeClr>
+            </a:lnRef>
+            <a:fillRef idx="1">
+              <a:schemeClr val="accent1"/>
+            </a:fillRef>
+            <a:effectRef idx="0">
+              <a:schemeClr val="accent1"/>
+            </a:effectRef>
+            <a:fontRef idx="minor">
+              <a:schemeClr val="lt1"/>
+            </a:fontRef>
+          </p:style>
+          <p:txBody>
+            <a:bodyPr rtlCol="0" anchor="ctr"/>
+            <a:lstStyle/>
+            <a:p>
+              <a:pPr algn="ctr"/>
+              <a:endParaRPr lang="en-US" sz="1000">
+                <a:latin typeface="Times New Roman" panose="02020603050405020304" pitchFamily="18" charset="0"/>
+                <a:cs typeface="Times New Roman" panose="02020603050405020304" pitchFamily="18" charset="0"/>
+              </a:endParaRPr>
+            </a:p>
+          </p:txBody>
+        </p:sp>
+        <p:sp>
+          <p:nvSpPr>
+            <p:cNvPr id="86" name="Rectangle 85">
+              <a:extLst>
+                <a:ext uri="{FF2B5EF4-FFF2-40B4-BE49-F238E27FC236}">
+                  <a16:creationId xmlns:a16="http://schemas.microsoft.com/office/drawing/2014/main" id="{FD9E475C-E871-3D1E-8D54-BBAC49CD9602}"/>
+                </a:ext>
+              </a:extLst>
+            </p:cNvPr>
+            <p:cNvSpPr/>
+            <p:nvPr/>
+          </p:nvSpPr>
+          <p:spPr>
+            <a:xfrm rot="10800000">
+              <a:off x="1530818" y="836252"/>
+              <a:ext cx="164864" cy="260921"/>
+            </a:xfrm>
+            <a:prstGeom prst="rect">
+              <a:avLst/>
+            </a:prstGeom>
+            <a:noFill/>
+            <a:ln w="28575">
+              <a:solidFill>
+                <a:schemeClr val="accent2">
+                  <a:lumMod val="75000"/>
+                </a:schemeClr>
+              </a:solidFill>
+            </a:ln>
+          </p:spPr>
+          <p:style>
+            <a:lnRef idx="2">
+              <a:schemeClr val="accent1">
+                <a:shade val="50000"/>
+              </a:schemeClr>
+            </a:lnRef>
+            <a:fillRef idx="1">
+              <a:schemeClr val="accent1"/>
+            </a:fillRef>
+            <a:effectRef idx="0">
+              <a:schemeClr val="accent1"/>
+            </a:effectRef>
+            <a:fontRef idx="minor">
+              <a:schemeClr val="lt1"/>
+            </a:fontRef>
+          </p:style>
+          <p:txBody>
+            <a:bodyPr rtlCol="0" anchor="ctr"/>
+            <a:lstStyle/>
+            <a:p>
+              <a:pPr algn="ctr"/>
+              <a:endParaRPr lang="en-US" sz="1000">
+                <a:latin typeface="Times New Roman" panose="02020603050405020304" pitchFamily="18" charset="0"/>
+                <a:cs typeface="Times New Roman" panose="02020603050405020304" pitchFamily="18" charset="0"/>
+              </a:endParaRPr>
+            </a:p>
+          </p:txBody>
+        </p:sp>
+        <p:sp>
+          <p:nvSpPr>
+            <p:cNvPr id="80" name="Text OuT">
+              <a:extLst>
+                <a:ext uri="{FF2B5EF4-FFF2-40B4-BE49-F238E27FC236}">
+                  <a16:creationId xmlns:a16="http://schemas.microsoft.com/office/drawing/2014/main" id="{6C0EC856-A6A0-CCC3-A393-906E119C9B1F}"/>
+                </a:ext>
+              </a:extLst>
+            </p:cNvPr>
+            <p:cNvSpPr txBox="1"/>
+            <p:nvPr/>
+          </p:nvSpPr>
+          <p:spPr>
+            <a:xfrm>
+              <a:off x="1423952" y="973133"/>
+              <a:ext cx="403174" cy="237360"/>
+            </a:xfrm>
+            <a:prstGeom prst="ellipse">
+              <a:avLst/>
+            </a:prstGeom>
+            <a:gradFill flip="none" rotWithShape="1">
+              <a:gsLst>
+                <a:gs pos="0">
+                  <a:schemeClr val="bg1"/>
+                </a:gs>
+                <a:gs pos="17000">
+                  <a:schemeClr val="bg1"/>
+                </a:gs>
+                <a:gs pos="30000">
+                  <a:srgbClr val="FFFFFF">
+                    <a:alpha val="47000"/>
+                  </a:srgbClr>
+                </a:gs>
+                <a:gs pos="40000">
+                  <a:schemeClr val="bg1">
+                    <a:alpha val="0"/>
+                  </a:schemeClr>
+                </a:gs>
+              </a:gsLst>
+              <a:path path="circle">
+                <a:fillToRect l="50000" t="50000" r="50000" b="50000"/>
+              </a:path>
+              <a:tileRect/>
+            </a:gradFill>
+            <a:ln w="12700" cmpd="sng">
+              <a:noFill/>
+              <a:prstDash val="sysDash"/>
+              <a:extLst>
+                <a:ext uri="{C807C97D-BFC1-408E-A445-0C87EB9F89A2}">
+                  <ask:lineSketchStyleProps xmlns:ask="http://schemas.microsoft.com/office/drawing/2018/sketchyshapes" sd="1219033472">
+                    <a:custGeom>
+                      <a:avLst/>
+                      <a:gdLst>
+                        <a:gd name="connsiteX0" fmla="*/ 1601186 w 7116512"/>
+                        <a:gd name="connsiteY0" fmla="*/ 814655 h 9884146"/>
+                        <a:gd name="connsiteX1" fmla="*/ 5651162 w 7116512"/>
+                        <a:gd name="connsiteY1" fmla="*/ 945282 h 9884146"/>
+                        <a:gd name="connsiteX2" fmla="*/ 5452336 w 7116512"/>
+                        <a:gd name="connsiteY2" fmla="*/ 1324977 h 9884146"/>
+                        <a:gd name="connsiteX3" fmla="*/ 5232581 w 7116512"/>
+                        <a:gd name="connsiteY3" fmla="*/ 1744640 h 9884146"/>
+                        <a:gd name="connsiteX4" fmla="*/ 4991897 w 7116512"/>
+                        <a:gd name="connsiteY4" fmla="*/ 2204271 h 9884146"/>
+                        <a:gd name="connsiteX5" fmla="*/ 4688425 w 7116512"/>
+                        <a:gd name="connsiteY5" fmla="*/ 2783806 h 9884146"/>
+                        <a:gd name="connsiteX6" fmla="*/ 4426812 w 7116512"/>
+                        <a:gd name="connsiteY6" fmla="*/ 3283405 h 9884146"/>
+                        <a:gd name="connsiteX7" fmla="*/ 4186128 w 7116512"/>
+                        <a:gd name="connsiteY7" fmla="*/ 3743036 h 9884146"/>
+                        <a:gd name="connsiteX8" fmla="*/ 3987302 w 7116512"/>
+                        <a:gd name="connsiteY8" fmla="*/ 4122731 h 9884146"/>
+                        <a:gd name="connsiteX9" fmla="*/ 3788476 w 7116512"/>
+                        <a:gd name="connsiteY9" fmla="*/ 4502426 h 9884146"/>
+                        <a:gd name="connsiteX10" fmla="*/ 3558256 w 7116512"/>
+                        <a:gd name="connsiteY10" fmla="*/ 4942073 h 9884146"/>
+                        <a:gd name="connsiteX11" fmla="*/ 3352764 w 7116512"/>
+                        <a:gd name="connsiteY11" fmla="*/ 4508694 h 9884146"/>
+                        <a:gd name="connsiteX12" fmla="*/ 3127701 w 7116512"/>
+                        <a:gd name="connsiteY12" fmla="*/ 4034041 h 9884146"/>
+                        <a:gd name="connsiteX13" fmla="*/ 2843925 w 7116512"/>
+                        <a:gd name="connsiteY13" fmla="*/ 3435565 h 9884146"/>
+                        <a:gd name="connsiteX14" fmla="*/ 2599292 w 7116512"/>
+                        <a:gd name="connsiteY14" fmla="*/ 2919638 h 9884146"/>
+                        <a:gd name="connsiteX15" fmla="*/ 2335087 w 7116512"/>
+                        <a:gd name="connsiteY15" fmla="*/ 2362437 h 9884146"/>
+                        <a:gd name="connsiteX16" fmla="*/ 2110024 w 7116512"/>
+                        <a:gd name="connsiteY16" fmla="*/ 1887784 h 9884146"/>
+                        <a:gd name="connsiteX17" fmla="*/ 1865390 w 7116512"/>
+                        <a:gd name="connsiteY17" fmla="*/ 1371856 h 9884146"/>
+                        <a:gd name="connsiteX18" fmla="*/ 1601186 w 7116512"/>
+                        <a:gd name="connsiteY18" fmla="*/ 814655 h 9884146"/>
+                      </a:gdLst>
+                      <a:ahLst/>
+                      <a:cxnLst>
+                        <a:cxn ang="0">
+                          <a:pos x="connsiteX0" y="connsiteY0"/>
+                        </a:cxn>
+                        <a:cxn ang="0">
+                          <a:pos x="connsiteX1" y="connsiteY1"/>
+                        </a:cxn>
+                        <a:cxn ang="0">
+                          <a:pos x="connsiteX2" y="connsiteY2"/>
+                        </a:cxn>
+                        <a:cxn ang="0">
+                          <a:pos x="connsiteX3" y="connsiteY3"/>
+                        </a:cxn>
+                        <a:cxn ang="0">
+                          <a:pos x="connsiteX4" y="connsiteY4"/>
+                        </a:cxn>
+                        <a:cxn ang="0">
+                          <a:pos x="connsiteX5" y="connsiteY5"/>
+                        </a:cxn>
+                        <a:cxn ang="0">
+                          <a:pos x="connsiteX6" y="connsiteY6"/>
+                        </a:cxn>
+                        <a:cxn ang="0">
+                          <a:pos x="connsiteX7" y="connsiteY7"/>
+                        </a:cxn>
+                        <a:cxn ang="0">
+                          <a:pos x="connsiteX8" y="connsiteY8"/>
+                        </a:cxn>
+                        <a:cxn ang="0">
+                          <a:pos x="connsiteX9" y="connsiteY9"/>
+                        </a:cxn>
+                        <a:cxn ang="0">
+                          <a:pos x="connsiteX10" y="connsiteY10"/>
+                        </a:cxn>
+                        <a:cxn ang="0">
+                          <a:pos x="connsiteX11" y="connsiteY11"/>
+                        </a:cxn>
+                        <a:cxn ang="0">
+                          <a:pos x="connsiteX12" y="connsiteY12"/>
+                        </a:cxn>
+                        <a:cxn ang="0">
+                          <a:pos x="connsiteX13" y="connsiteY13"/>
+                        </a:cxn>
+                        <a:cxn ang="0">
+                          <a:pos x="connsiteX14" y="connsiteY14"/>
+                        </a:cxn>
+                        <a:cxn ang="0">
+                          <a:pos x="connsiteX15" y="connsiteY15"/>
+                        </a:cxn>
+                        <a:cxn ang="0">
+                          <a:pos x="connsiteX16" y="connsiteY16"/>
+                        </a:cxn>
+                        <a:cxn ang="0">
+                          <a:pos x="connsiteX17" y="connsiteY17"/>
+                        </a:cxn>
+                        <a:cxn ang="0">
+                          <a:pos x="connsiteX18" y="connsiteY18"/>
+                        </a:cxn>
+                      </a:cxnLst>
+                      <a:rect l="l" t="t" r="r" b="b"/>
+                      <a:pathLst>
+                        <a:path w="7116512" h="9884146" fill="none" extrusionOk="0">
+                          <a:moveTo>
+                            <a:pt x="1601186" y="814655"/>
+                          </a:moveTo>
+                          <a:cubicBezTo>
+                            <a:pt x="2846954" y="-424980"/>
+                            <a:pt x="4047580" y="-29084"/>
+                            <a:pt x="5651162" y="945282"/>
+                          </a:cubicBezTo>
+                          <a:cubicBezTo>
+                            <a:pt x="5608953" y="1033012"/>
+                            <a:pt x="5515638" y="1194683"/>
+                            <a:pt x="5452336" y="1324977"/>
+                          </a:cubicBezTo>
+                          <a:cubicBezTo>
+                            <a:pt x="5389034" y="1455271"/>
+                            <a:pt x="5303964" y="1545168"/>
+                            <a:pt x="5232581" y="1744640"/>
+                          </a:cubicBezTo>
+                          <a:cubicBezTo>
+                            <a:pt x="5161198" y="1944112"/>
+                            <a:pt x="5054945" y="1978948"/>
+                            <a:pt x="4991897" y="2204271"/>
+                          </a:cubicBezTo>
+                          <a:cubicBezTo>
+                            <a:pt x="4928849" y="2429594"/>
+                            <a:pt x="4739985" y="2566490"/>
+                            <a:pt x="4688425" y="2783806"/>
+                          </a:cubicBezTo>
+                          <a:cubicBezTo>
+                            <a:pt x="4636865" y="3001122"/>
+                            <a:pt x="4481884" y="3070481"/>
+                            <a:pt x="4426812" y="3283405"/>
+                          </a:cubicBezTo>
+                          <a:cubicBezTo>
+                            <a:pt x="4371740" y="3496329"/>
+                            <a:pt x="4202687" y="3631910"/>
+                            <a:pt x="4186128" y="3743036"/>
+                          </a:cubicBezTo>
+                          <a:cubicBezTo>
+                            <a:pt x="4169569" y="3854162"/>
+                            <a:pt x="4025042" y="3994312"/>
+                            <a:pt x="3987302" y="4122731"/>
+                          </a:cubicBezTo>
+                          <a:cubicBezTo>
+                            <a:pt x="3949562" y="4251150"/>
+                            <a:pt x="3860824" y="4343056"/>
+                            <a:pt x="3788476" y="4502426"/>
+                          </a:cubicBezTo>
+                          <a:cubicBezTo>
+                            <a:pt x="3716128" y="4661796"/>
+                            <a:pt x="3608011" y="4831271"/>
+                            <a:pt x="3558256" y="4942073"/>
+                          </a:cubicBezTo>
+                          <a:cubicBezTo>
+                            <a:pt x="3459471" y="4751403"/>
+                            <a:pt x="3490920" y="4667258"/>
+                            <a:pt x="3352764" y="4508694"/>
+                          </a:cubicBezTo>
+                          <a:cubicBezTo>
+                            <a:pt x="3214607" y="4350130"/>
+                            <a:pt x="3195495" y="4154082"/>
+                            <a:pt x="3127701" y="4034041"/>
+                          </a:cubicBezTo>
+                          <a:cubicBezTo>
+                            <a:pt x="3059907" y="3914000"/>
+                            <a:pt x="2947168" y="3645227"/>
+                            <a:pt x="2843925" y="3435565"/>
+                          </a:cubicBezTo>
+                          <a:cubicBezTo>
+                            <a:pt x="2740682" y="3225903"/>
+                            <a:pt x="2728481" y="3107467"/>
+                            <a:pt x="2599292" y="2919638"/>
+                          </a:cubicBezTo>
+                          <a:cubicBezTo>
+                            <a:pt x="2470102" y="2731809"/>
+                            <a:pt x="2448908" y="2487065"/>
+                            <a:pt x="2335087" y="2362437"/>
+                          </a:cubicBezTo>
+                          <a:cubicBezTo>
+                            <a:pt x="2221267" y="2237808"/>
+                            <a:pt x="2182904" y="1975685"/>
+                            <a:pt x="2110024" y="1887784"/>
+                          </a:cubicBezTo>
+                          <a:cubicBezTo>
+                            <a:pt x="2037144" y="1799883"/>
+                            <a:pt x="1970007" y="1458528"/>
+                            <a:pt x="1865390" y="1371856"/>
+                          </a:cubicBezTo>
+                          <a:cubicBezTo>
+                            <a:pt x="1760773" y="1285184"/>
+                            <a:pt x="1712460" y="1030507"/>
+                            <a:pt x="1601186" y="814655"/>
+                          </a:cubicBezTo>
+                          <a:close/>
+                        </a:path>
+                        <a:path w="7116512" h="9884146" stroke="0" extrusionOk="0">
+                          <a:moveTo>
+                            <a:pt x="1601186" y="814655"/>
+                          </a:moveTo>
+                          <a:cubicBezTo>
+                            <a:pt x="2582776" y="-475620"/>
+                            <a:pt x="4230879" y="-182344"/>
+                            <a:pt x="5651162" y="945282"/>
+                          </a:cubicBezTo>
+                          <a:cubicBezTo>
+                            <a:pt x="5580984" y="1195975"/>
+                            <a:pt x="5395736" y="1297823"/>
+                            <a:pt x="5347691" y="1524817"/>
+                          </a:cubicBezTo>
+                          <a:cubicBezTo>
+                            <a:pt x="5299646" y="1751811"/>
+                            <a:pt x="5180997" y="1780586"/>
+                            <a:pt x="5107006" y="1984448"/>
+                          </a:cubicBezTo>
+                          <a:cubicBezTo>
+                            <a:pt x="5033015" y="2188310"/>
+                            <a:pt x="4957359" y="2208526"/>
+                            <a:pt x="4887251" y="2404111"/>
+                          </a:cubicBezTo>
+                          <a:cubicBezTo>
+                            <a:pt x="4817143" y="2599696"/>
+                            <a:pt x="4725091" y="2697327"/>
+                            <a:pt x="4604709" y="2943678"/>
+                          </a:cubicBezTo>
+                          <a:cubicBezTo>
+                            <a:pt x="4484326" y="3190029"/>
+                            <a:pt x="4425891" y="3220174"/>
+                            <a:pt x="4364025" y="3403308"/>
+                          </a:cubicBezTo>
+                          <a:cubicBezTo>
+                            <a:pt x="4302159" y="3586442"/>
+                            <a:pt x="4181373" y="3693684"/>
+                            <a:pt x="4060553" y="3982843"/>
+                          </a:cubicBezTo>
+                          <a:cubicBezTo>
+                            <a:pt x="3939733" y="4272002"/>
+                            <a:pt x="3909699" y="4220534"/>
+                            <a:pt x="3840798" y="4402506"/>
+                          </a:cubicBezTo>
+                          <a:cubicBezTo>
+                            <a:pt x="3771897" y="4584479"/>
+                            <a:pt x="3571466" y="4785555"/>
+                            <a:pt x="3558256" y="4942073"/>
+                          </a:cubicBezTo>
+                          <a:cubicBezTo>
+                            <a:pt x="3470408" y="4848677"/>
+                            <a:pt x="3453504" y="4692408"/>
+                            <a:pt x="3372334" y="4549968"/>
+                          </a:cubicBezTo>
+                          <a:cubicBezTo>
+                            <a:pt x="3291164" y="4407528"/>
+                            <a:pt x="3255444" y="4293832"/>
+                            <a:pt x="3147271" y="4075315"/>
+                          </a:cubicBezTo>
+                          <a:cubicBezTo>
+                            <a:pt x="3039098" y="3856798"/>
+                            <a:pt x="3018683" y="3691685"/>
+                            <a:pt x="2922208" y="3600662"/>
+                          </a:cubicBezTo>
+                          <a:cubicBezTo>
+                            <a:pt x="2825733" y="3509639"/>
+                            <a:pt x="2831356" y="3292440"/>
+                            <a:pt x="2658004" y="3043461"/>
+                          </a:cubicBezTo>
+                          <a:cubicBezTo>
+                            <a:pt x="2484652" y="2794482"/>
+                            <a:pt x="2510033" y="2723194"/>
+                            <a:pt x="2432941" y="2568808"/>
+                          </a:cubicBezTo>
+                          <a:cubicBezTo>
+                            <a:pt x="2355849" y="2414422"/>
+                            <a:pt x="2301659" y="2240041"/>
+                            <a:pt x="2149166" y="1970332"/>
+                          </a:cubicBezTo>
+                          <a:cubicBezTo>
+                            <a:pt x="1996672" y="1700623"/>
+                            <a:pt x="2014000" y="1573021"/>
+                            <a:pt x="1865390" y="1371856"/>
+                          </a:cubicBezTo>
+                          <a:cubicBezTo>
+                            <a:pt x="1716780" y="1170691"/>
+                            <a:pt x="1709025" y="905225"/>
+                            <a:pt x="1601186" y="814655"/>
+                          </a:cubicBezTo>
+                          <a:close/>
+                        </a:path>
+                      </a:pathLst>
+                    </a:custGeom>
+                    <ask:type>
+                      <ask:lineSketchNone/>
+                    </ask:type>
+                  </ask:lineSketchStyleProps>
+                </a:ext>
+              </a:extLst>
+            </a:ln>
+            <a:scene3d>
+              <a:camera prst="orthographicFront">
+                <a:rot lat="0" lon="0" rev="0"/>
+              </a:camera>
+              <a:lightRig rig="threePt" dir="t"/>
+            </a:scene3d>
+          </p:spPr>
+          <p:style>
+            <a:lnRef idx="2">
+              <a:schemeClr val="accent1">
+                <a:shade val="50000"/>
+              </a:schemeClr>
+            </a:lnRef>
+            <a:fillRef idx="1">
+              <a:schemeClr val="accent1"/>
+            </a:fillRef>
+            <a:effectRef idx="0">
+              <a:schemeClr val="accent1"/>
+            </a:effectRef>
+            <a:fontRef idx="minor">
+              <a:schemeClr val="lt1"/>
+            </a:fontRef>
+          </p:style>
+          <p:txBody>
+            <a:bodyPr rtlCol="0" anchor="ctr"/>
+            <a:lstStyle>
+              <a:defPPr>
+                <a:defRPr lang="en-US"/>
+              </a:defPPr>
+              <a:lvl1pPr algn="ctr">
+                <a:defRPr sz="800">
+                  <a:latin typeface="Times New Roman" panose="02020603050405020304" pitchFamily="18" charset="0"/>
+                  <a:cs typeface="Times New Roman" panose="02020603050405020304" pitchFamily="18" charset="0"/>
+                </a:defRPr>
+              </a:lvl1pPr>
+              <a:lvl2pPr>
+                <a:defRPr>
+                  <a:solidFill>
+                    <a:schemeClr val="lt1"/>
+                  </a:solidFill>
+                </a:defRPr>
+              </a:lvl2pPr>
+              <a:lvl3pPr>
+                <a:defRPr>
+                  <a:solidFill>
+                    <a:schemeClr val="lt1"/>
+                  </a:solidFill>
+                </a:defRPr>
+              </a:lvl3pPr>
+              <a:lvl4pPr>
+                <a:defRPr>
+                  <a:solidFill>
+                    <a:schemeClr val="lt1"/>
+                  </a:solidFill>
+                </a:defRPr>
+              </a:lvl4pPr>
+              <a:lvl5pPr>
+                <a:defRPr>
+                  <a:solidFill>
+                    <a:schemeClr val="lt1"/>
+                  </a:solidFill>
+                </a:defRPr>
+              </a:lvl5pPr>
+              <a:lvl6pPr>
+                <a:defRPr>
+                  <a:solidFill>
+                    <a:schemeClr val="lt1"/>
+                  </a:solidFill>
+                </a:defRPr>
+              </a:lvl6pPr>
+              <a:lvl7pPr>
+                <a:defRPr>
+                  <a:solidFill>
+                    <a:schemeClr val="lt1"/>
+                  </a:solidFill>
+                </a:defRPr>
+              </a:lvl7pPr>
+              <a:lvl8pPr>
+                <a:defRPr>
+                  <a:solidFill>
+                    <a:schemeClr val="lt1"/>
+                  </a:solidFill>
+                </a:defRPr>
+              </a:lvl8pPr>
+              <a:lvl9pPr>
+                <a:defRPr>
+                  <a:solidFill>
+                    <a:schemeClr val="lt1"/>
+                  </a:solidFill>
+                </a:defRPr>
+              </a:lvl9pPr>
+            </a:lstStyle>
+            <a:p>
+              <a:r>
+                <a:rPr lang="en-US" dirty="0">
+                  <a:solidFill>
+                    <a:schemeClr val="accent5">
+                      <a:lumMod val="50000"/>
+                    </a:schemeClr>
+                  </a:solidFill>
+                </a:rPr>
+                <a:t>M</a:t>
+              </a:r>
+            </a:p>
+          </p:txBody>
+        </p:sp>
+      </p:grpSp>
+      <p:grpSp>
+        <p:nvGrpSpPr>
+          <p:cNvPr id="7" name="FOV OuT">
+            <a:extLst>
+              <a:ext uri="{FF2B5EF4-FFF2-40B4-BE49-F238E27FC236}">
+                <a16:creationId xmlns:a16="http://schemas.microsoft.com/office/drawing/2014/main" id="{AFA3596F-8761-C26F-679D-F0E91638AB89}"/>
+              </a:ext>
+            </a:extLst>
+          </p:cNvPr>
+          <p:cNvGrpSpPr/>
+          <p:nvPr/>
+        </p:nvGrpSpPr>
+        <p:grpSpPr>
+          <a:xfrm>
+            <a:off x="-4303014" y="-3023016"/>
+            <a:ext cx="9360000" cy="9360000"/>
+            <a:chOff x="-1584000" y="-1584000"/>
+            <a:chExt cx="9360000" cy="9360000"/>
+          </a:xfrm>
+        </p:grpSpPr>
+        <p:sp>
+          <p:nvSpPr>
+            <p:cNvPr id="64" name="Kreis Rand">
+              <a:extLst>
+                <a:ext uri="{FF2B5EF4-FFF2-40B4-BE49-F238E27FC236}">
+                  <a16:creationId xmlns:a16="http://schemas.microsoft.com/office/drawing/2014/main" id="{39D1C7FB-C6FF-7913-461E-257388D1CA9D}"/>
+                </a:ext>
+              </a:extLst>
+            </p:cNvPr>
+            <p:cNvSpPr/>
+            <p:nvPr/>
+          </p:nvSpPr>
+          <p:spPr>
+            <a:xfrm rot="5400000">
+              <a:off x="1" y="1"/>
+              <a:ext cx="6192000" cy="6192000"/>
+            </a:xfrm>
+            <a:prstGeom prst="arc">
+              <a:avLst>
+                <a:gd name="adj1" fmla="val 17335265"/>
+                <a:gd name="adj2" fmla="val 14868702"/>
+              </a:avLst>
+            </a:prstGeom>
+            <a:noFill/>
+            <a:ln w="12700" cmpd="sng">
+              <a:solidFill>
+                <a:schemeClr val="accent2">
+                  <a:lumMod val="75000"/>
+                </a:schemeClr>
+              </a:solidFill>
+              <a:prstDash val="sysDash"/>
+              <a:extLst>
+                <a:ext uri="{C807C97D-BFC1-408E-A445-0C87EB9F89A2}">
+                  <ask:lineSketchStyleProps xmlns:ask="http://schemas.microsoft.com/office/drawing/2018/sketchyshapes" sd="1219033472">
+                    <a:custGeom>
+                      <a:avLst/>
+                      <a:gdLst>
+                        <a:gd name="connsiteX0" fmla="*/ 1601186 w 7116512"/>
+                        <a:gd name="connsiteY0" fmla="*/ 814655 h 9884146"/>
+                        <a:gd name="connsiteX1" fmla="*/ 5651162 w 7116512"/>
+                        <a:gd name="connsiteY1" fmla="*/ 945282 h 9884146"/>
+                        <a:gd name="connsiteX2" fmla="*/ 5452336 w 7116512"/>
+                        <a:gd name="connsiteY2" fmla="*/ 1324977 h 9884146"/>
+                        <a:gd name="connsiteX3" fmla="*/ 5232581 w 7116512"/>
+                        <a:gd name="connsiteY3" fmla="*/ 1744640 h 9884146"/>
+                        <a:gd name="connsiteX4" fmla="*/ 4991897 w 7116512"/>
+                        <a:gd name="connsiteY4" fmla="*/ 2204271 h 9884146"/>
+                        <a:gd name="connsiteX5" fmla="*/ 4688425 w 7116512"/>
+                        <a:gd name="connsiteY5" fmla="*/ 2783806 h 9884146"/>
+                        <a:gd name="connsiteX6" fmla="*/ 4426812 w 7116512"/>
+                        <a:gd name="connsiteY6" fmla="*/ 3283405 h 9884146"/>
+                        <a:gd name="connsiteX7" fmla="*/ 4186128 w 7116512"/>
+                        <a:gd name="connsiteY7" fmla="*/ 3743036 h 9884146"/>
+                        <a:gd name="connsiteX8" fmla="*/ 3987302 w 7116512"/>
+                        <a:gd name="connsiteY8" fmla="*/ 4122731 h 9884146"/>
+                        <a:gd name="connsiteX9" fmla="*/ 3788476 w 7116512"/>
+                        <a:gd name="connsiteY9" fmla="*/ 4502426 h 9884146"/>
+                        <a:gd name="connsiteX10" fmla="*/ 3558256 w 7116512"/>
+                        <a:gd name="connsiteY10" fmla="*/ 4942073 h 9884146"/>
+                        <a:gd name="connsiteX11" fmla="*/ 3352764 w 7116512"/>
+                        <a:gd name="connsiteY11" fmla="*/ 4508694 h 9884146"/>
+                        <a:gd name="connsiteX12" fmla="*/ 3127701 w 7116512"/>
+                        <a:gd name="connsiteY12" fmla="*/ 4034041 h 9884146"/>
+                        <a:gd name="connsiteX13" fmla="*/ 2843925 w 7116512"/>
+                        <a:gd name="connsiteY13" fmla="*/ 3435565 h 9884146"/>
+                        <a:gd name="connsiteX14" fmla="*/ 2599292 w 7116512"/>
+                        <a:gd name="connsiteY14" fmla="*/ 2919638 h 9884146"/>
+                        <a:gd name="connsiteX15" fmla="*/ 2335087 w 7116512"/>
+                        <a:gd name="connsiteY15" fmla="*/ 2362437 h 9884146"/>
+                        <a:gd name="connsiteX16" fmla="*/ 2110024 w 7116512"/>
+                        <a:gd name="connsiteY16" fmla="*/ 1887784 h 9884146"/>
+                        <a:gd name="connsiteX17" fmla="*/ 1865390 w 7116512"/>
+                        <a:gd name="connsiteY17" fmla="*/ 1371856 h 9884146"/>
+                        <a:gd name="connsiteX18" fmla="*/ 1601186 w 7116512"/>
+                        <a:gd name="connsiteY18" fmla="*/ 814655 h 9884146"/>
+                      </a:gdLst>
+                      <a:ahLst/>
+                      <a:cxnLst>
+                        <a:cxn ang="0">
+                          <a:pos x="connsiteX0" y="connsiteY0"/>
+                        </a:cxn>
+                        <a:cxn ang="0">
+                          <a:pos x="connsiteX1" y="connsiteY1"/>
+                        </a:cxn>
+                        <a:cxn ang="0">
+                          <a:pos x="connsiteX2" y="connsiteY2"/>
+                        </a:cxn>
+                        <a:cxn ang="0">
+                          <a:pos x="connsiteX3" y="connsiteY3"/>
+                        </a:cxn>
+                        <a:cxn ang="0">
+                          <a:pos x="connsiteX4" y="connsiteY4"/>
+                        </a:cxn>
+                        <a:cxn ang="0">
+                          <a:pos x="connsiteX5" y="connsiteY5"/>
+                        </a:cxn>
+                        <a:cxn ang="0">
+                          <a:pos x="connsiteX6" y="connsiteY6"/>
+                        </a:cxn>
+                        <a:cxn ang="0">
+                          <a:pos x="connsiteX7" y="connsiteY7"/>
+                        </a:cxn>
+                        <a:cxn ang="0">
+                          <a:pos x="connsiteX8" y="connsiteY8"/>
+                        </a:cxn>
+                        <a:cxn ang="0">
+                          <a:pos x="connsiteX9" y="connsiteY9"/>
+                        </a:cxn>
+                        <a:cxn ang="0">
+                          <a:pos x="connsiteX10" y="connsiteY10"/>
+                        </a:cxn>
+                        <a:cxn ang="0">
+                          <a:pos x="connsiteX11" y="connsiteY11"/>
+                        </a:cxn>
+                        <a:cxn ang="0">
+                          <a:pos x="connsiteX12" y="connsiteY12"/>
+                        </a:cxn>
+                        <a:cxn ang="0">
+                          <a:pos x="connsiteX13" y="connsiteY13"/>
+                        </a:cxn>
+                        <a:cxn ang="0">
+                          <a:pos x="connsiteX14" y="connsiteY14"/>
+                        </a:cxn>
+                        <a:cxn ang="0">
+                          <a:pos x="connsiteX15" y="connsiteY15"/>
+                        </a:cxn>
+                        <a:cxn ang="0">
+                          <a:pos x="connsiteX16" y="connsiteY16"/>
+                        </a:cxn>
+                        <a:cxn ang="0">
+                          <a:pos x="connsiteX17" y="connsiteY17"/>
+                        </a:cxn>
+                        <a:cxn ang="0">
+                          <a:pos x="connsiteX18" y="connsiteY18"/>
+                        </a:cxn>
+                      </a:cxnLst>
+                      <a:rect l="l" t="t" r="r" b="b"/>
+                      <a:pathLst>
+                        <a:path w="7116512" h="9884146" fill="none" extrusionOk="0">
+                          <a:moveTo>
+                            <a:pt x="1601186" y="814655"/>
+                          </a:moveTo>
+                          <a:cubicBezTo>
+                            <a:pt x="2846954" y="-424980"/>
+                            <a:pt x="4047580" y="-29084"/>
+                            <a:pt x="5651162" y="945282"/>
+                          </a:cubicBezTo>
+                          <a:cubicBezTo>
+                            <a:pt x="5608953" y="1033012"/>
+                            <a:pt x="5515638" y="1194683"/>
+                            <a:pt x="5452336" y="1324977"/>
+                          </a:cubicBezTo>
+                          <a:cubicBezTo>
+                            <a:pt x="5389034" y="1455271"/>
+                            <a:pt x="5303964" y="1545168"/>
+                            <a:pt x="5232581" y="1744640"/>
+                          </a:cubicBezTo>
+                          <a:cubicBezTo>
+                            <a:pt x="5161198" y="1944112"/>
+                            <a:pt x="5054945" y="1978948"/>
+                            <a:pt x="4991897" y="2204271"/>
+                          </a:cubicBezTo>
+                          <a:cubicBezTo>
+                            <a:pt x="4928849" y="2429594"/>
+                            <a:pt x="4739985" y="2566490"/>
+                            <a:pt x="4688425" y="2783806"/>
+                          </a:cubicBezTo>
+                          <a:cubicBezTo>
+                            <a:pt x="4636865" y="3001122"/>
+                            <a:pt x="4481884" y="3070481"/>
+                            <a:pt x="4426812" y="3283405"/>
+                          </a:cubicBezTo>
+                          <a:cubicBezTo>
+                            <a:pt x="4371740" y="3496329"/>
+                            <a:pt x="4202687" y="3631910"/>
+                            <a:pt x="4186128" y="3743036"/>
+                          </a:cubicBezTo>
+                          <a:cubicBezTo>
+                            <a:pt x="4169569" y="3854162"/>
+                            <a:pt x="4025042" y="3994312"/>
+                            <a:pt x="3987302" y="4122731"/>
+                          </a:cubicBezTo>
+                          <a:cubicBezTo>
+                            <a:pt x="3949562" y="4251150"/>
+                            <a:pt x="3860824" y="4343056"/>
+                            <a:pt x="3788476" y="4502426"/>
+                          </a:cubicBezTo>
+                          <a:cubicBezTo>
+                            <a:pt x="3716128" y="4661796"/>
+                            <a:pt x="3608011" y="4831271"/>
+                            <a:pt x="3558256" y="4942073"/>
+                          </a:cubicBezTo>
+                          <a:cubicBezTo>
+                            <a:pt x="3459471" y="4751403"/>
+                            <a:pt x="3490920" y="4667258"/>
+                            <a:pt x="3352764" y="4508694"/>
+                          </a:cubicBezTo>
+                          <a:cubicBezTo>
+                            <a:pt x="3214607" y="4350130"/>
+                            <a:pt x="3195495" y="4154082"/>
+                            <a:pt x="3127701" y="4034041"/>
+                          </a:cubicBezTo>
+                          <a:cubicBezTo>
+                            <a:pt x="3059907" y="3914000"/>
+                            <a:pt x="2947168" y="3645227"/>
+                            <a:pt x="2843925" y="3435565"/>
+                          </a:cubicBezTo>
+                          <a:cubicBezTo>
+                            <a:pt x="2740682" y="3225903"/>
+                            <a:pt x="2728481" y="3107467"/>
+                            <a:pt x="2599292" y="2919638"/>
+                          </a:cubicBezTo>
+                          <a:cubicBezTo>
+                            <a:pt x="2470102" y="2731809"/>
+                            <a:pt x="2448908" y="2487065"/>
+                            <a:pt x="2335087" y="2362437"/>
+                          </a:cubicBezTo>
+                          <a:cubicBezTo>
+                            <a:pt x="2221267" y="2237808"/>
+                            <a:pt x="2182904" y="1975685"/>
+                            <a:pt x="2110024" y="1887784"/>
+                          </a:cubicBezTo>
+                          <a:cubicBezTo>
+                            <a:pt x="2037144" y="1799883"/>
+                            <a:pt x="1970007" y="1458528"/>
+                            <a:pt x="1865390" y="1371856"/>
+                          </a:cubicBezTo>
+                          <a:cubicBezTo>
+                            <a:pt x="1760773" y="1285184"/>
+                            <a:pt x="1712460" y="1030507"/>
+                            <a:pt x="1601186" y="814655"/>
+                          </a:cubicBezTo>
+                          <a:close/>
+                        </a:path>
+                        <a:path w="7116512" h="9884146" stroke="0" extrusionOk="0">
+                          <a:moveTo>
+                            <a:pt x="1601186" y="814655"/>
+                          </a:moveTo>
+                          <a:cubicBezTo>
+                            <a:pt x="2582776" y="-475620"/>
+                            <a:pt x="4230879" y="-182344"/>
+                            <a:pt x="5651162" y="945282"/>
+                          </a:cubicBezTo>
+                          <a:cubicBezTo>
+                            <a:pt x="5580984" y="1195975"/>
+                            <a:pt x="5395736" y="1297823"/>
+                            <a:pt x="5347691" y="1524817"/>
+                          </a:cubicBezTo>
+                          <a:cubicBezTo>
+                            <a:pt x="5299646" y="1751811"/>
+                            <a:pt x="5180997" y="1780586"/>
+                            <a:pt x="5107006" y="1984448"/>
+                          </a:cubicBezTo>
+                          <a:cubicBezTo>
+                            <a:pt x="5033015" y="2188310"/>
+                            <a:pt x="4957359" y="2208526"/>
+                            <a:pt x="4887251" y="2404111"/>
+                          </a:cubicBezTo>
+                          <a:cubicBezTo>
+                            <a:pt x="4817143" y="2599696"/>
+                            <a:pt x="4725091" y="2697327"/>
+                            <a:pt x="4604709" y="2943678"/>
+                          </a:cubicBezTo>
+                          <a:cubicBezTo>
+                            <a:pt x="4484326" y="3190029"/>
+                            <a:pt x="4425891" y="3220174"/>
+                            <a:pt x="4364025" y="3403308"/>
+                          </a:cubicBezTo>
+                          <a:cubicBezTo>
+                            <a:pt x="4302159" y="3586442"/>
+                            <a:pt x="4181373" y="3693684"/>
+                            <a:pt x="4060553" y="3982843"/>
+                          </a:cubicBezTo>
+                          <a:cubicBezTo>
+                            <a:pt x="3939733" y="4272002"/>
+                            <a:pt x="3909699" y="4220534"/>
+                            <a:pt x="3840798" y="4402506"/>
+                          </a:cubicBezTo>
+                          <a:cubicBezTo>
+                            <a:pt x="3771897" y="4584479"/>
+                            <a:pt x="3571466" y="4785555"/>
+                            <a:pt x="3558256" y="4942073"/>
+                          </a:cubicBezTo>
+                          <a:cubicBezTo>
+                            <a:pt x="3470408" y="4848677"/>
+                            <a:pt x="3453504" y="4692408"/>
+                            <a:pt x="3372334" y="4549968"/>
+                          </a:cubicBezTo>
+                          <a:cubicBezTo>
+                            <a:pt x="3291164" y="4407528"/>
+                            <a:pt x="3255444" y="4293832"/>
+                            <a:pt x="3147271" y="4075315"/>
+                          </a:cubicBezTo>
+                          <a:cubicBezTo>
+                            <a:pt x="3039098" y="3856798"/>
+                            <a:pt x="3018683" y="3691685"/>
+                            <a:pt x="2922208" y="3600662"/>
+                          </a:cubicBezTo>
+                          <a:cubicBezTo>
+                            <a:pt x="2825733" y="3509639"/>
+                            <a:pt x="2831356" y="3292440"/>
+                            <a:pt x="2658004" y="3043461"/>
+                          </a:cubicBezTo>
+                          <a:cubicBezTo>
+                            <a:pt x="2484652" y="2794482"/>
+                            <a:pt x="2510033" y="2723194"/>
+                            <a:pt x="2432941" y="2568808"/>
+                          </a:cubicBezTo>
+                          <a:cubicBezTo>
+                            <a:pt x="2355849" y="2414422"/>
+                            <a:pt x="2301659" y="2240041"/>
+                            <a:pt x="2149166" y="1970332"/>
+                          </a:cubicBezTo>
+                          <a:cubicBezTo>
+                            <a:pt x="1996672" y="1700623"/>
+                            <a:pt x="2014000" y="1573021"/>
+                            <a:pt x="1865390" y="1371856"/>
+                          </a:cubicBezTo>
+                          <a:cubicBezTo>
+                            <a:pt x="1716780" y="1170691"/>
+                            <a:pt x="1709025" y="905225"/>
+                            <a:pt x="1601186" y="814655"/>
+                          </a:cubicBezTo>
+                          <a:close/>
+                        </a:path>
+                      </a:pathLst>
+                    </a:custGeom>
+                    <ask:type>
+                      <ask:lineSketchNone/>
+                    </ask:type>
+                  </ask:lineSketchStyleProps>
+                </a:ext>
+              </a:extLst>
+            </a:ln>
+          </p:spPr>
+          <p:style>
+            <a:lnRef idx="2">
+              <a:schemeClr val="accent1">
+                <a:shade val="50000"/>
+              </a:schemeClr>
+            </a:lnRef>
+            <a:fillRef idx="1">
+              <a:schemeClr val="accent1"/>
+            </a:fillRef>
+            <a:effectRef idx="0">
+              <a:schemeClr val="accent1"/>
+            </a:effectRef>
+            <a:fontRef idx="minor">
+              <a:schemeClr val="lt1"/>
+            </a:fontRef>
+          </p:style>
+          <p:txBody>
+            <a:bodyPr rtlCol="0" anchor="ctr"/>
+            <a:lstStyle/>
+            <a:p>
+              <a:pPr algn="ctr"/>
+              <a:endParaRPr lang="en-US" sz="1000" dirty="0" err="1">
+                <a:solidFill>
+                  <a:schemeClr val="tx1"/>
+                </a:solidFill>
+                <a:latin typeface="Times New Roman" panose="02020603050405020304" pitchFamily="18" charset="0"/>
+                <a:cs typeface="Times New Roman" panose="02020603050405020304" pitchFamily="18" charset="0"/>
+              </a:endParaRPr>
+            </a:p>
+          </p:txBody>
+        </p:sp>
+        <p:sp>
+          <p:nvSpPr>
+            <p:cNvPr id="63" name="Kreis Fill">
+              <a:extLst>
+                <a:ext uri="{FF2B5EF4-FFF2-40B4-BE49-F238E27FC236}">
+                  <a16:creationId xmlns:a16="http://schemas.microsoft.com/office/drawing/2014/main" id="{DFC76BC5-35A0-5F78-3144-6FC95BC10021}"/>
+                </a:ext>
+              </a:extLst>
+            </p:cNvPr>
+            <p:cNvSpPr/>
+            <p:nvPr/>
+          </p:nvSpPr>
+          <p:spPr>
+            <a:xfrm rot="5400000">
+              <a:off x="0" y="0"/>
+              <a:ext cx="6192000" cy="6192000"/>
+            </a:xfrm>
+            <a:prstGeom prst="pie">
+              <a:avLst>
+                <a:gd name="adj1" fmla="val 17335130"/>
+                <a:gd name="adj2" fmla="val 14875746"/>
+              </a:avLst>
+            </a:prstGeom>
+            <a:gradFill flip="none" rotWithShape="1">
+              <a:gsLst>
+                <a:gs pos="100000">
+                  <a:schemeClr val="accent2"/>
+                </a:gs>
+                <a:gs pos="79000">
+                  <a:srgbClr val="ED7D31">
+                    <a:alpha val="40000"/>
+                  </a:srgbClr>
+                </a:gs>
+                <a:gs pos="63000">
+                  <a:srgbClr val="ED7D31">
+                    <a:alpha val="0"/>
+                  </a:srgbClr>
+                </a:gs>
+              </a:gsLst>
+              <a:path path="circle">
+                <a:fillToRect l="50000" t="50000" r="50000" b="50000"/>
+              </a:path>
+              <a:tileRect/>
+            </a:gradFill>
+            <a:ln w="12700" cmpd="sng">
+              <a:noFill/>
+              <a:prstDash val="sysDash"/>
+              <a:extLst>
+                <a:ext uri="{C807C97D-BFC1-408E-A445-0C87EB9F89A2}">
+                  <ask:lineSketchStyleProps xmlns:ask="http://schemas.microsoft.com/office/drawing/2018/sketchyshapes" sd="1219033472">
+                    <a:custGeom>
+                      <a:avLst/>
+                      <a:gdLst>
+                        <a:gd name="connsiteX0" fmla="*/ 1601186 w 7116512"/>
+                        <a:gd name="connsiteY0" fmla="*/ 814655 h 9884146"/>
+                        <a:gd name="connsiteX1" fmla="*/ 5651162 w 7116512"/>
+                        <a:gd name="connsiteY1" fmla="*/ 945282 h 9884146"/>
+                        <a:gd name="connsiteX2" fmla="*/ 5452336 w 7116512"/>
+                        <a:gd name="connsiteY2" fmla="*/ 1324977 h 9884146"/>
+                        <a:gd name="connsiteX3" fmla="*/ 5232581 w 7116512"/>
+                        <a:gd name="connsiteY3" fmla="*/ 1744640 h 9884146"/>
+                        <a:gd name="connsiteX4" fmla="*/ 4991897 w 7116512"/>
+                        <a:gd name="connsiteY4" fmla="*/ 2204271 h 9884146"/>
+                        <a:gd name="connsiteX5" fmla="*/ 4688425 w 7116512"/>
+                        <a:gd name="connsiteY5" fmla="*/ 2783806 h 9884146"/>
+                        <a:gd name="connsiteX6" fmla="*/ 4426812 w 7116512"/>
+                        <a:gd name="connsiteY6" fmla="*/ 3283405 h 9884146"/>
+                        <a:gd name="connsiteX7" fmla="*/ 4186128 w 7116512"/>
+                        <a:gd name="connsiteY7" fmla="*/ 3743036 h 9884146"/>
+                        <a:gd name="connsiteX8" fmla="*/ 3987302 w 7116512"/>
+                        <a:gd name="connsiteY8" fmla="*/ 4122731 h 9884146"/>
+                        <a:gd name="connsiteX9" fmla="*/ 3788476 w 7116512"/>
+                        <a:gd name="connsiteY9" fmla="*/ 4502426 h 9884146"/>
+                        <a:gd name="connsiteX10" fmla="*/ 3558256 w 7116512"/>
+                        <a:gd name="connsiteY10" fmla="*/ 4942073 h 9884146"/>
+                        <a:gd name="connsiteX11" fmla="*/ 3352764 w 7116512"/>
+                        <a:gd name="connsiteY11" fmla="*/ 4508694 h 9884146"/>
+                        <a:gd name="connsiteX12" fmla="*/ 3127701 w 7116512"/>
+                        <a:gd name="connsiteY12" fmla="*/ 4034041 h 9884146"/>
+                        <a:gd name="connsiteX13" fmla="*/ 2843925 w 7116512"/>
+                        <a:gd name="connsiteY13" fmla="*/ 3435565 h 9884146"/>
+                        <a:gd name="connsiteX14" fmla="*/ 2599292 w 7116512"/>
+                        <a:gd name="connsiteY14" fmla="*/ 2919638 h 9884146"/>
+                        <a:gd name="connsiteX15" fmla="*/ 2335087 w 7116512"/>
+                        <a:gd name="connsiteY15" fmla="*/ 2362437 h 9884146"/>
+                        <a:gd name="connsiteX16" fmla="*/ 2110024 w 7116512"/>
+                        <a:gd name="connsiteY16" fmla="*/ 1887784 h 9884146"/>
+                        <a:gd name="connsiteX17" fmla="*/ 1865390 w 7116512"/>
+                        <a:gd name="connsiteY17" fmla="*/ 1371856 h 9884146"/>
+                        <a:gd name="connsiteX18" fmla="*/ 1601186 w 7116512"/>
+                        <a:gd name="connsiteY18" fmla="*/ 814655 h 9884146"/>
+                      </a:gdLst>
+                      <a:ahLst/>
+                      <a:cxnLst>
+                        <a:cxn ang="0">
+                          <a:pos x="connsiteX0" y="connsiteY0"/>
+                        </a:cxn>
+                        <a:cxn ang="0">
+                          <a:pos x="connsiteX1" y="connsiteY1"/>
+                        </a:cxn>
+                        <a:cxn ang="0">
+                          <a:pos x="connsiteX2" y="connsiteY2"/>
+                        </a:cxn>
+                        <a:cxn ang="0">
+                          <a:pos x="connsiteX3" y="connsiteY3"/>
+                        </a:cxn>
+                        <a:cxn ang="0">
+                          <a:pos x="connsiteX4" y="connsiteY4"/>
+                        </a:cxn>
+                        <a:cxn ang="0">
+                          <a:pos x="connsiteX5" y="connsiteY5"/>
+                        </a:cxn>
+                        <a:cxn ang="0">
+                          <a:pos x="connsiteX6" y="connsiteY6"/>
+                        </a:cxn>
+                        <a:cxn ang="0">
+                          <a:pos x="connsiteX7" y="connsiteY7"/>
+                        </a:cxn>
+                        <a:cxn ang="0">
+                          <a:pos x="connsiteX8" y="connsiteY8"/>
+                        </a:cxn>
+                        <a:cxn ang="0">
+                          <a:pos x="connsiteX9" y="connsiteY9"/>
+                        </a:cxn>
+                        <a:cxn ang="0">
+                          <a:pos x="connsiteX10" y="connsiteY10"/>
+                        </a:cxn>
+                        <a:cxn ang="0">
+                          <a:pos x="connsiteX11" y="connsiteY11"/>
+                        </a:cxn>
+                        <a:cxn ang="0">
+                          <a:pos x="connsiteX12" y="connsiteY12"/>
+                        </a:cxn>
+                        <a:cxn ang="0">
+                          <a:pos x="connsiteX13" y="connsiteY13"/>
+                        </a:cxn>
+                        <a:cxn ang="0">
+                          <a:pos x="connsiteX14" y="connsiteY14"/>
+                        </a:cxn>
+                        <a:cxn ang="0">
+                          <a:pos x="connsiteX15" y="connsiteY15"/>
+                        </a:cxn>
+                        <a:cxn ang="0">
+                          <a:pos x="connsiteX16" y="connsiteY16"/>
+                        </a:cxn>
+                        <a:cxn ang="0">
+                          <a:pos x="connsiteX17" y="connsiteY17"/>
+                        </a:cxn>
+                        <a:cxn ang="0">
+                          <a:pos x="connsiteX18" y="connsiteY18"/>
+                        </a:cxn>
+                      </a:cxnLst>
+                      <a:rect l="l" t="t" r="r" b="b"/>
+                      <a:pathLst>
+                        <a:path w="7116512" h="9884146" fill="none" extrusionOk="0">
+                          <a:moveTo>
+                            <a:pt x="1601186" y="814655"/>
+                          </a:moveTo>
+                          <a:cubicBezTo>
+                            <a:pt x="2846954" y="-424980"/>
+                            <a:pt x="4047580" y="-29084"/>
+                            <a:pt x="5651162" y="945282"/>
+                          </a:cubicBezTo>
+                          <a:cubicBezTo>
+                            <a:pt x="5608953" y="1033012"/>
+                            <a:pt x="5515638" y="1194683"/>
+                            <a:pt x="5452336" y="1324977"/>
+                          </a:cubicBezTo>
+                          <a:cubicBezTo>
+                            <a:pt x="5389034" y="1455271"/>
+                            <a:pt x="5303964" y="1545168"/>
+                            <a:pt x="5232581" y="1744640"/>
+                          </a:cubicBezTo>
+                          <a:cubicBezTo>
+                            <a:pt x="5161198" y="1944112"/>
+                            <a:pt x="5054945" y="1978948"/>
+                            <a:pt x="4991897" y="2204271"/>
+                          </a:cubicBezTo>
+                          <a:cubicBezTo>
+                            <a:pt x="4928849" y="2429594"/>
+                            <a:pt x="4739985" y="2566490"/>
+                            <a:pt x="4688425" y="2783806"/>
+                          </a:cubicBezTo>
+                          <a:cubicBezTo>
+                            <a:pt x="4636865" y="3001122"/>
+                            <a:pt x="4481884" y="3070481"/>
+                            <a:pt x="4426812" y="3283405"/>
+                          </a:cubicBezTo>
+                          <a:cubicBezTo>
+                            <a:pt x="4371740" y="3496329"/>
+                            <a:pt x="4202687" y="3631910"/>
+                            <a:pt x="4186128" y="3743036"/>
+                          </a:cubicBezTo>
+                          <a:cubicBezTo>
+                            <a:pt x="4169569" y="3854162"/>
+                            <a:pt x="4025042" y="3994312"/>
+                            <a:pt x="3987302" y="4122731"/>
+                          </a:cubicBezTo>
+                          <a:cubicBezTo>
+                            <a:pt x="3949562" y="4251150"/>
+                            <a:pt x="3860824" y="4343056"/>
+                            <a:pt x="3788476" y="4502426"/>
+                          </a:cubicBezTo>
+                          <a:cubicBezTo>
+                            <a:pt x="3716128" y="4661796"/>
+                            <a:pt x="3608011" y="4831271"/>
+                            <a:pt x="3558256" y="4942073"/>
+                          </a:cubicBezTo>
+                          <a:cubicBezTo>
+                            <a:pt x="3459471" y="4751403"/>
+                            <a:pt x="3490920" y="4667258"/>
+                            <a:pt x="3352764" y="4508694"/>
+                          </a:cubicBezTo>
+                          <a:cubicBezTo>
+                            <a:pt x="3214607" y="4350130"/>
+                            <a:pt x="3195495" y="4154082"/>
+                            <a:pt x="3127701" y="4034041"/>
+                          </a:cubicBezTo>
+                          <a:cubicBezTo>
+                            <a:pt x="3059907" y="3914000"/>
+                            <a:pt x="2947168" y="3645227"/>
+                            <a:pt x="2843925" y="3435565"/>
+                          </a:cubicBezTo>
+                          <a:cubicBezTo>
+                            <a:pt x="2740682" y="3225903"/>
+                            <a:pt x="2728481" y="3107467"/>
+                            <a:pt x="2599292" y="2919638"/>
+                          </a:cubicBezTo>
+                          <a:cubicBezTo>
+                            <a:pt x="2470102" y="2731809"/>
+                            <a:pt x="2448908" y="2487065"/>
+                            <a:pt x="2335087" y="2362437"/>
+                          </a:cubicBezTo>
+                          <a:cubicBezTo>
+                            <a:pt x="2221267" y="2237808"/>
+                            <a:pt x="2182904" y="1975685"/>
+                            <a:pt x="2110024" y="1887784"/>
+                          </a:cubicBezTo>
+                          <a:cubicBezTo>
+                            <a:pt x="2037144" y="1799883"/>
+                            <a:pt x="1970007" y="1458528"/>
+                            <a:pt x="1865390" y="1371856"/>
+                          </a:cubicBezTo>
+                          <a:cubicBezTo>
+                            <a:pt x="1760773" y="1285184"/>
+                            <a:pt x="1712460" y="1030507"/>
+                            <a:pt x="1601186" y="814655"/>
+                          </a:cubicBezTo>
+                          <a:close/>
+                        </a:path>
+                        <a:path w="7116512" h="9884146" stroke="0" extrusionOk="0">
+                          <a:moveTo>
+                            <a:pt x="1601186" y="814655"/>
+                          </a:moveTo>
+                          <a:cubicBezTo>
+                            <a:pt x="2582776" y="-475620"/>
+                            <a:pt x="4230879" y="-182344"/>
+                            <a:pt x="5651162" y="945282"/>
+                          </a:cubicBezTo>
+                          <a:cubicBezTo>
+                            <a:pt x="5580984" y="1195975"/>
+                            <a:pt x="5395736" y="1297823"/>
+                            <a:pt x="5347691" y="1524817"/>
+                          </a:cubicBezTo>
+                          <a:cubicBezTo>
+                            <a:pt x="5299646" y="1751811"/>
+                            <a:pt x="5180997" y="1780586"/>
+                            <a:pt x="5107006" y="1984448"/>
+                          </a:cubicBezTo>
+                          <a:cubicBezTo>
+                            <a:pt x="5033015" y="2188310"/>
+                            <a:pt x="4957359" y="2208526"/>
+                            <a:pt x="4887251" y="2404111"/>
+                          </a:cubicBezTo>
+                          <a:cubicBezTo>
+                            <a:pt x="4817143" y="2599696"/>
+                            <a:pt x="4725091" y="2697327"/>
+                            <a:pt x="4604709" y="2943678"/>
+                          </a:cubicBezTo>
+                          <a:cubicBezTo>
+                            <a:pt x="4484326" y="3190029"/>
+                            <a:pt x="4425891" y="3220174"/>
+                            <a:pt x="4364025" y="3403308"/>
+                          </a:cubicBezTo>
+                          <a:cubicBezTo>
+                            <a:pt x="4302159" y="3586442"/>
+                            <a:pt x="4181373" y="3693684"/>
+                            <a:pt x="4060553" y="3982843"/>
+                          </a:cubicBezTo>
+                          <a:cubicBezTo>
+                            <a:pt x="3939733" y="4272002"/>
+                            <a:pt x="3909699" y="4220534"/>
+                            <a:pt x="3840798" y="4402506"/>
+                          </a:cubicBezTo>
+                          <a:cubicBezTo>
+                            <a:pt x="3771897" y="4584479"/>
+                            <a:pt x="3571466" y="4785555"/>
+                            <a:pt x="3558256" y="4942073"/>
+                          </a:cubicBezTo>
+                          <a:cubicBezTo>
+                            <a:pt x="3470408" y="4848677"/>
+                            <a:pt x="3453504" y="4692408"/>
+                            <a:pt x="3372334" y="4549968"/>
+                          </a:cubicBezTo>
+                          <a:cubicBezTo>
+                            <a:pt x="3291164" y="4407528"/>
+                            <a:pt x="3255444" y="4293832"/>
+                            <a:pt x="3147271" y="4075315"/>
+                          </a:cubicBezTo>
+                          <a:cubicBezTo>
+                            <a:pt x="3039098" y="3856798"/>
+                            <a:pt x="3018683" y="3691685"/>
+                            <a:pt x="2922208" y="3600662"/>
+                          </a:cubicBezTo>
+                          <a:cubicBezTo>
+                            <a:pt x="2825733" y="3509639"/>
+                            <a:pt x="2831356" y="3292440"/>
+                            <a:pt x="2658004" y="3043461"/>
+                          </a:cubicBezTo>
+                          <a:cubicBezTo>
+                            <a:pt x="2484652" y="2794482"/>
+                            <a:pt x="2510033" y="2723194"/>
+                            <a:pt x="2432941" y="2568808"/>
+                          </a:cubicBezTo>
+                          <a:cubicBezTo>
+                            <a:pt x="2355849" y="2414422"/>
+                            <a:pt x="2301659" y="2240041"/>
+                            <a:pt x="2149166" y="1970332"/>
+                          </a:cubicBezTo>
+                          <a:cubicBezTo>
+                            <a:pt x="1996672" y="1700623"/>
+                            <a:pt x="2014000" y="1573021"/>
+                            <a:pt x="1865390" y="1371856"/>
+                          </a:cubicBezTo>
+                          <a:cubicBezTo>
+                            <a:pt x="1716780" y="1170691"/>
+                            <a:pt x="1709025" y="905225"/>
+                            <a:pt x="1601186" y="814655"/>
+                          </a:cubicBezTo>
+                          <a:close/>
+                        </a:path>
+                      </a:pathLst>
+                    </a:custGeom>
+                    <ask:type>
+                      <ask:lineSketchNone/>
+                    </ask:type>
+                  </ask:lineSketchStyleProps>
+                </a:ext>
+              </a:extLst>
+            </a:ln>
+          </p:spPr>
+          <p:style>
+            <a:lnRef idx="2">
+              <a:schemeClr val="accent1">
+                <a:shade val="50000"/>
+              </a:schemeClr>
+            </a:lnRef>
+            <a:fillRef idx="1">
+              <a:schemeClr val="accent1"/>
+            </a:fillRef>
+            <a:effectRef idx="0">
+              <a:schemeClr val="accent1"/>
+            </a:effectRef>
+            <a:fontRef idx="minor">
+              <a:schemeClr val="lt1"/>
+            </a:fontRef>
+          </p:style>
+          <p:txBody>
+            <a:bodyPr rtlCol="0" anchor="ctr"/>
+            <a:lstStyle/>
+            <a:p>
+              <a:pPr algn="ctr"/>
+              <a:endParaRPr lang="en-US" sz="1000" dirty="0" err="1">
+                <a:solidFill>
+                  <a:schemeClr val="tx1"/>
+                </a:solidFill>
+                <a:latin typeface="Times New Roman" panose="02020603050405020304" pitchFamily="18" charset="0"/>
+                <a:cs typeface="Times New Roman" panose="02020603050405020304" pitchFamily="18" charset="0"/>
+              </a:endParaRPr>
+            </a:p>
+          </p:txBody>
+        </p:sp>
+        <p:sp>
+          <p:nvSpPr>
+            <p:cNvPr id="8" name="Kreisausschnitt Fill">
+              <a:extLst>
+                <a:ext uri="{FF2B5EF4-FFF2-40B4-BE49-F238E27FC236}">
+                  <a16:creationId xmlns:a16="http://schemas.microsoft.com/office/drawing/2014/main" id="{2066A192-6CBF-02B7-ECC7-F6DDE1D83AAE}"/>
+                </a:ext>
+              </a:extLst>
+            </p:cNvPr>
+            <p:cNvSpPr/>
+            <p:nvPr/>
+          </p:nvSpPr>
+          <p:spPr>
+            <a:xfrm rot="5400000">
+              <a:off x="-1584000" y="-1584000"/>
+              <a:ext cx="9360000" cy="9360000"/>
+            </a:xfrm>
+            <a:prstGeom prst="pie">
+              <a:avLst>
+                <a:gd name="adj1" fmla="val 14847695"/>
+                <a:gd name="adj2" fmla="val 17376452"/>
+              </a:avLst>
+            </a:prstGeom>
+            <a:gradFill flip="none" rotWithShape="1">
+              <a:gsLst>
+                <a:gs pos="100000">
+                  <a:schemeClr val="accent2"/>
+                </a:gs>
+                <a:gs pos="89000">
+                  <a:srgbClr val="ED7D31">
+                    <a:alpha val="40000"/>
+                  </a:srgbClr>
+                </a:gs>
+                <a:gs pos="64000">
+                  <a:srgbClr val="ED7D31">
+                    <a:alpha val="0"/>
+                  </a:srgbClr>
+                </a:gs>
+              </a:gsLst>
+              <a:path path="circle">
+                <a:fillToRect l="50000" t="50000" r="50000" b="50000"/>
+              </a:path>
+              <a:tileRect/>
+            </a:gradFill>
+            <a:ln w="12700" cmpd="sng">
+              <a:noFill/>
+              <a:prstDash val="sysDash"/>
+              <a:extLst>
+                <a:ext uri="{C807C97D-BFC1-408E-A445-0C87EB9F89A2}">
+                  <ask:lineSketchStyleProps xmlns:ask="http://schemas.microsoft.com/office/drawing/2018/sketchyshapes" sd="1219033472">
+                    <a:custGeom>
+                      <a:avLst/>
+                      <a:gdLst>
+                        <a:gd name="connsiteX0" fmla="*/ 1601186 w 7116512"/>
+                        <a:gd name="connsiteY0" fmla="*/ 814655 h 9884146"/>
+                        <a:gd name="connsiteX1" fmla="*/ 5651162 w 7116512"/>
+                        <a:gd name="connsiteY1" fmla="*/ 945282 h 9884146"/>
+                        <a:gd name="connsiteX2" fmla="*/ 5452336 w 7116512"/>
+                        <a:gd name="connsiteY2" fmla="*/ 1324977 h 9884146"/>
+                        <a:gd name="connsiteX3" fmla="*/ 5232581 w 7116512"/>
+                        <a:gd name="connsiteY3" fmla="*/ 1744640 h 9884146"/>
+                        <a:gd name="connsiteX4" fmla="*/ 4991897 w 7116512"/>
+                        <a:gd name="connsiteY4" fmla="*/ 2204271 h 9884146"/>
+                        <a:gd name="connsiteX5" fmla="*/ 4688425 w 7116512"/>
+                        <a:gd name="connsiteY5" fmla="*/ 2783806 h 9884146"/>
+                        <a:gd name="connsiteX6" fmla="*/ 4426812 w 7116512"/>
+                        <a:gd name="connsiteY6" fmla="*/ 3283405 h 9884146"/>
+                        <a:gd name="connsiteX7" fmla="*/ 4186128 w 7116512"/>
+                        <a:gd name="connsiteY7" fmla="*/ 3743036 h 9884146"/>
+                        <a:gd name="connsiteX8" fmla="*/ 3987302 w 7116512"/>
+                        <a:gd name="connsiteY8" fmla="*/ 4122731 h 9884146"/>
+                        <a:gd name="connsiteX9" fmla="*/ 3788476 w 7116512"/>
+                        <a:gd name="connsiteY9" fmla="*/ 4502426 h 9884146"/>
+                        <a:gd name="connsiteX10" fmla="*/ 3558256 w 7116512"/>
+                        <a:gd name="connsiteY10" fmla="*/ 4942073 h 9884146"/>
+                        <a:gd name="connsiteX11" fmla="*/ 3352764 w 7116512"/>
+                        <a:gd name="connsiteY11" fmla="*/ 4508694 h 9884146"/>
+                        <a:gd name="connsiteX12" fmla="*/ 3127701 w 7116512"/>
+                        <a:gd name="connsiteY12" fmla="*/ 4034041 h 9884146"/>
+                        <a:gd name="connsiteX13" fmla="*/ 2843925 w 7116512"/>
+                        <a:gd name="connsiteY13" fmla="*/ 3435565 h 9884146"/>
+                        <a:gd name="connsiteX14" fmla="*/ 2599292 w 7116512"/>
+                        <a:gd name="connsiteY14" fmla="*/ 2919638 h 9884146"/>
+                        <a:gd name="connsiteX15" fmla="*/ 2335087 w 7116512"/>
+                        <a:gd name="connsiteY15" fmla="*/ 2362437 h 9884146"/>
+                        <a:gd name="connsiteX16" fmla="*/ 2110024 w 7116512"/>
+                        <a:gd name="connsiteY16" fmla="*/ 1887784 h 9884146"/>
+                        <a:gd name="connsiteX17" fmla="*/ 1865390 w 7116512"/>
+                        <a:gd name="connsiteY17" fmla="*/ 1371856 h 9884146"/>
+                        <a:gd name="connsiteX18" fmla="*/ 1601186 w 7116512"/>
+                        <a:gd name="connsiteY18" fmla="*/ 814655 h 9884146"/>
+                      </a:gdLst>
+                      <a:ahLst/>
+                      <a:cxnLst>
+                        <a:cxn ang="0">
+                          <a:pos x="connsiteX0" y="connsiteY0"/>
+                        </a:cxn>
+                        <a:cxn ang="0">
+                          <a:pos x="connsiteX1" y="connsiteY1"/>
+                        </a:cxn>
+                        <a:cxn ang="0">
+                          <a:pos x="connsiteX2" y="connsiteY2"/>
+                        </a:cxn>
+                        <a:cxn ang="0">
+                          <a:pos x="connsiteX3" y="connsiteY3"/>
+                        </a:cxn>
+                        <a:cxn ang="0">
+                          <a:pos x="connsiteX4" y="connsiteY4"/>
+                        </a:cxn>
+                        <a:cxn ang="0">
+                          <a:pos x="connsiteX5" y="connsiteY5"/>
+                        </a:cxn>
+                        <a:cxn ang="0">
+                          <a:pos x="connsiteX6" y="connsiteY6"/>
+                        </a:cxn>
+                        <a:cxn ang="0">
+                          <a:pos x="connsiteX7" y="connsiteY7"/>
+                        </a:cxn>
+                        <a:cxn ang="0">
+                          <a:pos x="connsiteX8" y="connsiteY8"/>
+                        </a:cxn>
+                        <a:cxn ang="0">
+                          <a:pos x="connsiteX9" y="connsiteY9"/>
+                        </a:cxn>
+                        <a:cxn ang="0">
+                          <a:pos x="connsiteX10" y="connsiteY10"/>
+                        </a:cxn>
+                        <a:cxn ang="0">
+                          <a:pos x="connsiteX11" y="connsiteY11"/>
+                        </a:cxn>
+                        <a:cxn ang="0">
+                          <a:pos x="connsiteX12" y="connsiteY12"/>
+                        </a:cxn>
+                        <a:cxn ang="0">
+                          <a:pos x="connsiteX13" y="connsiteY13"/>
+                        </a:cxn>
+                        <a:cxn ang="0">
+                          <a:pos x="connsiteX14" y="connsiteY14"/>
+                        </a:cxn>
+                        <a:cxn ang="0">
+                          <a:pos x="connsiteX15" y="connsiteY15"/>
+                        </a:cxn>
+                        <a:cxn ang="0">
+                          <a:pos x="connsiteX16" y="connsiteY16"/>
+                        </a:cxn>
+                        <a:cxn ang="0">
+                          <a:pos x="connsiteX17" y="connsiteY17"/>
+                        </a:cxn>
+                        <a:cxn ang="0">
+                          <a:pos x="connsiteX18" y="connsiteY18"/>
+                        </a:cxn>
+                      </a:cxnLst>
+                      <a:rect l="l" t="t" r="r" b="b"/>
+                      <a:pathLst>
+                        <a:path w="7116512" h="9884146" fill="none" extrusionOk="0">
+                          <a:moveTo>
+                            <a:pt x="1601186" y="814655"/>
+                          </a:moveTo>
+                          <a:cubicBezTo>
+                            <a:pt x="2846954" y="-424980"/>
+                            <a:pt x="4047580" y="-29084"/>
+                            <a:pt x="5651162" y="945282"/>
+                          </a:cubicBezTo>
+                          <a:cubicBezTo>
+                            <a:pt x="5608953" y="1033012"/>
+                            <a:pt x="5515638" y="1194683"/>
+                            <a:pt x="5452336" y="1324977"/>
+                          </a:cubicBezTo>
+                          <a:cubicBezTo>
+                            <a:pt x="5389034" y="1455271"/>
+                            <a:pt x="5303964" y="1545168"/>
+                            <a:pt x="5232581" y="1744640"/>
+                          </a:cubicBezTo>
+                          <a:cubicBezTo>
+                            <a:pt x="5161198" y="1944112"/>
+                            <a:pt x="5054945" y="1978948"/>
+                            <a:pt x="4991897" y="2204271"/>
+                          </a:cubicBezTo>
+                          <a:cubicBezTo>
+                            <a:pt x="4928849" y="2429594"/>
+                            <a:pt x="4739985" y="2566490"/>
+                            <a:pt x="4688425" y="2783806"/>
+                          </a:cubicBezTo>
+                          <a:cubicBezTo>
+                            <a:pt x="4636865" y="3001122"/>
+                            <a:pt x="4481884" y="3070481"/>
+                            <a:pt x="4426812" y="3283405"/>
+                          </a:cubicBezTo>
+                          <a:cubicBezTo>
+                            <a:pt x="4371740" y="3496329"/>
+                            <a:pt x="4202687" y="3631910"/>
+                            <a:pt x="4186128" y="3743036"/>
+                          </a:cubicBezTo>
+                          <a:cubicBezTo>
+                            <a:pt x="4169569" y="3854162"/>
+                            <a:pt x="4025042" y="3994312"/>
+                            <a:pt x="3987302" y="4122731"/>
+                          </a:cubicBezTo>
+                          <a:cubicBezTo>
+                            <a:pt x="3949562" y="4251150"/>
+                            <a:pt x="3860824" y="4343056"/>
+                            <a:pt x="3788476" y="4502426"/>
+                          </a:cubicBezTo>
+                          <a:cubicBezTo>
+                            <a:pt x="3716128" y="4661796"/>
+                            <a:pt x="3608011" y="4831271"/>
+                            <a:pt x="3558256" y="4942073"/>
+                          </a:cubicBezTo>
+                          <a:cubicBezTo>
+                            <a:pt x="3459471" y="4751403"/>
+                            <a:pt x="3490920" y="4667258"/>
+                            <a:pt x="3352764" y="4508694"/>
+                          </a:cubicBezTo>
+                          <a:cubicBezTo>
+                            <a:pt x="3214607" y="4350130"/>
+                            <a:pt x="3195495" y="4154082"/>
+                            <a:pt x="3127701" y="4034041"/>
+                          </a:cubicBezTo>
+                          <a:cubicBezTo>
+                            <a:pt x="3059907" y="3914000"/>
+                            <a:pt x="2947168" y="3645227"/>
+                            <a:pt x="2843925" y="3435565"/>
+                          </a:cubicBezTo>
+                          <a:cubicBezTo>
+                            <a:pt x="2740682" y="3225903"/>
+                            <a:pt x="2728481" y="3107467"/>
+                            <a:pt x="2599292" y="2919638"/>
+                          </a:cubicBezTo>
+                          <a:cubicBezTo>
+                            <a:pt x="2470102" y="2731809"/>
+                            <a:pt x="2448908" y="2487065"/>
+                            <a:pt x="2335087" y="2362437"/>
+                          </a:cubicBezTo>
+                          <a:cubicBezTo>
+                            <a:pt x="2221267" y="2237808"/>
+                            <a:pt x="2182904" y="1975685"/>
+                            <a:pt x="2110024" y="1887784"/>
+                          </a:cubicBezTo>
+                          <a:cubicBezTo>
+                            <a:pt x="2037144" y="1799883"/>
+                            <a:pt x="1970007" y="1458528"/>
+                            <a:pt x="1865390" y="1371856"/>
+                          </a:cubicBezTo>
+                          <a:cubicBezTo>
+                            <a:pt x="1760773" y="1285184"/>
+                            <a:pt x="1712460" y="1030507"/>
+                            <a:pt x="1601186" y="814655"/>
+                          </a:cubicBezTo>
+                          <a:close/>
+                        </a:path>
+                        <a:path w="7116512" h="9884146" stroke="0" extrusionOk="0">
+                          <a:moveTo>
+                            <a:pt x="1601186" y="814655"/>
+                          </a:moveTo>
+                          <a:cubicBezTo>
+                            <a:pt x="2582776" y="-475620"/>
+                            <a:pt x="4230879" y="-182344"/>
+                            <a:pt x="5651162" y="945282"/>
+                          </a:cubicBezTo>
+                          <a:cubicBezTo>
+                            <a:pt x="5580984" y="1195975"/>
+                            <a:pt x="5395736" y="1297823"/>
+                            <a:pt x="5347691" y="1524817"/>
+                          </a:cubicBezTo>
+                          <a:cubicBezTo>
+                            <a:pt x="5299646" y="1751811"/>
+                            <a:pt x="5180997" y="1780586"/>
+                            <a:pt x="5107006" y="1984448"/>
+                          </a:cubicBezTo>
+                          <a:cubicBezTo>
+                            <a:pt x="5033015" y="2188310"/>
+                            <a:pt x="4957359" y="2208526"/>
+                            <a:pt x="4887251" y="2404111"/>
+                          </a:cubicBezTo>
+                          <a:cubicBezTo>
+                            <a:pt x="4817143" y="2599696"/>
+                            <a:pt x="4725091" y="2697327"/>
+                            <a:pt x="4604709" y="2943678"/>
+                          </a:cubicBezTo>
+                          <a:cubicBezTo>
+                            <a:pt x="4484326" y="3190029"/>
+                            <a:pt x="4425891" y="3220174"/>
+                            <a:pt x="4364025" y="3403308"/>
+                          </a:cubicBezTo>
+                          <a:cubicBezTo>
+                            <a:pt x="4302159" y="3586442"/>
+                            <a:pt x="4181373" y="3693684"/>
+                            <a:pt x="4060553" y="3982843"/>
+                          </a:cubicBezTo>
+                          <a:cubicBezTo>
+                            <a:pt x="3939733" y="4272002"/>
+                            <a:pt x="3909699" y="4220534"/>
+                            <a:pt x="3840798" y="4402506"/>
+                          </a:cubicBezTo>
+                          <a:cubicBezTo>
+                            <a:pt x="3771897" y="4584479"/>
+                            <a:pt x="3571466" y="4785555"/>
+                            <a:pt x="3558256" y="4942073"/>
+                          </a:cubicBezTo>
+                          <a:cubicBezTo>
+                            <a:pt x="3470408" y="4848677"/>
+                            <a:pt x="3453504" y="4692408"/>
+                            <a:pt x="3372334" y="4549968"/>
+                          </a:cubicBezTo>
+                          <a:cubicBezTo>
+                            <a:pt x="3291164" y="4407528"/>
+                            <a:pt x="3255444" y="4293832"/>
+                            <a:pt x="3147271" y="4075315"/>
+                          </a:cubicBezTo>
+                          <a:cubicBezTo>
+                            <a:pt x="3039098" y="3856798"/>
+                            <a:pt x="3018683" y="3691685"/>
+                            <a:pt x="2922208" y="3600662"/>
+                          </a:cubicBezTo>
+                          <a:cubicBezTo>
+                            <a:pt x="2825733" y="3509639"/>
+                            <a:pt x="2831356" y="3292440"/>
+                            <a:pt x="2658004" y="3043461"/>
+                          </a:cubicBezTo>
+                          <a:cubicBezTo>
+                            <a:pt x="2484652" y="2794482"/>
+                            <a:pt x="2510033" y="2723194"/>
+                            <a:pt x="2432941" y="2568808"/>
+                          </a:cubicBezTo>
+                          <a:cubicBezTo>
+                            <a:pt x="2355849" y="2414422"/>
+                            <a:pt x="2301659" y="2240041"/>
+                            <a:pt x="2149166" y="1970332"/>
+                          </a:cubicBezTo>
+                          <a:cubicBezTo>
+                            <a:pt x="1996672" y="1700623"/>
+                            <a:pt x="2014000" y="1573021"/>
+                            <a:pt x="1865390" y="1371856"/>
+                          </a:cubicBezTo>
+                          <a:cubicBezTo>
+                            <a:pt x="1716780" y="1170691"/>
+                            <a:pt x="1709025" y="905225"/>
+                            <a:pt x="1601186" y="814655"/>
+                          </a:cubicBezTo>
+                          <a:close/>
+                        </a:path>
+                      </a:pathLst>
+                    </a:custGeom>
+                    <ask:type>
+                      <ask:lineSketchNone/>
+                    </ask:type>
+                  </ask:lineSketchStyleProps>
+                </a:ext>
+              </a:extLst>
+            </a:ln>
+            <a:scene3d>
+              <a:camera prst="orthographicFront">
+                <a:rot lat="0" lon="0" rev="0"/>
+              </a:camera>
+              <a:lightRig rig="threePt" dir="t"/>
+            </a:scene3d>
+          </p:spPr>
+          <p:style>
+            <a:lnRef idx="2">
+              <a:schemeClr val="accent1">
+                <a:shade val="50000"/>
+              </a:schemeClr>
+            </a:lnRef>
+            <a:fillRef idx="1">
+              <a:schemeClr val="accent1"/>
+            </a:fillRef>
+            <a:effectRef idx="0">
+              <a:schemeClr val="accent1"/>
+            </a:effectRef>
+            <a:fontRef idx="minor">
+              <a:schemeClr val="lt1"/>
+            </a:fontRef>
+          </p:style>
+          <p:txBody>
+            <a:bodyPr rtlCol="0" anchor="ctr"/>
+            <a:lstStyle/>
+            <a:p>
+              <a:pPr algn="ctr"/>
+              <a:endParaRPr lang="en-US" sz="1000" dirty="0" err="1">
+                <a:solidFill>
+                  <a:schemeClr val="tx1"/>
+                </a:solidFill>
+                <a:latin typeface="Times New Roman" panose="02020603050405020304" pitchFamily="18" charset="0"/>
+                <a:cs typeface="Times New Roman" panose="02020603050405020304" pitchFamily="18" charset="0"/>
+              </a:endParaRPr>
+            </a:p>
+          </p:txBody>
+        </p:sp>
+        <p:sp>
+          <p:nvSpPr>
+            <p:cNvPr id="65" name="Kreisausschnitt Rand">
+              <a:extLst>
+                <a:ext uri="{FF2B5EF4-FFF2-40B4-BE49-F238E27FC236}">
+                  <a16:creationId xmlns:a16="http://schemas.microsoft.com/office/drawing/2014/main" id="{BA356A6F-19F2-921F-B589-ADCF522E4A0F}"/>
+                </a:ext>
+              </a:extLst>
+            </p:cNvPr>
+            <p:cNvSpPr/>
+            <p:nvPr/>
+          </p:nvSpPr>
+          <p:spPr>
+            <a:xfrm rot="5400000">
+              <a:off x="-1584000" y="-1584000"/>
+              <a:ext cx="9360000" cy="9360000"/>
+            </a:xfrm>
+            <a:prstGeom prst="arc">
+              <a:avLst>
+                <a:gd name="adj1" fmla="val 14844955"/>
+                <a:gd name="adj2" fmla="val 17372137"/>
+              </a:avLst>
+            </a:prstGeom>
+            <a:noFill/>
+            <a:ln w="12700" cmpd="sng">
+              <a:solidFill>
+                <a:schemeClr val="accent2">
+                  <a:lumMod val="75000"/>
+                </a:schemeClr>
+              </a:solidFill>
+              <a:prstDash val="sysDash"/>
+              <a:extLst>
+                <a:ext uri="{C807C97D-BFC1-408E-A445-0C87EB9F89A2}">
+                  <ask:lineSketchStyleProps xmlns:ask="http://schemas.microsoft.com/office/drawing/2018/sketchyshapes" sd="1219033472">
+                    <a:custGeom>
+                      <a:avLst/>
+                      <a:gdLst>
+                        <a:gd name="connsiteX0" fmla="*/ 1601186 w 7116512"/>
+                        <a:gd name="connsiteY0" fmla="*/ 814655 h 9884146"/>
+                        <a:gd name="connsiteX1" fmla="*/ 5651162 w 7116512"/>
+                        <a:gd name="connsiteY1" fmla="*/ 945282 h 9884146"/>
+                        <a:gd name="connsiteX2" fmla="*/ 5452336 w 7116512"/>
+                        <a:gd name="connsiteY2" fmla="*/ 1324977 h 9884146"/>
+                        <a:gd name="connsiteX3" fmla="*/ 5232581 w 7116512"/>
+                        <a:gd name="connsiteY3" fmla="*/ 1744640 h 9884146"/>
+                        <a:gd name="connsiteX4" fmla="*/ 4991897 w 7116512"/>
+                        <a:gd name="connsiteY4" fmla="*/ 2204271 h 9884146"/>
+                        <a:gd name="connsiteX5" fmla="*/ 4688425 w 7116512"/>
+                        <a:gd name="connsiteY5" fmla="*/ 2783806 h 9884146"/>
+                        <a:gd name="connsiteX6" fmla="*/ 4426812 w 7116512"/>
+                        <a:gd name="connsiteY6" fmla="*/ 3283405 h 9884146"/>
+                        <a:gd name="connsiteX7" fmla="*/ 4186128 w 7116512"/>
+                        <a:gd name="connsiteY7" fmla="*/ 3743036 h 9884146"/>
+                        <a:gd name="connsiteX8" fmla="*/ 3987302 w 7116512"/>
+                        <a:gd name="connsiteY8" fmla="*/ 4122731 h 9884146"/>
+                        <a:gd name="connsiteX9" fmla="*/ 3788476 w 7116512"/>
+                        <a:gd name="connsiteY9" fmla="*/ 4502426 h 9884146"/>
+                        <a:gd name="connsiteX10" fmla="*/ 3558256 w 7116512"/>
+                        <a:gd name="connsiteY10" fmla="*/ 4942073 h 9884146"/>
+                        <a:gd name="connsiteX11" fmla="*/ 3352764 w 7116512"/>
+                        <a:gd name="connsiteY11" fmla="*/ 4508694 h 9884146"/>
+                        <a:gd name="connsiteX12" fmla="*/ 3127701 w 7116512"/>
+                        <a:gd name="connsiteY12" fmla="*/ 4034041 h 9884146"/>
+                        <a:gd name="connsiteX13" fmla="*/ 2843925 w 7116512"/>
+                        <a:gd name="connsiteY13" fmla="*/ 3435565 h 9884146"/>
+                        <a:gd name="connsiteX14" fmla="*/ 2599292 w 7116512"/>
+                        <a:gd name="connsiteY14" fmla="*/ 2919638 h 9884146"/>
+                        <a:gd name="connsiteX15" fmla="*/ 2335087 w 7116512"/>
+                        <a:gd name="connsiteY15" fmla="*/ 2362437 h 9884146"/>
+                        <a:gd name="connsiteX16" fmla="*/ 2110024 w 7116512"/>
+                        <a:gd name="connsiteY16" fmla="*/ 1887784 h 9884146"/>
+                        <a:gd name="connsiteX17" fmla="*/ 1865390 w 7116512"/>
+                        <a:gd name="connsiteY17" fmla="*/ 1371856 h 9884146"/>
+                        <a:gd name="connsiteX18" fmla="*/ 1601186 w 7116512"/>
+                        <a:gd name="connsiteY18" fmla="*/ 814655 h 9884146"/>
+                      </a:gdLst>
+                      <a:ahLst/>
+                      <a:cxnLst>
+                        <a:cxn ang="0">
+                          <a:pos x="connsiteX0" y="connsiteY0"/>
+                        </a:cxn>
+                        <a:cxn ang="0">
+                          <a:pos x="connsiteX1" y="connsiteY1"/>
+                        </a:cxn>
+                        <a:cxn ang="0">
+                          <a:pos x="connsiteX2" y="connsiteY2"/>
+                        </a:cxn>
+                        <a:cxn ang="0">
+                          <a:pos x="connsiteX3" y="connsiteY3"/>
+                        </a:cxn>
+                        <a:cxn ang="0">
+                          <a:pos x="connsiteX4" y="connsiteY4"/>
+                        </a:cxn>
+                        <a:cxn ang="0">
+                          <a:pos x="connsiteX5" y="connsiteY5"/>
+                        </a:cxn>
+                        <a:cxn ang="0">
+                          <a:pos x="connsiteX6" y="connsiteY6"/>
+                        </a:cxn>
+                        <a:cxn ang="0">
+                          <a:pos x="connsiteX7" y="connsiteY7"/>
+                        </a:cxn>
+                        <a:cxn ang="0">
+                          <a:pos x="connsiteX8" y="connsiteY8"/>
+                        </a:cxn>
+                        <a:cxn ang="0">
+                          <a:pos x="connsiteX9" y="connsiteY9"/>
+                        </a:cxn>
+                        <a:cxn ang="0">
+                          <a:pos x="connsiteX10" y="connsiteY10"/>
+                        </a:cxn>
+                        <a:cxn ang="0">
+                          <a:pos x="connsiteX11" y="connsiteY11"/>
+                        </a:cxn>
+                        <a:cxn ang="0">
+                          <a:pos x="connsiteX12" y="connsiteY12"/>
+                        </a:cxn>
+                        <a:cxn ang="0">
+                          <a:pos x="connsiteX13" y="connsiteY13"/>
+                        </a:cxn>
+                        <a:cxn ang="0">
+                          <a:pos x="connsiteX14" y="connsiteY14"/>
+                        </a:cxn>
+                        <a:cxn ang="0">
+                          <a:pos x="connsiteX15" y="connsiteY15"/>
+                        </a:cxn>
+                        <a:cxn ang="0">
+                          <a:pos x="connsiteX16" y="connsiteY16"/>
+                        </a:cxn>
+                        <a:cxn ang="0">
+                          <a:pos x="connsiteX17" y="connsiteY17"/>
+                        </a:cxn>
+                        <a:cxn ang="0">
+                          <a:pos x="connsiteX18" y="connsiteY18"/>
+                        </a:cxn>
+                      </a:cxnLst>
+                      <a:rect l="l" t="t" r="r" b="b"/>
+                      <a:pathLst>
+                        <a:path w="7116512" h="9884146" fill="none" extrusionOk="0">
+                          <a:moveTo>
+                            <a:pt x="1601186" y="814655"/>
+                          </a:moveTo>
+                          <a:cubicBezTo>
+                            <a:pt x="2846954" y="-424980"/>
+                            <a:pt x="4047580" y="-29084"/>
+                            <a:pt x="5651162" y="945282"/>
+                          </a:cubicBezTo>
+                          <a:cubicBezTo>
+                            <a:pt x="5608953" y="1033012"/>
+                            <a:pt x="5515638" y="1194683"/>
+                            <a:pt x="5452336" y="1324977"/>
+                          </a:cubicBezTo>
+                          <a:cubicBezTo>
+                            <a:pt x="5389034" y="1455271"/>
+                            <a:pt x="5303964" y="1545168"/>
+                            <a:pt x="5232581" y="1744640"/>
+                          </a:cubicBezTo>
+                          <a:cubicBezTo>
+                            <a:pt x="5161198" y="1944112"/>
+                            <a:pt x="5054945" y="1978948"/>
+                            <a:pt x="4991897" y="2204271"/>
+                          </a:cubicBezTo>
+                          <a:cubicBezTo>
+                            <a:pt x="4928849" y="2429594"/>
+                            <a:pt x="4739985" y="2566490"/>
+                            <a:pt x="4688425" y="2783806"/>
+                          </a:cubicBezTo>
+                          <a:cubicBezTo>
+                            <a:pt x="4636865" y="3001122"/>
+                            <a:pt x="4481884" y="3070481"/>
+                            <a:pt x="4426812" y="3283405"/>
+                          </a:cubicBezTo>
+                          <a:cubicBezTo>
+                            <a:pt x="4371740" y="3496329"/>
+                            <a:pt x="4202687" y="3631910"/>
+                            <a:pt x="4186128" y="3743036"/>
+                          </a:cubicBezTo>
+                          <a:cubicBezTo>
+                            <a:pt x="4169569" y="3854162"/>
+                            <a:pt x="4025042" y="3994312"/>
+                            <a:pt x="3987302" y="4122731"/>
+                          </a:cubicBezTo>
+                          <a:cubicBezTo>
+                            <a:pt x="3949562" y="4251150"/>
+                            <a:pt x="3860824" y="4343056"/>
+                            <a:pt x="3788476" y="4502426"/>
+                          </a:cubicBezTo>
+                          <a:cubicBezTo>
+                            <a:pt x="3716128" y="4661796"/>
+                            <a:pt x="3608011" y="4831271"/>
+                            <a:pt x="3558256" y="4942073"/>
+                          </a:cubicBezTo>
+                          <a:cubicBezTo>
+                            <a:pt x="3459471" y="4751403"/>
+                            <a:pt x="3490920" y="4667258"/>
+                            <a:pt x="3352764" y="4508694"/>
+                          </a:cubicBezTo>
+                          <a:cubicBezTo>
+                            <a:pt x="3214607" y="4350130"/>
+                            <a:pt x="3195495" y="4154082"/>
+                            <a:pt x="3127701" y="4034041"/>
+                          </a:cubicBezTo>
+                          <a:cubicBezTo>
+                            <a:pt x="3059907" y="3914000"/>
+                            <a:pt x="2947168" y="3645227"/>
+                            <a:pt x="2843925" y="3435565"/>
+                          </a:cubicBezTo>
+                          <a:cubicBezTo>
+                            <a:pt x="2740682" y="3225903"/>
+                            <a:pt x="2728481" y="3107467"/>
+                            <a:pt x="2599292" y="2919638"/>
+                          </a:cubicBezTo>
+                          <a:cubicBezTo>
+                            <a:pt x="2470102" y="2731809"/>
+                            <a:pt x="2448908" y="2487065"/>
+                            <a:pt x="2335087" y="2362437"/>
+                          </a:cubicBezTo>
+                          <a:cubicBezTo>
+                            <a:pt x="2221267" y="2237808"/>
+                            <a:pt x="2182904" y="1975685"/>
+                            <a:pt x="2110024" y="1887784"/>
+                          </a:cubicBezTo>
+                          <a:cubicBezTo>
+                            <a:pt x="2037144" y="1799883"/>
+                            <a:pt x="1970007" y="1458528"/>
+                            <a:pt x="1865390" y="1371856"/>
+                          </a:cubicBezTo>
+                          <a:cubicBezTo>
+                            <a:pt x="1760773" y="1285184"/>
+                            <a:pt x="1712460" y="1030507"/>
+                            <a:pt x="1601186" y="814655"/>
+                          </a:cubicBezTo>
+                          <a:close/>
+                        </a:path>
+                        <a:path w="7116512" h="9884146" stroke="0" extrusionOk="0">
+                          <a:moveTo>
+                            <a:pt x="1601186" y="814655"/>
+                          </a:moveTo>
+                          <a:cubicBezTo>
+                            <a:pt x="2582776" y="-475620"/>
+                            <a:pt x="4230879" y="-182344"/>
+                            <a:pt x="5651162" y="945282"/>
+                          </a:cubicBezTo>
+                          <a:cubicBezTo>
+                            <a:pt x="5580984" y="1195975"/>
+                            <a:pt x="5395736" y="1297823"/>
+                            <a:pt x="5347691" y="1524817"/>
+                          </a:cubicBezTo>
+                          <a:cubicBezTo>
+                            <a:pt x="5299646" y="1751811"/>
+                            <a:pt x="5180997" y="1780586"/>
+                            <a:pt x="5107006" y="1984448"/>
+                          </a:cubicBezTo>
+                          <a:cubicBezTo>
+                            <a:pt x="5033015" y="2188310"/>
+                            <a:pt x="4957359" y="2208526"/>
+                            <a:pt x="4887251" y="2404111"/>
+                          </a:cubicBezTo>
+                          <a:cubicBezTo>
+                            <a:pt x="4817143" y="2599696"/>
+                            <a:pt x="4725091" y="2697327"/>
+                            <a:pt x="4604709" y="2943678"/>
+                          </a:cubicBezTo>
+                          <a:cubicBezTo>
+                            <a:pt x="4484326" y="3190029"/>
+                            <a:pt x="4425891" y="3220174"/>
+                            <a:pt x="4364025" y="3403308"/>
+                          </a:cubicBezTo>
+                          <a:cubicBezTo>
+                            <a:pt x="4302159" y="3586442"/>
+                            <a:pt x="4181373" y="3693684"/>
+                            <a:pt x="4060553" y="3982843"/>
+                          </a:cubicBezTo>
+                          <a:cubicBezTo>
+                            <a:pt x="3939733" y="4272002"/>
+                            <a:pt x="3909699" y="4220534"/>
+                            <a:pt x="3840798" y="4402506"/>
+                          </a:cubicBezTo>
+                          <a:cubicBezTo>
+                            <a:pt x="3771897" y="4584479"/>
+                            <a:pt x="3571466" y="4785555"/>
+                            <a:pt x="3558256" y="4942073"/>
+                          </a:cubicBezTo>
+                          <a:cubicBezTo>
+                            <a:pt x="3470408" y="4848677"/>
+                            <a:pt x="3453504" y="4692408"/>
+                            <a:pt x="3372334" y="4549968"/>
+                          </a:cubicBezTo>
+                          <a:cubicBezTo>
+                            <a:pt x="3291164" y="4407528"/>
+                            <a:pt x="3255444" y="4293832"/>
+                            <a:pt x="3147271" y="4075315"/>
+                          </a:cubicBezTo>
+                          <a:cubicBezTo>
+                            <a:pt x="3039098" y="3856798"/>
+                            <a:pt x="3018683" y="3691685"/>
+                            <a:pt x="2922208" y="3600662"/>
+                          </a:cubicBezTo>
+                          <a:cubicBezTo>
+                            <a:pt x="2825733" y="3509639"/>
+                            <a:pt x="2831356" y="3292440"/>
+                            <a:pt x="2658004" y="3043461"/>
+                          </a:cubicBezTo>
+                          <a:cubicBezTo>
+                            <a:pt x="2484652" y="2794482"/>
+                            <a:pt x="2510033" y="2723194"/>
+                            <a:pt x="2432941" y="2568808"/>
+                          </a:cubicBezTo>
+                          <a:cubicBezTo>
+                            <a:pt x="2355849" y="2414422"/>
+                            <a:pt x="2301659" y="2240041"/>
+                            <a:pt x="2149166" y="1970332"/>
+                          </a:cubicBezTo>
+                          <a:cubicBezTo>
+                            <a:pt x="1996672" y="1700623"/>
+                            <a:pt x="2014000" y="1573021"/>
+                            <a:pt x="1865390" y="1371856"/>
+                          </a:cubicBezTo>
+                          <a:cubicBezTo>
+                            <a:pt x="1716780" y="1170691"/>
+                            <a:pt x="1709025" y="905225"/>
+                            <a:pt x="1601186" y="814655"/>
+                          </a:cubicBezTo>
+                          <a:close/>
+                        </a:path>
+                      </a:pathLst>
+                    </a:custGeom>
+                    <ask:type>
+                      <ask:lineSketchNone/>
+                    </ask:type>
+                  </ask:lineSketchStyleProps>
+                </a:ext>
+              </a:extLst>
+            </a:ln>
+            <a:scene3d>
+              <a:camera prst="orthographicFront">
+                <a:rot lat="0" lon="0" rev="0"/>
+              </a:camera>
+              <a:lightRig rig="threePt" dir="t"/>
+            </a:scene3d>
+          </p:spPr>
+          <p:style>
+            <a:lnRef idx="2">
+              <a:schemeClr val="accent1">
+                <a:shade val="50000"/>
+              </a:schemeClr>
+            </a:lnRef>
+            <a:fillRef idx="1">
+              <a:schemeClr val="accent1"/>
+            </a:fillRef>
+            <a:effectRef idx="0">
+              <a:schemeClr val="accent1"/>
+            </a:effectRef>
+            <a:fontRef idx="minor">
+              <a:schemeClr val="lt1"/>
+            </a:fontRef>
+          </p:style>
+          <p:txBody>
+            <a:bodyPr rtlCol="0" anchor="ctr"/>
+            <a:lstStyle/>
+            <a:p>
+              <a:pPr algn="ctr"/>
+              <a:endParaRPr lang="en-US" sz="1000" dirty="0" err="1">
+                <a:solidFill>
+                  <a:schemeClr val="tx1"/>
+                </a:solidFill>
+                <a:latin typeface="Times New Roman" panose="02020603050405020304" pitchFamily="18" charset="0"/>
+                <a:cs typeface="Times New Roman" panose="02020603050405020304" pitchFamily="18" charset="0"/>
+              </a:endParaRPr>
+            </a:p>
+          </p:txBody>
+        </p:sp>
+        <p:cxnSp>
+          <p:nvCxnSpPr>
+            <p:cNvPr id="73" name="Kreisausschnitt Radial oben">
+              <a:extLst>
+                <a:ext uri="{FF2B5EF4-FFF2-40B4-BE49-F238E27FC236}">
+                  <a16:creationId xmlns:a16="http://schemas.microsoft.com/office/drawing/2014/main" id="{23CFDD5A-111C-6B35-2FDF-BD0B8C8468B0}"/>
+                </a:ext>
+              </a:extLst>
+            </p:cNvPr>
+            <p:cNvCxnSpPr>
+              <a:cxnSpLocks/>
+              <a:stCxn id="64" idx="2"/>
+            </p:cNvCxnSpPr>
+            <p:nvPr/>
+          </p:nvCxnSpPr>
+          <p:spPr>
+            <a:xfrm flipV="1">
+              <a:off x="5962735" y="1304818"/>
+              <a:ext cx="1455207" cy="621973"/>
+            </a:xfrm>
+            <a:prstGeom prst="line">
+              <a:avLst/>
+            </a:prstGeom>
+            <a:noFill/>
+            <a:ln w="12700" cmpd="sng">
+              <a:solidFill>
+                <a:schemeClr val="accent2">
+                  <a:lumMod val="75000"/>
+                </a:schemeClr>
+              </a:solidFill>
+              <a:prstDash val="sysDash"/>
+              <a:extLst>
+                <a:ext uri="{C807C97D-BFC1-408E-A445-0C87EB9F89A2}">
+                  <ask:lineSketchStyleProps xmlns:ask="http://schemas.microsoft.com/office/drawing/2018/sketchyshapes" sd="1219033472">
+                    <a:custGeom>
+                      <a:avLst/>
+                      <a:gdLst>
+                        <a:gd name="connsiteX0" fmla="*/ 1601186 w 7116512"/>
+                        <a:gd name="connsiteY0" fmla="*/ 814655 h 9884146"/>
+                        <a:gd name="connsiteX1" fmla="*/ 5651162 w 7116512"/>
+                        <a:gd name="connsiteY1" fmla="*/ 945282 h 9884146"/>
+                        <a:gd name="connsiteX2" fmla="*/ 5452336 w 7116512"/>
+                        <a:gd name="connsiteY2" fmla="*/ 1324977 h 9884146"/>
+                        <a:gd name="connsiteX3" fmla="*/ 5232581 w 7116512"/>
+                        <a:gd name="connsiteY3" fmla="*/ 1744640 h 9884146"/>
+                        <a:gd name="connsiteX4" fmla="*/ 4991897 w 7116512"/>
+                        <a:gd name="connsiteY4" fmla="*/ 2204271 h 9884146"/>
+                        <a:gd name="connsiteX5" fmla="*/ 4688425 w 7116512"/>
+                        <a:gd name="connsiteY5" fmla="*/ 2783806 h 9884146"/>
+                        <a:gd name="connsiteX6" fmla="*/ 4426812 w 7116512"/>
+                        <a:gd name="connsiteY6" fmla="*/ 3283405 h 9884146"/>
+                        <a:gd name="connsiteX7" fmla="*/ 4186128 w 7116512"/>
+                        <a:gd name="connsiteY7" fmla="*/ 3743036 h 9884146"/>
+                        <a:gd name="connsiteX8" fmla="*/ 3987302 w 7116512"/>
+                        <a:gd name="connsiteY8" fmla="*/ 4122731 h 9884146"/>
+                        <a:gd name="connsiteX9" fmla="*/ 3788476 w 7116512"/>
+                        <a:gd name="connsiteY9" fmla="*/ 4502426 h 9884146"/>
+                        <a:gd name="connsiteX10" fmla="*/ 3558256 w 7116512"/>
+                        <a:gd name="connsiteY10" fmla="*/ 4942073 h 9884146"/>
+                        <a:gd name="connsiteX11" fmla="*/ 3352764 w 7116512"/>
+                        <a:gd name="connsiteY11" fmla="*/ 4508694 h 9884146"/>
+                        <a:gd name="connsiteX12" fmla="*/ 3127701 w 7116512"/>
+                        <a:gd name="connsiteY12" fmla="*/ 4034041 h 9884146"/>
+                        <a:gd name="connsiteX13" fmla="*/ 2843925 w 7116512"/>
+                        <a:gd name="connsiteY13" fmla="*/ 3435565 h 9884146"/>
+                        <a:gd name="connsiteX14" fmla="*/ 2599292 w 7116512"/>
+                        <a:gd name="connsiteY14" fmla="*/ 2919638 h 9884146"/>
+                        <a:gd name="connsiteX15" fmla="*/ 2335087 w 7116512"/>
+                        <a:gd name="connsiteY15" fmla="*/ 2362437 h 9884146"/>
+                        <a:gd name="connsiteX16" fmla="*/ 2110024 w 7116512"/>
+                        <a:gd name="connsiteY16" fmla="*/ 1887784 h 9884146"/>
+                        <a:gd name="connsiteX17" fmla="*/ 1865390 w 7116512"/>
+                        <a:gd name="connsiteY17" fmla="*/ 1371856 h 9884146"/>
+                        <a:gd name="connsiteX18" fmla="*/ 1601186 w 7116512"/>
+                        <a:gd name="connsiteY18" fmla="*/ 814655 h 9884146"/>
+                      </a:gdLst>
+                      <a:ahLst/>
+                      <a:cxnLst>
+                        <a:cxn ang="0">
+                          <a:pos x="connsiteX0" y="connsiteY0"/>
+                        </a:cxn>
+                        <a:cxn ang="0">
+                          <a:pos x="connsiteX1" y="connsiteY1"/>
+                        </a:cxn>
+                        <a:cxn ang="0">
+                          <a:pos x="connsiteX2" y="connsiteY2"/>
+                        </a:cxn>
+                        <a:cxn ang="0">
+                          <a:pos x="connsiteX3" y="connsiteY3"/>
+                        </a:cxn>
+                        <a:cxn ang="0">
+                          <a:pos x="connsiteX4" y="connsiteY4"/>
+                        </a:cxn>
+                        <a:cxn ang="0">
+                          <a:pos x="connsiteX5" y="connsiteY5"/>
+                        </a:cxn>
+                        <a:cxn ang="0">
+                          <a:pos x="connsiteX6" y="connsiteY6"/>
+                        </a:cxn>
+                        <a:cxn ang="0">
+                          <a:pos x="connsiteX7" y="connsiteY7"/>
+                        </a:cxn>
+                        <a:cxn ang="0">
+                          <a:pos x="connsiteX8" y="connsiteY8"/>
+                        </a:cxn>
+                        <a:cxn ang="0">
+                          <a:pos x="connsiteX9" y="connsiteY9"/>
+                        </a:cxn>
+                        <a:cxn ang="0">
+                          <a:pos x="connsiteX10" y="connsiteY10"/>
+                        </a:cxn>
+                        <a:cxn ang="0">
+                          <a:pos x="connsiteX11" y="connsiteY11"/>
+                        </a:cxn>
+                        <a:cxn ang="0">
+                          <a:pos x="connsiteX12" y="connsiteY12"/>
+                        </a:cxn>
+                        <a:cxn ang="0">
+                          <a:pos x="connsiteX13" y="connsiteY13"/>
+                        </a:cxn>
+                        <a:cxn ang="0">
+                          <a:pos x="connsiteX14" y="connsiteY14"/>
+                        </a:cxn>
+                        <a:cxn ang="0">
+                          <a:pos x="connsiteX15" y="connsiteY15"/>
+                        </a:cxn>
+                        <a:cxn ang="0">
+                          <a:pos x="connsiteX16" y="connsiteY16"/>
+                        </a:cxn>
+                        <a:cxn ang="0">
+                          <a:pos x="connsiteX17" y="connsiteY17"/>
+                        </a:cxn>
+                        <a:cxn ang="0">
+                          <a:pos x="connsiteX18" y="connsiteY18"/>
+                        </a:cxn>
+                      </a:cxnLst>
+                      <a:rect l="l" t="t" r="r" b="b"/>
+                      <a:pathLst>
+                        <a:path w="7116512" h="9884146" fill="none" extrusionOk="0">
+                          <a:moveTo>
+                            <a:pt x="1601186" y="814655"/>
+                          </a:moveTo>
+                          <a:cubicBezTo>
+                            <a:pt x="2846954" y="-424980"/>
+                            <a:pt x="4047580" y="-29084"/>
+                            <a:pt x="5651162" y="945282"/>
+                          </a:cubicBezTo>
+                          <a:cubicBezTo>
+                            <a:pt x="5608953" y="1033012"/>
+                            <a:pt x="5515638" y="1194683"/>
+                            <a:pt x="5452336" y="1324977"/>
+                          </a:cubicBezTo>
+                          <a:cubicBezTo>
+                            <a:pt x="5389034" y="1455271"/>
+                            <a:pt x="5303964" y="1545168"/>
+                            <a:pt x="5232581" y="1744640"/>
+                          </a:cubicBezTo>
+                          <a:cubicBezTo>
+                            <a:pt x="5161198" y="1944112"/>
+                            <a:pt x="5054945" y="1978948"/>
+                            <a:pt x="4991897" y="2204271"/>
+                          </a:cubicBezTo>
+                          <a:cubicBezTo>
+                            <a:pt x="4928849" y="2429594"/>
+                            <a:pt x="4739985" y="2566490"/>
+                            <a:pt x="4688425" y="2783806"/>
+                          </a:cubicBezTo>
+                          <a:cubicBezTo>
+                            <a:pt x="4636865" y="3001122"/>
+                            <a:pt x="4481884" y="3070481"/>
+                            <a:pt x="4426812" y="3283405"/>
+                          </a:cubicBezTo>
+                          <a:cubicBezTo>
+                            <a:pt x="4371740" y="3496329"/>
+                            <a:pt x="4202687" y="3631910"/>
+                            <a:pt x="4186128" y="3743036"/>
+                          </a:cubicBezTo>
+                          <a:cubicBezTo>
+                            <a:pt x="4169569" y="3854162"/>
+                            <a:pt x="4025042" y="3994312"/>
+                            <a:pt x="3987302" y="4122731"/>
+                          </a:cubicBezTo>
+                          <a:cubicBezTo>
+                            <a:pt x="3949562" y="4251150"/>
+                            <a:pt x="3860824" y="4343056"/>
+                            <a:pt x="3788476" y="4502426"/>
+                          </a:cubicBezTo>
+                          <a:cubicBezTo>
+                            <a:pt x="3716128" y="4661796"/>
+                            <a:pt x="3608011" y="4831271"/>
+                            <a:pt x="3558256" y="4942073"/>
+                          </a:cubicBezTo>
+                          <a:cubicBezTo>
+                            <a:pt x="3459471" y="4751403"/>
+                            <a:pt x="3490920" y="4667258"/>
+                            <a:pt x="3352764" y="4508694"/>
+                          </a:cubicBezTo>
+                          <a:cubicBezTo>
+                            <a:pt x="3214607" y="4350130"/>
+                            <a:pt x="3195495" y="4154082"/>
+                            <a:pt x="3127701" y="4034041"/>
+                          </a:cubicBezTo>
+                          <a:cubicBezTo>
+                            <a:pt x="3059907" y="3914000"/>
+                            <a:pt x="2947168" y="3645227"/>
+                            <a:pt x="2843925" y="3435565"/>
+                          </a:cubicBezTo>
+                          <a:cubicBezTo>
+                            <a:pt x="2740682" y="3225903"/>
+                            <a:pt x="2728481" y="3107467"/>
+                            <a:pt x="2599292" y="2919638"/>
+                          </a:cubicBezTo>
+                          <a:cubicBezTo>
+                            <a:pt x="2470102" y="2731809"/>
+                            <a:pt x="2448908" y="2487065"/>
+                            <a:pt x="2335087" y="2362437"/>
+                          </a:cubicBezTo>
+                          <a:cubicBezTo>
+                            <a:pt x="2221267" y="2237808"/>
+                            <a:pt x="2182904" y="1975685"/>
+                            <a:pt x="2110024" y="1887784"/>
+                          </a:cubicBezTo>
+                          <a:cubicBezTo>
+                            <a:pt x="2037144" y="1799883"/>
+                            <a:pt x="1970007" y="1458528"/>
+                            <a:pt x="1865390" y="1371856"/>
+                          </a:cubicBezTo>
+                          <a:cubicBezTo>
+                            <a:pt x="1760773" y="1285184"/>
+                            <a:pt x="1712460" y="1030507"/>
+                            <a:pt x="1601186" y="814655"/>
+                          </a:cubicBezTo>
+                          <a:close/>
+                        </a:path>
+                        <a:path w="7116512" h="9884146" stroke="0" extrusionOk="0">
+                          <a:moveTo>
+                            <a:pt x="1601186" y="814655"/>
+                          </a:moveTo>
+                          <a:cubicBezTo>
+                            <a:pt x="2582776" y="-475620"/>
+                            <a:pt x="4230879" y="-182344"/>
+                            <a:pt x="5651162" y="945282"/>
+                          </a:cubicBezTo>
+                          <a:cubicBezTo>
+                            <a:pt x="5580984" y="1195975"/>
+                            <a:pt x="5395736" y="1297823"/>
+                            <a:pt x="5347691" y="1524817"/>
+                          </a:cubicBezTo>
+                          <a:cubicBezTo>
+                            <a:pt x="5299646" y="1751811"/>
+                            <a:pt x="5180997" y="1780586"/>
+                            <a:pt x="5107006" y="1984448"/>
+                          </a:cubicBezTo>
+                          <a:cubicBezTo>
+                            <a:pt x="5033015" y="2188310"/>
+                            <a:pt x="4957359" y="2208526"/>
+                            <a:pt x="4887251" y="2404111"/>
+                          </a:cubicBezTo>
+                          <a:cubicBezTo>
+                            <a:pt x="4817143" y="2599696"/>
+                            <a:pt x="4725091" y="2697327"/>
+                            <a:pt x="4604709" y="2943678"/>
+                          </a:cubicBezTo>
+                          <a:cubicBezTo>
+                            <a:pt x="4484326" y="3190029"/>
+                            <a:pt x="4425891" y="3220174"/>
+                            <a:pt x="4364025" y="3403308"/>
+                          </a:cubicBezTo>
+                          <a:cubicBezTo>
+                            <a:pt x="4302159" y="3586442"/>
+                            <a:pt x="4181373" y="3693684"/>
+                            <a:pt x="4060553" y="3982843"/>
+                          </a:cubicBezTo>
+                          <a:cubicBezTo>
+                            <a:pt x="3939733" y="4272002"/>
+                            <a:pt x="3909699" y="4220534"/>
+                            <a:pt x="3840798" y="4402506"/>
+                          </a:cubicBezTo>
+                          <a:cubicBezTo>
+                            <a:pt x="3771897" y="4584479"/>
+                            <a:pt x="3571466" y="4785555"/>
+                            <a:pt x="3558256" y="4942073"/>
+                          </a:cubicBezTo>
+                          <a:cubicBezTo>
+                            <a:pt x="3470408" y="4848677"/>
+                            <a:pt x="3453504" y="4692408"/>
+                            <a:pt x="3372334" y="4549968"/>
+                          </a:cubicBezTo>
+                          <a:cubicBezTo>
+                            <a:pt x="3291164" y="4407528"/>
+                            <a:pt x="3255444" y="4293832"/>
+                            <a:pt x="3147271" y="4075315"/>
+                          </a:cubicBezTo>
+                          <a:cubicBezTo>
+                            <a:pt x="3039098" y="3856798"/>
+                            <a:pt x="3018683" y="3691685"/>
+                            <a:pt x="2922208" y="3600662"/>
+                          </a:cubicBezTo>
+                          <a:cubicBezTo>
+                            <a:pt x="2825733" y="3509639"/>
+                            <a:pt x="2831356" y="3292440"/>
+                            <a:pt x="2658004" y="3043461"/>
+                          </a:cubicBezTo>
+                          <a:cubicBezTo>
+                            <a:pt x="2484652" y="2794482"/>
+                            <a:pt x="2510033" y="2723194"/>
+                            <a:pt x="2432941" y="2568808"/>
+                          </a:cubicBezTo>
+                          <a:cubicBezTo>
+                            <a:pt x="2355849" y="2414422"/>
+                            <a:pt x="2301659" y="2240041"/>
+                            <a:pt x="2149166" y="1970332"/>
+                          </a:cubicBezTo>
+                          <a:cubicBezTo>
+                            <a:pt x="1996672" y="1700623"/>
+                            <a:pt x="2014000" y="1573021"/>
+                            <a:pt x="1865390" y="1371856"/>
+                          </a:cubicBezTo>
+                          <a:cubicBezTo>
+                            <a:pt x="1716780" y="1170691"/>
+                            <a:pt x="1709025" y="905225"/>
+                            <a:pt x="1601186" y="814655"/>
+                          </a:cubicBezTo>
+                          <a:close/>
+                        </a:path>
+                      </a:pathLst>
+                    </a:custGeom>
+                    <ask:type>
+                      <ask:lineSketchNone/>
+                    </ask:type>
+                  </ask:lineSketchStyleProps>
+                </a:ext>
+              </a:extLst>
+            </a:ln>
+            <a:scene3d>
+              <a:camera prst="orthographicFront">
+                <a:rot lat="0" lon="0" rev="0"/>
+              </a:camera>
+              <a:lightRig rig="threePt" dir="t"/>
+            </a:scene3d>
+          </p:spPr>
+          <p:style>
+            <a:lnRef idx="2">
+              <a:schemeClr val="accent1">
+                <a:shade val="50000"/>
+              </a:schemeClr>
+            </a:lnRef>
+            <a:fillRef idx="1">
+              <a:schemeClr val="accent1"/>
+            </a:fillRef>
+            <a:effectRef idx="0">
+              <a:schemeClr val="accent1"/>
+            </a:effectRef>
+            <a:fontRef idx="minor">
+              <a:schemeClr val="lt1"/>
+            </a:fontRef>
+          </p:style>
+        </p:cxnSp>
+        <p:cxnSp>
+          <p:nvCxnSpPr>
+            <p:cNvPr id="74" name="Kreisausschnitt Radial unten">
+              <a:extLst>
+                <a:ext uri="{FF2B5EF4-FFF2-40B4-BE49-F238E27FC236}">
+                  <a16:creationId xmlns:a16="http://schemas.microsoft.com/office/drawing/2014/main" id="{EE8D4509-E194-70AA-0D2C-7A3FB62CFA91}"/>
+                </a:ext>
+              </a:extLst>
+            </p:cNvPr>
+            <p:cNvCxnSpPr>
+              <a:cxnSpLocks/>
+              <a:stCxn id="64" idx="0"/>
+            </p:cNvCxnSpPr>
+            <p:nvPr/>
+          </p:nvCxnSpPr>
+          <p:spPr>
+            <a:xfrm>
+              <a:off x="6024712" y="4099927"/>
+              <a:ext cx="1480988" cy="562561"/>
+            </a:xfrm>
+            <a:prstGeom prst="line">
+              <a:avLst/>
+            </a:prstGeom>
+            <a:noFill/>
+            <a:ln w="12700" cmpd="sng">
+              <a:solidFill>
+                <a:schemeClr val="accent2">
+                  <a:lumMod val="75000"/>
+                </a:schemeClr>
+              </a:solidFill>
+              <a:prstDash val="sysDash"/>
+              <a:extLst>
+                <a:ext uri="{C807C97D-BFC1-408E-A445-0C87EB9F89A2}">
+                  <ask:lineSketchStyleProps xmlns:ask="http://schemas.microsoft.com/office/drawing/2018/sketchyshapes" sd="1219033472">
+                    <a:custGeom>
+                      <a:avLst/>
+                      <a:gdLst>
+                        <a:gd name="connsiteX0" fmla="*/ 1601186 w 7116512"/>
+                        <a:gd name="connsiteY0" fmla="*/ 814655 h 9884146"/>
+                        <a:gd name="connsiteX1" fmla="*/ 5651162 w 7116512"/>
+                        <a:gd name="connsiteY1" fmla="*/ 945282 h 9884146"/>
+                        <a:gd name="connsiteX2" fmla="*/ 5452336 w 7116512"/>
+                        <a:gd name="connsiteY2" fmla="*/ 1324977 h 9884146"/>
+                        <a:gd name="connsiteX3" fmla="*/ 5232581 w 7116512"/>
+                        <a:gd name="connsiteY3" fmla="*/ 1744640 h 9884146"/>
+                        <a:gd name="connsiteX4" fmla="*/ 4991897 w 7116512"/>
+                        <a:gd name="connsiteY4" fmla="*/ 2204271 h 9884146"/>
+                        <a:gd name="connsiteX5" fmla="*/ 4688425 w 7116512"/>
+                        <a:gd name="connsiteY5" fmla="*/ 2783806 h 9884146"/>
+                        <a:gd name="connsiteX6" fmla="*/ 4426812 w 7116512"/>
+                        <a:gd name="connsiteY6" fmla="*/ 3283405 h 9884146"/>
+                        <a:gd name="connsiteX7" fmla="*/ 4186128 w 7116512"/>
+                        <a:gd name="connsiteY7" fmla="*/ 3743036 h 9884146"/>
+                        <a:gd name="connsiteX8" fmla="*/ 3987302 w 7116512"/>
+                        <a:gd name="connsiteY8" fmla="*/ 4122731 h 9884146"/>
+                        <a:gd name="connsiteX9" fmla="*/ 3788476 w 7116512"/>
+                        <a:gd name="connsiteY9" fmla="*/ 4502426 h 9884146"/>
+                        <a:gd name="connsiteX10" fmla="*/ 3558256 w 7116512"/>
+                        <a:gd name="connsiteY10" fmla="*/ 4942073 h 9884146"/>
+                        <a:gd name="connsiteX11" fmla="*/ 3352764 w 7116512"/>
+                        <a:gd name="connsiteY11" fmla="*/ 4508694 h 9884146"/>
+                        <a:gd name="connsiteX12" fmla="*/ 3127701 w 7116512"/>
+                        <a:gd name="connsiteY12" fmla="*/ 4034041 h 9884146"/>
+                        <a:gd name="connsiteX13" fmla="*/ 2843925 w 7116512"/>
+                        <a:gd name="connsiteY13" fmla="*/ 3435565 h 9884146"/>
+                        <a:gd name="connsiteX14" fmla="*/ 2599292 w 7116512"/>
+                        <a:gd name="connsiteY14" fmla="*/ 2919638 h 9884146"/>
+                        <a:gd name="connsiteX15" fmla="*/ 2335087 w 7116512"/>
+                        <a:gd name="connsiteY15" fmla="*/ 2362437 h 9884146"/>
+                        <a:gd name="connsiteX16" fmla="*/ 2110024 w 7116512"/>
+                        <a:gd name="connsiteY16" fmla="*/ 1887784 h 9884146"/>
+                        <a:gd name="connsiteX17" fmla="*/ 1865390 w 7116512"/>
+                        <a:gd name="connsiteY17" fmla="*/ 1371856 h 9884146"/>
+                        <a:gd name="connsiteX18" fmla="*/ 1601186 w 7116512"/>
+                        <a:gd name="connsiteY18" fmla="*/ 814655 h 9884146"/>
+                      </a:gdLst>
+                      <a:ahLst/>
+                      <a:cxnLst>
+                        <a:cxn ang="0">
+                          <a:pos x="connsiteX0" y="connsiteY0"/>
+                        </a:cxn>
+                        <a:cxn ang="0">
+                          <a:pos x="connsiteX1" y="connsiteY1"/>
+                        </a:cxn>
+                        <a:cxn ang="0">
+                          <a:pos x="connsiteX2" y="connsiteY2"/>
+                        </a:cxn>
+                        <a:cxn ang="0">
+                          <a:pos x="connsiteX3" y="connsiteY3"/>
+                        </a:cxn>
+                        <a:cxn ang="0">
+                          <a:pos x="connsiteX4" y="connsiteY4"/>
+                        </a:cxn>
+                        <a:cxn ang="0">
+                          <a:pos x="connsiteX5" y="connsiteY5"/>
+                        </a:cxn>
+                        <a:cxn ang="0">
+                          <a:pos x="connsiteX6" y="connsiteY6"/>
+                        </a:cxn>
+                        <a:cxn ang="0">
+                          <a:pos x="connsiteX7" y="connsiteY7"/>
+                        </a:cxn>
+                        <a:cxn ang="0">
+                          <a:pos x="connsiteX8" y="connsiteY8"/>
+                        </a:cxn>
+                        <a:cxn ang="0">
+                          <a:pos x="connsiteX9" y="connsiteY9"/>
+                        </a:cxn>
+                        <a:cxn ang="0">
+                          <a:pos x="connsiteX10" y="connsiteY10"/>
+                        </a:cxn>
+                        <a:cxn ang="0">
+                          <a:pos x="connsiteX11" y="connsiteY11"/>
+                        </a:cxn>
+                        <a:cxn ang="0">
+                          <a:pos x="connsiteX12" y="connsiteY12"/>
+                        </a:cxn>
+                        <a:cxn ang="0">
+                          <a:pos x="connsiteX13" y="connsiteY13"/>
+                        </a:cxn>
+                        <a:cxn ang="0">
+                          <a:pos x="connsiteX14" y="connsiteY14"/>
+                        </a:cxn>
+                        <a:cxn ang="0">
+                          <a:pos x="connsiteX15" y="connsiteY15"/>
+                        </a:cxn>
+                        <a:cxn ang="0">
+                          <a:pos x="connsiteX16" y="connsiteY16"/>
+                        </a:cxn>
+                        <a:cxn ang="0">
+                          <a:pos x="connsiteX17" y="connsiteY17"/>
+                        </a:cxn>
+                        <a:cxn ang="0">
+                          <a:pos x="connsiteX18" y="connsiteY18"/>
+                        </a:cxn>
+                      </a:cxnLst>
+                      <a:rect l="l" t="t" r="r" b="b"/>
+                      <a:pathLst>
+                        <a:path w="7116512" h="9884146" fill="none" extrusionOk="0">
+                          <a:moveTo>
+                            <a:pt x="1601186" y="814655"/>
+                          </a:moveTo>
+                          <a:cubicBezTo>
+                            <a:pt x="2846954" y="-424980"/>
+                            <a:pt x="4047580" y="-29084"/>
+                            <a:pt x="5651162" y="945282"/>
+                          </a:cubicBezTo>
+                          <a:cubicBezTo>
+                            <a:pt x="5608953" y="1033012"/>
+                            <a:pt x="5515638" y="1194683"/>
+                            <a:pt x="5452336" y="1324977"/>
+                          </a:cubicBezTo>
+                          <a:cubicBezTo>
+                            <a:pt x="5389034" y="1455271"/>
+                            <a:pt x="5303964" y="1545168"/>
+                            <a:pt x="5232581" y="1744640"/>
+                          </a:cubicBezTo>
+                          <a:cubicBezTo>
+                            <a:pt x="5161198" y="1944112"/>
+                            <a:pt x="5054945" y="1978948"/>
+                            <a:pt x="4991897" y="2204271"/>
+                          </a:cubicBezTo>
+                          <a:cubicBezTo>
+                            <a:pt x="4928849" y="2429594"/>
+                            <a:pt x="4739985" y="2566490"/>
+                            <a:pt x="4688425" y="2783806"/>
+                          </a:cubicBezTo>
+                          <a:cubicBezTo>
+                            <a:pt x="4636865" y="3001122"/>
+                            <a:pt x="4481884" y="3070481"/>
+                            <a:pt x="4426812" y="3283405"/>
+                          </a:cubicBezTo>
+                          <a:cubicBezTo>
+                            <a:pt x="4371740" y="3496329"/>
+                            <a:pt x="4202687" y="3631910"/>
+                            <a:pt x="4186128" y="3743036"/>
+                          </a:cubicBezTo>
+                          <a:cubicBezTo>
+                            <a:pt x="4169569" y="3854162"/>
+                            <a:pt x="4025042" y="3994312"/>
+                            <a:pt x="3987302" y="4122731"/>
+                          </a:cubicBezTo>
+                          <a:cubicBezTo>
+                            <a:pt x="3949562" y="4251150"/>
+                            <a:pt x="3860824" y="4343056"/>
+                            <a:pt x="3788476" y="4502426"/>
+                          </a:cubicBezTo>
+                          <a:cubicBezTo>
+                            <a:pt x="3716128" y="4661796"/>
+                            <a:pt x="3608011" y="4831271"/>
+                            <a:pt x="3558256" y="4942073"/>
+                          </a:cubicBezTo>
+                          <a:cubicBezTo>
+                            <a:pt x="3459471" y="4751403"/>
+                            <a:pt x="3490920" y="4667258"/>
+                            <a:pt x="3352764" y="4508694"/>
+                          </a:cubicBezTo>
+                          <a:cubicBezTo>
+                            <a:pt x="3214607" y="4350130"/>
+                            <a:pt x="3195495" y="4154082"/>
+                            <a:pt x="3127701" y="4034041"/>
+                          </a:cubicBezTo>
+                          <a:cubicBezTo>
+                            <a:pt x="3059907" y="3914000"/>
+                            <a:pt x="2947168" y="3645227"/>
+                            <a:pt x="2843925" y="3435565"/>
+                          </a:cubicBezTo>
+                          <a:cubicBezTo>
+                            <a:pt x="2740682" y="3225903"/>
+                            <a:pt x="2728481" y="3107467"/>
+                            <a:pt x="2599292" y="2919638"/>
+                          </a:cubicBezTo>
+                          <a:cubicBezTo>
+                            <a:pt x="2470102" y="2731809"/>
+                            <a:pt x="2448908" y="2487065"/>
+                            <a:pt x="2335087" y="2362437"/>
+                          </a:cubicBezTo>
+                          <a:cubicBezTo>
+                            <a:pt x="2221267" y="2237808"/>
+                            <a:pt x="2182904" y="1975685"/>
+                            <a:pt x="2110024" y="1887784"/>
+                          </a:cubicBezTo>
+                          <a:cubicBezTo>
+                            <a:pt x="2037144" y="1799883"/>
+                            <a:pt x="1970007" y="1458528"/>
+                            <a:pt x="1865390" y="1371856"/>
+                          </a:cubicBezTo>
+                          <a:cubicBezTo>
+                            <a:pt x="1760773" y="1285184"/>
+                            <a:pt x="1712460" y="1030507"/>
+                            <a:pt x="1601186" y="814655"/>
+                          </a:cubicBezTo>
+                          <a:close/>
+                        </a:path>
+                        <a:path w="7116512" h="9884146" stroke="0" extrusionOk="0">
+                          <a:moveTo>
+                            <a:pt x="1601186" y="814655"/>
+                          </a:moveTo>
+                          <a:cubicBezTo>
+                            <a:pt x="2582776" y="-475620"/>
+                            <a:pt x="4230879" y="-182344"/>
+                            <a:pt x="5651162" y="945282"/>
+                          </a:cubicBezTo>
+                          <a:cubicBezTo>
+                            <a:pt x="5580984" y="1195975"/>
+                            <a:pt x="5395736" y="1297823"/>
+                            <a:pt x="5347691" y="1524817"/>
+                          </a:cubicBezTo>
+                          <a:cubicBezTo>
+                            <a:pt x="5299646" y="1751811"/>
+                            <a:pt x="5180997" y="1780586"/>
+                            <a:pt x="5107006" y="1984448"/>
+                          </a:cubicBezTo>
+                          <a:cubicBezTo>
+                            <a:pt x="5033015" y="2188310"/>
+                            <a:pt x="4957359" y="2208526"/>
+                            <a:pt x="4887251" y="2404111"/>
+                          </a:cubicBezTo>
+                          <a:cubicBezTo>
+                            <a:pt x="4817143" y="2599696"/>
+                            <a:pt x="4725091" y="2697327"/>
+                            <a:pt x="4604709" y="2943678"/>
+                          </a:cubicBezTo>
+                          <a:cubicBezTo>
+                            <a:pt x="4484326" y="3190029"/>
+                            <a:pt x="4425891" y="3220174"/>
+                            <a:pt x="4364025" y="3403308"/>
+                          </a:cubicBezTo>
+                          <a:cubicBezTo>
+                            <a:pt x="4302159" y="3586442"/>
+                            <a:pt x="4181373" y="3693684"/>
+                            <a:pt x="4060553" y="3982843"/>
+                          </a:cubicBezTo>
+                          <a:cubicBezTo>
+                            <a:pt x="3939733" y="4272002"/>
+                            <a:pt x="3909699" y="4220534"/>
+                            <a:pt x="3840798" y="4402506"/>
+                          </a:cubicBezTo>
+                          <a:cubicBezTo>
+                            <a:pt x="3771897" y="4584479"/>
+                            <a:pt x="3571466" y="4785555"/>
+                            <a:pt x="3558256" y="4942073"/>
+                          </a:cubicBezTo>
+                          <a:cubicBezTo>
+                            <a:pt x="3470408" y="4848677"/>
+                            <a:pt x="3453504" y="4692408"/>
+                            <a:pt x="3372334" y="4549968"/>
+                          </a:cubicBezTo>
+                          <a:cubicBezTo>
+                            <a:pt x="3291164" y="4407528"/>
+                            <a:pt x="3255444" y="4293832"/>
+                            <a:pt x="3147271" y="4075315"/>
+                          </a:cubicBezTo>
+                          <a:cubicBezTo>
+                            <a:pt x="3039098" y="3856798"/>
+                            <a:pt x="3018683" y="3691685"/>
+                            <a:pt x="2922208" y="3600662"/>
+                          </a:cubicBezTo>
+                          <a:cubicBezTo>
+                            <a:pt x="2825733" y="3509639"/>
+                            <a:pt x="2831356" y="3292440"/>
+                            <a:pt x="2658004" y="3043461"/>
+                          </a:cubicBezTo>
+                          <a:cubicBezTo>
+                            <a:pt x="2484652" y="2794482"/>
+                            <a:pt x="2510033" y="2723194"/>
+                            <a:pt x="2432941" y="2568808"/>
+                          </a:cubicBezTo>
+                          <a:cubicBezTo>
+                            <a:pt x="2355849" y="2414422"/>
+                            <a:pt x="2301659" y="2240041"/>
+                            <a:pt x="2149166" y="1970332"/>
+                          </a:cubicBezTo>
+                          <a:cubicBezTo>
+                            <a:pt x="1996672" y="1700623"/>
+                            <a:pt x="2014000" y="1573021"/>
+                            <a:pt x="1865390" y="1371856"/>
+                          </a:cubicBezTo>
+                          <a:cubicBezTo>
+                            <a:pt x="1716780" y="1170691"/>
+                            <a:pt x="1709025" y="905225"/>
+                            <a:pt x="1601186" y="814655"/>
+                          </a:cubicBezTo>
+                          <a:close/>
+                        </a:path>
+                      </a:pathLst>
+                    </a:custGeom>
+                    <ask:type>
+                      <ask:lineSketchNone/>
+                    </ask:type>
+                  </ask:lineSketchStyleProps>
+                </a:ext>
+              </a:extLst>
+            </a:ln>
+            <a:scene3d>
+              <a:camera prst="orthographicFront">
+                <a:rot lat="0" lon="0" rev="0"/>
+              </a:camera>
+              <a:lightRig rig="threePt" dir="t"/>
+            </a:scene3d>
+          </p:spPr>
+          <p:style>
+            <a:lnRef idx="2">
+              <a:schemeClr val="accent1">
+                <a:shade val="50000"/>
+              </a:schemeClr>
+            </a:lnRef>
+            <a:fillRef idx="1">
+              <a:schemeClr val="accent1"/>
+            </a:fillRef>
+            <a:effectRef idx="0">
+              <a:schemeClr val="accent1"/>
+            </a:effectRef>
+            <a:fontRef idx="minor">
+              <a:schemeClr val="lt1"/>
+            </a:fontRef>
+          </p:style>
+        </p:cxnSp>
+      </p:grpSp>
+      <p:sp>
+        <p:nvSpPr>
+          <p:cNvPr id="2" name="FOV Ref">
+            <a:extLst>
+              <a:ext uri="{FF2B5EF4-FFF2-40B4-BE49-F238E27FC236}">
+                <a16:creationId xmlns:a16="http://schemas.microsoft.com/office/drawing/2014/main" id="{4DDC50FA-2E12-25E6-AE73-E682E7F6DAE6}"/>
+              </a:ext>
+            </a:extLst>
+          </p:cNvPr>
+          <p:cNvSpPr/>
+          <p:nvPr/>
+        </p:nvSpPr>
+        <p:spPr>
+          <a:xfrm>
+            <a:off x="75284" y="83511"/>
+            <a:ext cx="4535054" cy="2545882"/>
+          </a:xfrm>
+          <a:prstGeom prst="rect">
+            <a:avLst/>
+          </a:prstGeom>
+          <a:gradFill flip="none" rotWithShape="1">
+            <a:gsLst>
+              <a:gs pos="100000">
+                <a:schemeClr val="accent6">
+                  <a:alpha val="37000"/>
+                </a:schemeClr>
+              </a:gs>
+              <a:gs pos="88000">
+                <a:schemeClr val="accent6">
+                  <a:alpha val="6000"/>
+                </a:schemeClr>
+              </a:gs>
+              <a:gs pos="77000">
+                <a:schemeClr val="accent6">
+                  <a:alpha val="2000"/>
+                </a:schemeClr>
+              </a:gs>
+            </a:gsLst>
+            <a:path path="rect">
+              <a:fillToRect l="50000" t="50000" r="50000" b="50000"/>
+            </a:path>
+            <a:tileRect/>
+          </a:gradFill>
+          <a:ln w="12700">
+            <a:solidFill>
+              <a:schemeClr val="accent6">
+                <a:lumMod val="50000"/>
+              </a:schemeClr>
+            </a:solidFill>
+            <a:prstDash val="dash"/>
+          </a:ln>
+        </p:spPr>
+        <p:style>
+          <a:lnRef idx="2">
+            <a:schemeClr val="accent1">
+              <a:shade val="50000"/>
+            </a:schemeClr>
+          </a:lnRef>
+          <a:fillRef idx="1">
+            <a:schemeClr val="accent1"/>
+          </a:fillRef>
+          <a:effectRef idx="0">
+            <a:schemeClr val="accent1"/>
+          </a:effectRef>
+          <a:fontRef idx="minor">
+            <a:schemeClr val="lt1"/>
+          </a:fontRef>
+        </p:style>
+        <p:txBody>
+          <a:bodyPr rtlCol="0" anchor="ctr"/>
+          <a:lstStyle/>
+          <a:p>
+            <a:pPr algn="ctr"/>
+            <a:endParaRPr lang="de-DE" sz="1000" dirty="0">
+              <a:solidFill>
+                <a:schemeClr val="accent5">
+                  <a:lumMod val="50000"/>
+                </a:schemeClr>
+              </a:solidFill>
+              <a:latin typeface="Times New Roman" panose="02020603050405020304" pitchFamily="18" charset="0"/>
+              <a:cs typeface="Times New Roman" panose="02020603050405020304" pitchFamily="18" charset="0"/>
+            </a:endParaRPr>
+          </a:p>
+        </p:txBody>
+      </p:sp>
+      <p:pic>
+        <p:nvPicPr>
+          <p:cNvPr id="68" name="Graphic 67">
+            <a:extLst>
+              <a:ext uri="{FF2B5EF4-FFF2-40B4-BE49-F238E27FC236}">
+                <a16:creationId xmlns:a16="http://schemas.microsoft.com/office/drawing/2014/main" id="{8314C3CA-2BAC-FD91-9EB0-9BA43164ABA6}"/>
+              </a:ext>
+            </a:extLst>
+          </p:cNvPr>
+          <p:cNvPicPr>
+            <a:picLocks noChangeAspect="1"/>
+          </p:cNvPicPr>
+          <p:nvPr/>
+        </p:nvPicPr>
+        <p:blipFill>
+          <a:blip r:embed="rId10" cstate="print">
+            <a:extLst>
+              <a:ext uri="{28A0092B-C50C-407E-A947-70E740481C1C}">
+                <a14:useLocalDpi xmlns:a14="http://schemas.microsoft.com/office/drawing/2010/main" val="0"/>
+              </a:ext>
+              <a:ext uri="{96DAC541-7B7A-43D3-8B79-37D633B846F1}">
+                <asvg:svgBlip xmlns:asvg="http://schemas.microsoft.com/office/drawing/2016/SVG/main" r:embed="rId11"/>
+              </a:ext>
+            </a:extLst>
+          </a:blip>
+          <a:stretch>
+            <a:fillRect/>
+          </a:stretch>
+        </p:blipFill>
+        <p:spPr>
+          <a:xfrm rot="16200000" flipH="1">
+            <a:off x="4739325" y="979418"/>
+            <a:ext cx="124800" cy="187200"/>
+          </a:xfrm>
+          <a:prstGeom prst="rect">
+            <a:avLst/>
+          </a:prstGeom>
+        </p:spPr>
+      </p:pic>
+      <p:pic>
+        <p:nvPicPr>
+          <p:cNvPr id="75" name="Graphic 74">
+            <a:extLst>
+              <a:ext uri="{FF2B5EF4-FFF2-40B4-BE49-F238E27FC236}">
+                <a16:creationId xmlns:a16="http://schemas.microsoft.com/office/drawing/2014/main" id="{D6090EBB-3C3D-15A7-DCFC-43E4E29BB228}"/>
+              </a:ext>
+            </a:extLst>
+          </p:cNvPr>
+          <p:cNvPicPr>
+            <a:picLocks noChangeAspect="1"/>
+          </p:cNvPicPr>
+          <p:nvPr/>
+        </p:nvPicPr>
+        <p:blipFill>
+          <a:blip r:embed="rId10" cstate="print">
+            <a:extLst>
+              <a:ext uri="{28A0092B-C50C-407E-A947-70E740481C1C}">
+                <a14:useLocalDpi xmlns:a14="http://schemas.microsoft.com/office/drawing/2010/main" val="0"/>
+              </a:ext>
+              <a:ext uri="{96DAC541-7B7A-43D3-8B79-37D633B846F1}">
+                <asvg:svgBlip xmlns:asvg="http://schemas.microsoft.com/office/drawing/2016/SVG/main" r:embed="rId11"/>
+              </a:ext>
+            </a:extLst>
+          </a:blip>
+          <a:stretch>
+            <a:fillRect/>
+          </a:stretch>
+        </p:blipFill>
+        <p:spPr>
+          <a:xfrm rot="5400000" flipH="1">
+            <a:off x="4739325" y="1929698"/>
+            <a:ext cx="124800" cy="187200"/>
+          </a:xfrm>
+          <a:prstGeom prst="rect">
+            <a:avLst/>
+          </a:prstGeom>
+        </p:spPr>
+      </p:pic>
+      <p:sp>
+        <p:nvSpPr>
+          <p:cNvPr id="95" name="Rectangle 94">
+            <a:extLst>
+              <a:ext uri="{FF2B5EF4-FFF2-40B4-BE49-F238E27FC236}">
+                <a16:creationId xmlns:a16="http://schemas.microsoft.com/office/drawing/2014/main" id="{7E631CAE-18AD-B555-28E3-654D824FF39D}"/>
+              </a:ext>
+            </a:extLst>
+          </p:cNvPr>
+          <p:cNvSpPr/>
+          <p:nvPr/>
+        </p:nvSpPr>
+        <p:spPr>
+          <a:xfrm rot="10800000">
+            <a:off x="4696850" y="1960346"/>
+            <a:ext cx="210970" cy="136936"/>
+          </a:xfrm>
+          <a:prstGeom prst="rect">
+            <a:avLst/>
+          </a:prstGeom>
+          <a:noFill/>
+          <a:ln w="28575">
+            <a:solidFill>
+              <a:schemeClr val="accent2">
+                <a:lumMod val="75000"/>
+              </a:schemeClr>
+            </a:solidFill>
+          </a:ln>
+        </p:spPr>
+        <p:style>
+          <a:lnRef idx="2">
+            <a:schemeClr val="accent1">
+              <a:shade val="50000"/>
+            </a:schemeClr>
+          </a:lnRef>
+          <a:fillRef idx="1">
+            <a:schemeClr val="accent1"/>
+          </a:fillRef>
+          <a:effectRef idx="0">
+            <a:schemeClr val="accent1"/>
+          </a:effectRef>
+          <a:fontRef idx="minor">
+            <a:schemeClr val="lt1"/>
+          </a:fontRef>
+        </p:style>
+        <p:txBody>
+          <a:bodyPr rtlCol="0" anchor="ctr"/>
+          <a:lstStyle/>
+          <a:p>
+            <a:pPr algn="ctr"/>
+            <a:endParaRPr lang="en-US" sz="1000">
+              <a:latin typeface="Times New Roman" panose="02020603050405020304" pitchFamily="18" charset="0"/>
+              <a:cs typeface="Times New Roman" panose="02020603050405020304" pitchFamily="18" charset="0"/>
+            </a:endParaRPr>
+          </a:p>
+        </p:txBody>
+      </p:sp>
+      <p:sp>
+        <p:nvSpPr>
           <p:cNvPr id="71" name="Text OuT">
             <a:extLst>
               <a:ext uri="{FF2B5EF4-FFF2-40B4-BE49-F238E27FC236}">
@@ -14031,12 +14586,144 @@
           </a:p>
         </p:txBody>
       </p:sp>
+      <p:pic>
+        <p:nvPicPr>
+          <p:cNvPr id="77" name="Graphic 76">
+            <a:extLst>
+              <a:ext uri="{FF2B5EF4-FFF2-40B4-BE49-F238E27FC236}">
+                <a16:creationId xmlns:a16="http://schemas.microsoft.com/office/drawing/2014/main" id="{201E46E6-83C3-F36B-2CB7-6AEC9F9A43CD}"/>
+              </a:ext>
+            </a:extLst>
+          </p:cNvPr>
+          <p:cNvPicPr>
+            <a:picLocks noChangeAspect="1"/>
+          </p:cNvPicPr>
+          <p:nvPr/>
+        </p:nvPicPr>
+        <p:blipFill>
+          <a:blip r:embed="rId10" cstate="print">
+            <a:extLst>
+              <a:ext uri="{28A0092B-C50C-407E-A947-70E740481C1C}">
+                <a14:useLocalDpi xmlns:a14="http://schemas.microsoft.com/office/drawing/2010/main" val="0"/>
+              </a:ext>
+              <a:ext uri="{96DAC541-7B7A-43D3-8B79-37D633B846F1}">
+                <asvg:svgBlip xmlns:asvg="http://schemas.microsoft.com/office/drawing/2016/SVG/main" r:embed="rId11"/>
+              </a:ext>
+            </a:extLst>
+          </a:blip>
+          <a:stretch>
+            <a:fillRect/>
+          </a:stretch>
+        </p:blipFill>
+        <p:spPr>
+          <a:xfrm>
+            <a:off x="285200" y="206828"/>
+            <a:ext cx="124800" cy="187200"/>
+          </a:xfrm>
+          <a:prstGeom prst="rect">
+            <a:avLst/>
+          </a:prstGeom>
+        </p:spPr>
+      </p:pic>
+      <p:pic>
+        <p:nvPicPr>
+          <p:cNvPr id="47" name="Picture 46" descr="Icon&#10;&#10;Description automatically generated">
+            <a:extLst>
+              <a:ext uri="{FF2B5EF4-FFF2-40B4-BE49-F238E27FC236}">
+                <a16:creationId xmlns:a16="http://schemas.microsoft.com/office/drawing/2014/main" id="{5151EA67-F660-4B02-B2F5-19A9EE6C9456}"/>
+              </a:ext>
+            </a:extLst>
+          </p:cNvPr>
+          <p:cNvPicPr>
+            <a:picLocks noChangeAspect="1"/>
+          </p:cNvPicPr>
+          <p:nvPr/>
+        </p:nvPicPr>
+        <p:blipFill>
+          <a:blip r:embed="rId12" cstate="print">
+            <a:extLst>
+              <a:ext uri="{28A0092B-C50C-407E-A947-70E740481C1C}">
+                <a14:useLocalDpi xmlns:a14="http://schemas.microsoft.com/office/drawing/2010/main" val="0"/>
+              </a:ext>
+            </a:extLst>
+          </a:blip>
+          <a:stretch>
+            <a:fillRect/>
+          </a:stretch>
+        </p:blipFill>
+        <p:spPr>
+          <a:xfrm>
+            <a:off x="248001" y="119152"/>
+            <a:ext cx="522309" cy="522309"/>
+          </a:xfrm>
+          <a:prstGeom prst="rect">
+            <a:avLst/>
+          </a:prstGeom>
+        </p:spPr>
+      </p:pic>
       <p:sp>
         <p:nvSpPr>
-          <p:cNvPr id="78" name="Text OuT">
+          <p:cNvPr id="48" name="Rectangle 47">
             <a:extLst>
               <a:ext uri="{FF2B5EF4-FFF2-40B4-BE49-F238E27FC236}">
-                <a16:creationId xmlns:a16="http://schemas.microsoft.com/office/drawing/2014/main" id="{45F86FCC-EE21-DD6B-4ED9-E1769803493B}"/>
+                <a16:creationId xmlns:a16="http://schemas.microsoft.com/office/drawing/2014/main" id="{59690E28-84C1-1E8C-0A0D-1C431C796B46}"/>
+              </a:ext>
+            </a:extLst>
+          </p:cNvPr>
+          <p:cNvSpPr/>
+          <p:nvPr/>
+        </p:nvSpPr>
+        <p:spPr>
+          <a:xfrm>
+            <a:off x="255503" y="180213"/>
+            <a:ext cx="194589" cy="234520"/>
+          </a:xfrm>
+          <a:prstGeom prst="rect">
+            <a:avLst/>
+          </a:prstGeom>
+          <a:noFill/>
+          <a:ln w="28575">
+            <a:solidFill>
+              <a:schemeClr val="accent6">
+                <a:lumMod val="50000"/>
+              </a:schemeClr>
+            </a:solidFill>
+          </a:ln>
+        </p:spPr>
+        <p:style>
+          <a:lnRef idx="2">
+            <a:schemeClr val="accent1">
+              <a:shade val="50000"/>
+            </a:schemeClr>
+          </a:lnRef>
+          <a:fillRef idx="1">
+            <a:schemeClr val="accent1"/>
+          </a:fillRef>
+          <a:effectRef idx="0">
+            <a:schemeClr val="accent1"/>
+          </a:effectRef>
+          <a:fontRef idx="minor">
+            <a:schemeClr val="lt1"/>
+          </a:fontRef>
+        </p:style>
+        <p:txBody>
+          <a:bodyPr rtlCol="0" anchor="ctr"/>
+          <a:lstStyle/>
+          <a:p>
+            <a:pPr algn="ctr"/>
+            <a:endParaRPr lang="en-US" sz="1000">
+              <a:latin typeface="Times New Roman" panose="02020603050405020304" pitchFamily="18" charset="0"/>
+              <a:cs typeface="Times New Roman" panose="02020603050405020304" pitchFamily="18" charset="0"/>
+            </a:endParaRPr>
+          </a:p>
+        </p:txBody>
+      </p:sp>
+      <p:sp>
+        <p:nvSpPr>
+          <p:cNvPr id="57" name="Text OuT">
+            <a:extLst>
+              <a:ext uri="{FF2B5EF4-FFF2-40B4-BE49-F238E27FC236}">
+                <a16:creationId xmlns:a16="http://schemas.microsoft.com/office/drawing/2014/main" id="{F7E23A19-397B-7EB6-018B-EEF4C72E39F9}"/>
               </a:ext>
             </a:extLst>
           </p:cNvPr>
@@ -14045,7 +14732,7 @@
         </p:nvSpPr>
         <p:spPr>
           <a:xfrm>
-            <a:off x="5132050" y="1201513"/>
+            <a:off x="214443" y="279738"/>
             <a:ext cx="403174" cy="237360"/>
           </a:xfrm>
           <a:prstGeom prst="ellipse">
@@ -14482,7 +15169,7 @@
                   </a:schemeClr>
                 </a:solidFill>
               </a:rPr>
-              <a:t>L</a:t>
+              <a:t>D</a:t>
             </a:r>
           </a:p>
         </p:txBody>

--- a/img/top_down_fitting_slide.pptx
+++ b/img/top_down_fitting_slide.pptx
@@ -198,7 +198,7 @@
           <a:p>
             <a:fld id="{B2DDCB11-7C8F-4DF3-AAAF-6BDD1876932C}" type="datetimeFigureOut">
               <a:rPr lang="en-US" smtClean="0"/>
-              <a:t>10/4/2023</a:t>
+              <a:t>6/10/2024</a:t>
             </a:fld>
             <a:endParaRPr lang="en-US"/>
           </a:p>
@@ -720,7 +720,7 @@
           <a:p>
             <a:fld id="{C26389DF-7C87-4F65-9868-559F2AC6CA20}" type="datetimeFigureOut">
               <a:rPr lang="en-US" smtClean="0"/>
-              <a:t>10/4/2023</a:t>
+              <a:t>6/10/2024</a:t>
             </a:fld>
             <a:endParaRPr lang="en-US"/>
           </a:p>
@@ -890,7 +890,7 @@
           <a:p>
             <a:fld id="{C26389DF-7C87-4F65-9868-559F2AC6CA20}" type="datetimeFigureOut">
               <a:rPr lang="en-US" smtClean="0"/>
-              <a:t>10/4/2023</a:t>
+              <a:t>6/10/2024</a:t>
             </a:fld>
             <a:endParaRPr lang="en-US"/>
           </a:p>
@@ -1070,7 +1070,7 @@
           <a:p>
             <a:fld id="{C26389DF-7C87-4F65-9868-559F2AC6CA20}" type="datetimeFigureOut">
               <a:rPr lang="en-US" smtClean="0"/>
-              <a:t>10/4/2023</a:t>
+              <a:t>6/10/2024</a:t>
             </a:fld>
             <a:endParaRPr lang="en-US"/>
           </a:p>
@@ -1240,7 +1240,7 @@
           <a:p>
             <a:fld id="{C26389DF-7C87-4F65-9868-559F2AC6CA20}" type="datetimeFigureOut">
               <a:rPr lang="en-US" smtClean="0"/>
-              <a:t>10/4/2023</a:t>
+              <a:t>6/10/2024</a:t>
             </a:fld>
             <a:endParaRPr lang="en-US"/>
           </a:p>
@@ -1486,7 +1486,7 @@
           <a:p>
             <a:fld id="{C26389DF-7C87-4F65-9868-559F2AC6CA20}" type="datetimeFigureOut">
               <a:rPr lang="en-US" smtClean="0"/>
-              <a:t>10/4/2023</a:t>
+              <a:t>6/10/2024</a:t>
             </a:fld>
             <a:endParaRPr lang="en-US"/>
           </a:p>
@@ -1718,7 +1718,7 @@
           <a:p>
             <a:fld id="{C26389DF-7C87-4F65-9868-559F2AC6CA20}" type="datetimeFigureOut">
               <a:rPr lang="en-US" smtClean="0"/>
-              <a:t>10/4/2023</a:t>
+              <a:t>6/10/2024</a:t>
             </a:fld>
             <a:endParaRPr lang="en-US"/>
           </a:p>
@@ -2085,7 +2085,7 @@
           <a:p>
             <a:fld id="{C26389DF-7C87-4F65-9868-559F2AC6CA20}" type="datetimeFigureOut">
               <a:rPr lang="en-US" smtClean="0"/>
-              <a:t>10/4/2023</a:t>
+              <a:t>6/10/2024</a:t>
             </a:fld>
             <a:endParaRPr lang="en-US"/>
           </a:p>
@@ -2203,7 +2203,7 @@
           <a:p>
             <a:fld id="{C26389DF-7C87-4F65-9868-559F2AC6CA20}" type="datetimeFigureOut">
               <a:rPr lang="en-US" smtClean="0"/>
-              <a:t>10/4/2023</a:t>
+              <a:t>6/10/2024</a:t>
             </a:fld>
             <a:endParaRPr lang="en-US"/>
           </a:p>
@@ -2298,7 +2298,7 @@
           <a:p>
             <a:fld id="{C26389DF-7C87-4F65-9868-559F2AC6CA20}" type="datetimeFigureOut">
               <a:rPr lang="en-US" smtClean="0"/>
-              <a:t>10/4/2023</a:t>
+              <a:t>6/10/2024</a:t>
             </a:fld>
             <a:endParaRPr lang="en-US"/>
           </a:p>
@@ -2575,7 +2575,7 @@
           <a:p>
             <a:fld id="{C26389DF-7C87-4F65-9868-559F2AC6CA20}" type="datetimeFigureOut">
               <a:rPr lang="en-US" smtClean="0"/>
-              <a:t>10/4/2023</a:t>
+              <a:t>6/10/2024</a:t>
             </a:fld>
             <a:endParaRPr lang="en-US"/>
           </a:p>
@@ -2832,7 +2832,7 @@
           <a:p>
             <a:fld id="{C26389DF-7C87-4F65-9868-559F2AC6CA20}" type="datetimeFigureOut">
               <a:rPr lang="en-US" smtClean="0"/>
-              <a:t>10/4/2023</a:t>
+              <a:t>6/10/2024</a:t>
             </a:fld>
             <a:endParaRPr lang="en-US"/>
           </a:p>
@@ -3045,7 +3045,7 @@
           <a:p>
             <a:fld id="{C26389DF-7C87-4F65-9868-559F2AC6CA20}" type="datetimeFigureOut">
               <a:rPr lang="en-US" smtClean="0"/>
-              <a:t>10/4/2023</a:t>
+              <a:t>6/10/2024</a:t>
             </a:fld>
             <a:endParaRPr lang="en-US"/>
           </a:p>
@@ -5127,14 +5127,14 @@
           <a:lstStyle/>
           <a:p>
             <a:r>
-              <a:rPr lang="de-DE" sz="1000" dirty="0" err="1">
+              <a:rPr lang="de-DE" sz="1000" dirty="0">
                 <a:solidFill>
                   <a:schemeClr val="tx1"/>
                 </a:solidFill>
                 <a:latin typeface="Times New Roman" panose="02020603050405020304" pitchFamily="18" charset="0"/>
                 <a:cs typeface="Times New Roman" panose="02020603050405020304" pitchFamily="18" charset="0"/>
               </a:rPr>
-              <a:t>OuT</a:t>
+              <a:t>SUT</a:t>
             </a:r>
             <a:endParaRPr lang="en-US" sz="1000" dirty="0"/>
           </a:p>
@@ -5579,25 +5579,8 @@
                 <a:latin typeface="Times New Roman" panose="02020603050405020304" pitchFamily="18" charset="0"/>
                 <a:cs typeface="Times New Roman" panose="02020603050405020304" pitchFamily="18" charset="0"/>
               </a:rPr>
-              <a:t>FOV </a:t>
+              <a:t>AOV SUT</a:t>
             </a:r>
-            <a:r>
-              <a:rPr lang="en-US" sz="800" dirty="0" err="1">
-                <a:solidFill>
-                  <a:schemeClr val="tx1"/>
-                </a:solidFill>
-                <a:latin typeface="Times New Roman" panose="02020603050405020304" pitchFamily="18" charset="0"/>
-                <a:cs typeface="Times New Roman" panose="02020603050405020304" pitchFamily="18" charset="0"/>
-              </a:rPr>
-              <a:t>OuT</a:t>
-            </a:r>
-            <a:endParaRPr lang="en-US" sz="800" dirty="0">
-              <a:solidFill>
-                <a:schemeClr val="tx1"/>
-              </a:solidFill>
-              <a:latin typeface="Times New Roman" panose="02020603050405020304" pitchFamily="18" charset="0"/>
-              <a:cs typeface="Times New Roman" panose="02020603050405020304" pitchFamily="18" charset="0"/>
-            </a:endParaRPr>
           </a:p>
         </p:txBody>
       </p:sp>
@@ -5682,7 +5665,7 @@
                 <a:latin typeface="Times New Roman" panose="02020603050405020304" pitchFamily="18" charset="0"/>
                 <a:cs typeface="Times New Roman" panose="02020603050405020304" pitchFamily="18" charset="0"/>
               </a:rPr>
-              <a:t>FOV </a:t>
+              <a:t>AOV </a:t>
             </a:r>
             <a:r>
               <a:rPr lang="de-DE" sz="800" dirty="0" err="1">
@@ -5762,25 +5745,8 @@
                 <a:latin typeface="Times New Roman" panose="02020603050405020304" pitchFamily="18" charset="0"/>
                 <a:cs typeface="Times New Roman" panose="02020603050405020304" pitchFamily="18" charset="0"/>
               </a:rPr>
-              <a:t>Objects </a:t>
+              <a:t>Objects SUT</a:t>
             </a:r>
-            <a:r>
-              <a:rPr lang="en-US" sz="800" dirty="0" err="1">
-                <a:solidFill>
-                  <a:schemeClr val="tx1"/>
-                </a:solidFill>
-                <a:latin typeface="Times New Roman" panose="02020603050405020304" pitchFamily="18" charset="0"/>
-                <a:cs typeface="Times New Roman" panose="02020603050405020304" pitchFamily="18" charset="0"/>
-              </a:rPr>
-              <a:t>OuT</a:t>
-            </a:r>
-            <a:endParaRPr lang="en-US" sz="800" dirty="0">
-              <a:solidFill>
-                <a:schemeClr val="tx1"/>
-              </a:solidFill>
-              <a:latin typeface="Times New Roman" panose="02020603050405020304" pitchFamily="18" charset="0"/>
-              <a:cs typeface="Times New Roman" panose="02020603050405020304" pitchFamily="18" charset="0"/>
-            </a:endParaRPr>
           </a:p>
         </p:txBody>
       </p:sp>

--- a/img/top_down_fitting_slide.pptx
+++ b/img/top_down_fitting_slide.pptx
@@ -198,7 +198,7 @@
           <a:p>
             <a:fld id="{B2DDCB11-7C8F-4DF3-AAAF-6BDD1876932C}" type="datetimeFigureOut">
               <a:rPr lang="en-US" smtClean="0"/>
-              <a:t>6/10/2024</a:t>
+              <a:t>6/14/2024</a:t>
             </a:fld>
             <a:endParaRPr lang="en-US"/>
           </a:p>
@@ -720,7 +720,7 @@
           <a:p>
             <a:fld id="{C26389DF-7C87-4F65-9868-559F2AC6CA20}" type="datetimeFigureOut">
               <a:rPr lang="en-US" smtClean="0"/>
-              <a:t>6/10/2024</a:t>
+              <a:t>6/14/2024</a:t>
             </a:fld>
             <a:endParaRPr lang="en-US"/>
           </a:p>
@@ -890,7 +890,7 @@
           <a:p>
             <a:fld id="{C26389DF-7C87-4F65-9868-559F2AC6CA20}" type="datetimeFigureOut">
               <a:rPr lang="en-US" smtClean="0"/>
-              <a:t>6/10/2024</a:t>
+              <a:t>6/14/2024</a:t>
             </a:fld>
             <a:endParaRPr lang="en-US"/>
           </a:p>
@@ -1070,7 +1070,7 @@
           <a:p>
             <a:fld id="{C26389DF-7C87-4F65-9868-559F2AC6CA20}" type="datetimeFigureOut">
               <a:rPr lang="en-US" smtClean="0"/>
-              <a:t>6/10/2024</a:t>
+              <a:t>6/14/2024</a:t>
             </a:fld>
             <a:endParaRPr lang="en-US"/>
           </a:p>
@@ -1240,7 +1240,7 @@
           <a:p>
             <a:fld id="{C26389DF-7C87-4F65-9868-559F2AC6CA20}" type="datetimeFigureOut">
               <a:rPr lang="en-US" smtClean="0"/>
-              <a:t>6/10/2024</a:t>
+              <a:t>6/14/2024</a:t>
             </a:fld>
             <a:endParaRPr lang="en-US"/>
           </a:p>
@@ -1486,7 +1486,7 @@
           <a:p>
             <a:fld id="{C26389DF-7C87-4F65-9868-559F2AC6CA20}" type="datetimeFigureOut">
               <a:rPr lang="en-US" smtClean="0"/>
-              <a:t>6/10/2024</a:t>
+              <a:t>6/14/2024</a:t>
             </a:fld>
             <a:endParaRPr lang="en-US"/>
           </a:p>
@@ -1718,7 +1718,7 @@
           <a:p>
             <a:fld id="{C26389DF-7C87-4F65-9868-559F2AC6CA20}" type="datetimeFigureOut">
               <a:rPr lang="en-US" smtClean="0"/>
-              <a:t>6/10/2024</a:t>
+              <a:t>6/14/2024</a:t>
             </a:fld>
             <a:endParaRPr lang="en-US"/>
           </a:p>
@@ -2085,7 +2085,7 @@
           <a:p>
             <a:fld id="{C26389DF-7C87-4F65-9868-559F2AC6CA20}" type="datetimeFigureOut">
               <a:rPr lang="en-US" smtClean="0"/>
-              <a:t>6/10/2024</a:t>
+              <a:t>6/14/2024</a:t>
             </a:fld>
             <a:endParaRPr lang="en-US"/>
           </a:p>
@@ -2203,7 +2203,7 @@
           <a:p>
             <a:fld id="{C26389DF-7C87-4F65-9868-559F2AC6CA20}" type="datetimeFigureOut">
               <a:rPr lang="en-US" smtClean="0"/>
-              <a:t>6/10/2024</a:t>
+              <a:t>6/14/2024</a:t>
             </a:fld>
             <a:endParaRPr lang="en-US"/>
           </a:p>
@@ -2298,7 +2298,7 @@
           <a:p>
             <a:fld id="{C26389DF-7C87-4F65-9868-559F2AC6CA20}" type="datetimeFigureOut">
               <a:rPr lang="en-US" smtClean="0"/>
-              <a:t>6/10/2024</a:t>
+              <a:t>6/14/2024</a:t>
             </a:fld>
             <a:endParaRPr lang="en-US"/>
           </a:p>
@@ -2575,7 +2575,7 @@
           <a:p>
             <a:fld id="{C26389DF-7C87-4F65-9868-559F2AC6CA20}" type="datetimeFigureOut">
               <a:rPr lang="en-US" smtClean="0"/>
-              <a:t>6/10/2024</a:t>
+              <a:t>6/14/2024</a:t>
             </a:fld>
             <a:endParaRPr lang="en-US"/>
           </a:p>
@@ -2832,7 +2832,7 @@
           <a:p>
             <a:fld id="{C26389DF-7C87-4F65-9868-559F2AC6CA20}" type="datetimeFigureOut">
               <a:rPr lang="en-US" smtClean="0"/>
-              <a:t>6/10/2024</a:t>
+              <a:t>6/14/2024</a:t>
             </a:fld>
             <a:endParaRPr lang="en-US"/>
           </a:p>
@@ -3045,7 +3045,7 @@
           <a:p>
             <a:fld id="{C26389DF-7C87-4F65-9868-559F2AC6CA20}" type="datetimeFigureOut">
               <a:rPr lang="en-US" smtClean="0"/>
-              <a:t>6/10/2024</a:t>
+              <a:t>6/14/2024</a:t>
             </a:fld>
             <a:endParaRPr lang="en-US"/>
           </a:p>
@@ -4865,7 +4865,7 @@
         </p:nvSpPr>
         <p:spPr>
           <a:xfrm>
-            <a:off x="1758419" y="248579"/>
+            <a:off x="1758419" y="58069"/>
             <a:ext cx="801158" cy="553998"/>
           </a:xfrm>
           <a:prstGeom prst="rect">
@@ -6028,7 +6028,7 @@
         </p:blipFill>
         <p:spPr>
           <a:xfrm rot="10800000">
-            <a:off x="2542166" y="355068"/>
+            <a:off x="2542166" y="164558"/>
             <a:ext cx="161749" cy="308215"/>
           </a:xfrm>
           <a:prstGeom prst="rect">
@@ -6050,7 +6050,7 @@
         </p:nvSpPr>
         <p:spPr>
           <a:xfrm>
-            <a:off x="2532398" y="358152"/>
+            <a:off x="2532398" y="167642"/>
             <a:ext cx="184026" cy="291396"/>
           </a:xfrm>
           <a:prstGeom prst="rect">
@@ -6775,7 +6775,7 @@
         </p:blipFill>
         <p:spPr>
           <a:xfrm flipH="1">
-            <a:off x="3228748" y="149521"/>
+            <a:off x="3238274" y="163810"/>
             <a:ext cx="124800" cy="187200"/>
           </a:xfrm>
           <a:prstGeom prst="rect">
@@ -6797,7 +6797,7 @@
         </p:nvSpPr>
         <p:spPr>
           <a:xfrm>
-            <a:off x="3220739" y="127144"/>
+            <a:off x="3230265" y="141433"/>
             <a:ext cx="155611" cy="227924"/>
           </a:xfrm>
           <a:prstGeom prst="rect">
@@ -7766,7 +7766,7 @@
         </p:nvSpPr>
         <p:spPr>
           <a:xfrm>
-            <a:off x="2383678" y="568146"/>
+            <a:off x="2383678" y="377636"/>
             <a:ext cx="403174" cy="237360"/>
           </a:xfrm>
           <a:prstGeom prst="ellipse">
@@ -8222,7 +8222,7 @@
         </p:nvSpPr>
         <p:spPr>
           <a:xfrm>
-            <a:off x="3204297" y="122426"/>
+            <a:off x="3213823" y="136715"/>
             <a:ext cx="403174" cy="237360"/>
           </a:xfrm>
           <a:prstGeom prst="ellipse">
